--- a/تحلیلگرشو - جلسه دوم.pptx
+++ b/تحلیلگرشو - جلسه دوم.pptx
@@ -5,7 +5,7 @@
     <p:sldMasterId id="2147483648" r:id="rId1"/>
   </p:sldMasterIdLst>
   <p:notesMasterIdLst>
-    <p:notesMasterId r:id="rId7"/>
+    <p:notesMasterId r:id="rId29"/>
   </p:notesMasterIdLst>
   <p:sldIdLst>
     <p:sldId id="257" r:id="rId2"/>
@@ -13,6 +13,28 @@
     <p:sldId id="277" r:id="rId4"/>
     <p:sldId id="278" r:id="rId5"/>
     <p:sldId id="279" r:id="rId6"/>
+    <p:sldId id="280" r:id="rId7"/>
+    <p:sldId id="281" r:id="rId8"/>
+    <p:sldId id="282" r:id="rId9"/>
+    <p:sldId id="283" r:id="rId10"/>
+    <p:sldId id="284" r:id="rId11"/>
+    <p:sldId id="285" r:id="rId12"/>
+    <p:sldId id="292" r:id="rId13"/>
+    <p:sldId id="293" r:id="rId14"/>
+    <p:sldId id="294" r:id="rId15"/>
+    <p:sldId id="295" r:id="rId16"/>
+    <p:sldId id="296" r:id="rId17"/>
+    <p:sldId id="297" r:id="rId18"/>
+    <p:sldId id="298" r:id="rId19"/>
+    <p:sldId id="299" r:id="rId20"/>
+    <p:sldId id="300" r:id="rId21"/>
+    <p:sldId id="301" r:id="rId22"/>
+    <p:sldId id="286" r:id="rId23"/>
+    <p:sldId id="287" r:id="rId24"/>
+    <p:sldId id="288" r:id="rId25"/>
+    <p:sldId id="289" r:id="rId26"/>
+    <p:sldId id="290" r:id="rId27"/>
+    <p:sldId id="291" r:id="rId28"/>
   </p:sldIdLst>
   <p:sldSz cx="12192000" cy="6858000"/>
   <p:notesSz cx="6858000" cy="9144000"/>
@@ -201,7 +223,7 @@
           <a:p>
             <a:fld id="{EE3F62D2-3153-4E38-AB69-2EE0D8F948EC}" type="datetimeFigureOut">
               <a:rPr lang="fa-IR" smtClean="0"/>
-              <a:t>21/07/1443</a:t>
+              <a:t>22/07/1443</a:t>
             </a:fld>
             <a:endParaRPr lang="fa-IR"/>
           </a:p>
@@ -684,7 +706,7 @@
           <a:p>
             <a:fld id="{0FFBCAC7-494B-4792-97B3-ECFB9C0CE2B6}" type="datetimeFigureOut">
               <a:rPr lang="fa-IR" smtClean="0"/>
-              <a:t>21/07/1443</a:t>
+              <a:t>22/07/1443</a:t>
             </a:fld>
             <a:endParaRPr lang="fa-IR"/>
           </a:p>
@@ -854,7 +876,7 @@
           <a:p>
             <a:fld id="{0FFBCAC7-494B-4792-97B3-ECFB9C0CE2B6}" type="datetimeFigureOut">
               <a:rPr lang="fa-IR" smtClean="0"/>
-              <a:t>21/07/1443</a:t>
+              <a:t>22/07/1443</a:t>
             </a:fld>
             <a:endParaRPr lang="fa-IR"/>
           </a:p>
@@ -1034,7 +1056,7 @@
           <a:p>
             <a:fld id="{0FFBCAC7-494B-4792-97B3-ECFB9C0CE2B6}" type="datetimeFigureOut">
               <a:rPr lang="fa-IR" smtClean="0"/>
-              <a:t>21/07/1443</a:t>
+              <a:t>22/07/1443</a:t>
             </a:fld>
             <a:endParaRPr lang="fa-IR"/>
           </a:p>
@@ -1204,7 +1226,7 @@
           <a:p>
             <a:fld id="{0FFBCAC7-494B-4792-97B3-ECFB9C0CE2B6}" type="datetimeFigureOut">
               <a:rPr lang="fa-IR" smtClean="0"/>
-              <a:t>21/07/1443</a:t>
+              <a:t>22/07/1443</a:t>
             </a:fld>
             <a:endParaRPr lang="fa-IR"/>
           </a:p>
@@ -1450,7 +1472,7 @@
           <a:p>
             <a:fld id="{0FFBCAC7-494B-4792-97B3-ECFB9C0CE2B6}" type="datetimeFigureOut">
               <a:rPr lang="fa-IR" smtClean="0"/>
-              <a:t>21/07/1443</a:t>
+              <a:t>22/07/1443</a:t>
             </a:fld>
             <a:endParaRPr lang="fa-IR"/>
           </a:p>
@@ -1682,7 +1704,7 @@
           <a:p>
             <a:fld id="{0FFBCAC7-494B-4792-97B3-ECFB9C0CE2B6}" type="datetimeFigureOut">
               <a:rPr lang="fa-IR" smtClean="0"/>
-              <a:t>21/07/1443</a:t>
+              <a:t>22/07/1443</a:t>
             </a:fld>
             <a:endParaRPr lang="fa-IR"/>
           </a:p>
@@ -2049,7 +2071,7 @@
           <a:p>
             <a:fld id="{0FFBCAC7-494B-4792-97B3-ECFB9C0CE2B6}" type="datetimeFigureOut">
               <a:rPr lang="fa-IR" smtClean="0"/>
-              <a:t>21/07/1443</a:t>
+              <a:t>22/07/1443</a:t>
             </a:fld>
             <a:endParaRPr lang="fa-IR"/>
           </a:p>
@@ -2167,7 +2189,7 @@
           <a:p>
             <a:fld id="{0FFBCAC7-494B-4792-97B3-ECFB9C0CE2B6}" type="datetimeFigureOut">
               <a:rPr lang="fa-IR" smtClean="0"/>
-              <a:t>21/07/1443</a:t>
+              <a:t>22/07/1443</a:t>
             </a:fld>
             <a:endParaRPr lang="fa-IR"/>
           </a:p>
@@ -2262,7 +2284,7 @@
           <a:p>
             <a:fld id="{0FFBCAC7-494B-4792-97B3-ECFB9C0CE2B6}" type="datetimeFigureOut">
               <a:rPr lang="fa-IR" smtClean="0"/>
-              <a:t>21/07/1443</a:t>
+              <a:t>22/07/1443</a:t>
             </a:fld>
             <a:endParaRPr lang="fa-IR"/>
           </a:p>
@@ -2539,7 +2561,7 @@
           <a:p>
             <a:fld id="{0FFBCAC7-494B-4792-97B3-ECFB9C0CE2B6}" type="datetimeFigureOut">
               <a:rPr lang="fa-IR" smtClean="0"/>
-              <a:t>21/07/1443</a:t>
+              <a:t>22/07/1443</a:t>
             </a:fld>
             <a:endParaRPr lang="fa-IR"/>
           </a:p>
@@ -2792,7 +2814,7 @@
           <a:p>
             <a:fld id="{0FFBCAC7-494B-4792-97B3-ECFB9C0CE2B6}" type="datetimeFigureOut">
               <a:rPr lang="fa-IR" smtClean="0"/>
-              <a:t>21/07/1443</a:t>
+              <a:t>22/07/1443</a:t>
             </a:fld>
             <a:endParaRPr lang="fa-IR"/>
           </a:p>
@@ -3005,7 +3027,7 @@
           <a:p>
             <a:fld id="{0FFBCAC7-494B-4792-97B3-ECFB9C0CE2B6}" type="datetimeFigureOut">
               <a:rPr lang="fa-IR" smtClean="0"/>
-              <a:t>21/07/1443</a:t>
+              <a:t>22/07/1443</a:t>
             </a:fld>
             <a:endParaRPr lang="fa-IR"/>
           </a:p>
@@ -4145,14 +4167,11 @@
           <a:p>
             <a:pPr algn="ctr"/>
             <a:r>
-              <a:rPr lang="fa-IR" sz="2800" dirty="0" smtClean="0">
+              <a:rPr lang="fa-IR" sz="2800" dirty="0">
                 <a:cs typeface="B Traffic" panose="00000400000000000000" pitchFamily="2" charset="-78"/>
               </a:rPr>
               <a:t>مقدمات پایتون</a:t>
             </a:r>
-            <a:endParaRPr lang="fa-IR" sz="2800" dirty="0">
-              <a:cs typeface="B Traffic" panose="00000400000000000000" pitchFamily="2" charset="-78"/>
-            </a:endParaRPr>
           </a:p>
         </p:txBody>
       </p:sp>
@@ -4230,6 +4249,6951 @@
     <p:extLst>
       <p:ext uri="{BB962C8B-B14F-4D97-AF65-F5344CB8AC3E}">
         <p14:creationId xmlns:p14="http://schemas.microsoft.com/office/powerpoint/2010/main" val="692868135"/>
+      </p:ext>
+    </p:extLst>
+  </p:cSld>
+  <p:clrMapOvr>
+    <a:masterClrMapping/>
+  </p:clrMapOvr>
+  <p:timing>
+    <p:tnLst>
+      <p:par>
+        <p:cTn id="1" dur="indefinite" restart="never" nodeType="tmRoot"/>
+      </p:par>
+    </p:tnLst>
+  </p:timing>
+</p:sld>
+</file>
+
+<file path=ppt/slides/slide10.xml><?xml version="1.0" encoding="utf-8"?>
+<p:sld xmlns:a="http://schemas.openxmlformats.org/drawingml/2006/main" xmlns:r="http://schemas.openxmlformats.org/officeDocument/2006/relationships" xmlns:p="http://schemas.openxmlformats.org/presentationml/2006/main">
+  <p:cSld>
+    <p:spTree>
+      <p:nvGrpSpPr>
+        <p:cNvPr id="1" name=""/>
+        <p:cNvGrpSpPr/>
+        <p:nvPr/>
+      </p:nvGrpSpPr>
+      <p:grpSpPr>
+        <a:xfrm>
+          <a:off x="0" y="0"/>
+          <a:ext cx="0" cy="0"/>
+          <a:chOff x="0" y="0"/>
+          <a:chExt cx="0" cy="0"/>
+        </a:xfrm>
+      </p:grpSpPr>
+      <p:sp>
+        <p:nvSpPr>
+          <p:cNvPr id="4" name="Rounded Rectangle 3"/>
+          <p:cNvSpPr/>
+          <p:nvPr/>
+        </p:nvSpPr>
+        <p:spPr>
+          <a:xfrm>
+            <a:off x="585811" y="535049"/>
+            <a:ext cx="4412344" cy="609600"/>
+          </a:xfrm>
+          <a:prstGeom prst="roundRect">
+            <a:avLst/>
+          </a:prstGeom>
+        </p:spPr>
+        <p:style>
+          <a:lnRef idx="2">
+            <a:schemeClr val="dk1">
+              <a:shade val="50000"/>
+            </a:schemeClr>
+          </a:lnRef>
+          <a:fillRef idx="1">
+            <a:schemeClr val="dk1"/>
+          </a:fillRef>
+          <a:effectRef idx="0">
+            <a:schemeClr val="dk1"/>
+          </a:effectRef>
+          <a:fontRef idx="minor">
+            <a:schemeClr val="lt1"/>
+          </a:fontRef>
+        </p:style>
+        <p:txBody>
+          <a:bodyPr rtlCol="1" anchor="ctr"/>
+          <a:lstStyle/>
+          <a:p>
+            <a:pPr algn="ctr"/>
+            <a:r>
+              <a:rPr lang="en-US" sz="2400" dirty="0">
+                <a:solidFill>
+                  <a:schemeClr val="bg1"/>
+                </a:solidFill>
+                <a:latin typeface="Bahnschrift" panose="020B0502040204020203" pitchFamily="34" charset="0"/>
+              </a:rPr>
+              <a:t>&gt;</a:t>
+            </a:r>
+            <a:r>
+              <a:rPr lang="en-US" sz="2400" dirty="0" smtClean="0">
+                <a:solidFill>
+                  <a:schemeClr val="bg1"/>
+                </a:solidFill>
+                <a:latin typeface="Bahnschrift" panose="020B0502040204020203" pitchFamily="34" charset="0"/>
+              </a:rPr>
+              <a:t> python </a:t>
+            </a:r>
+            <a:r>
+              <a:rPr lang="en-US" sz="2400" dirty="0">
+                <a:solidFill>
+                  <a:schemeClr val="bg1"/>
+                </a:solidFill>
+                <a:latin typeface="Bahnschrift" panose="020B0502040204020203" pitchFamily="34" charset="0"/>
+              </a:rPr>
+              <a:t>-m </a:t>
+            </a:r>
+            <a:r>
+              <a:rPr lang="en-US" sz="2400" dirty="0" smtClean="0">
+                <a:solidFill>
+                  <a:schemeClr val="bg1"/>
+                </a:solidFill>
+                <a:latin typeface="Bahnschrift" panose="020B0502040204020203" pitchFamily="34" charset="0"/>
+              </a:rPr>
+              <a:t>notebook</a:t>
+            </a:r>
+            <a:endParaRPr lang="fa-IR" sz="2400" dirty="0">
+              <a:solidFill>
+                <a:schemeClr val="bg1"/>
+              </a:solidFill>
+              <a:latin typeface="Bahnschrift" panose="020B0502040204020203" pitchFamily="34" charset="0"/>
+            </a:endParaRPr>
+          </a:p>
+        </p:txBody>
+      </p:sp>
+      <p:sp>
+        <p:nvSpPr>
+          <p:cNvPr id="5" name="TextBox 4"/>
+          <p:cNvSpPr txBox="1"/>
+          <p:nvPr/>
+        </p:nvSpPr>
+        <p:spPr>
+          <a:xfrm>
+            <a:off x="8632556" y="621429"/>
+            <a:ext cx="2520404" cy="523220"/>
+          </a:xfrm>
+          <a:prstGeom prst="rect">
+            <a:avLst/>
+          </a:prstGeom>
+          <a:noFill/>
+        </p:spPr>
+        <p:txBody>
+          <a:bodyPr wrap="square" rtlCol="1">
+            <a:spAutoFit/>
+          </a:bodyPr>
+          <a:lstStyle/>
+          <a:p>
+            <a:pPr algn="r"/>
+            <a:r>
+              <a:rPr lang="fa-IR" sz="2800" dirty="0" smtClean="0">
+                <a:cs typeface="B Traffic" panose="00000400000000000000" pitchFamily="2" charset="-78"/>
+              </a:rPr>
+              <a:t>فراخوانی ژوپیتر </a:t>
+            </a:r>
+            <a:endParaRPr lang="fa-IR" sz="2800" dirty="0">
+              <a:cs typeface="B Traffic" panose="00000400000000000000" pitchFamily="2" charset="-78"/>
+            </a:endParaRPr>
+          </a:p>
+        </p:txBody>
+      </p:sp>
+      <p:pic>
+        <p:nvPicPr>
+          <p:cNvPr id="6" name="Picture 5"/>
+          <p:cNvPicPr>
+            <a:picLocks noChangeAspect="1"/>
+          </p:cNvPicPr>
+          <p:nvPr/>
+        </p:nvPicPr>
+        <p:blipFill rotWithShape="1">
+          <a:blip r:embed="rId2"/>
+          <a:srcRect l="6885" t="3972" r="7469" b="5085"/>
+          <a:stretch/>
+        </p:blipFill>
+        <p:spPr>
+          <a:xfrm>
+            <a:off x="340963" y="1919564"/>
+            <a:ext cx="5238427" cy="4357249"/>
+          </a:xfrm>
+          <a:prstGeom prst="rect">
+            <a:avLst/>
+          </a:prstGeom>
+          <a:ln w="38100" cap="sq">
+            <a:solidFill>
+              <a:srgbClr val="000000"/>
+            </a:solidFill>
+            <a:prstDash val="solid"/>
+            <a:miter lim="800000"/>
+          </a:ln>
+          <a:effectLst>
+            <a:outerShdw blurRad="50800" dist="38100" dir="2700000" algn="tl" rotWithShape="0">
+              <a:srgbClr val="000000">
+                <a:alpha val="43000"/>
+              </a:srgbClr>
+            </a:outerShdw>
+          </a:effectLst>
+        </p:spPr>
+      </p:pic>
+      <p:pic>
+        <p:nvPicPr>
+          <p:cNvPr id="8" name="Picture 7"/>
+          <p:cNvPicPr>
+            <a:picLocks noChangeAspect="1"/>
+          </p:cNvPicPr>
+          <p:nvPr/>
+        </p:nvPicPr>
+        <p:blipFill rotWithShape="1">
+          <a:blip r:embed="rId2"/>
+          <a:srcRect l="74259" t="24311" r="11599" b="57045"/>
+          <a:stretch/>
+        </p:blipFill>
+        <p:spPr>
+          <a:xfrm>
+            <a:off x="2069022" y="3890075"/>
+            <a:ext cx="1677165" cy="1658318"/>
+          </a:xfrm>
+          <a:prstGeom prst="rect">
+            <a:avLst/>
+          </a:prstGeom>
+        </p:spPr>
+      </p:pic>
+      <p:sp>
+        <p:nvSpPr>
+          <p:cNvPr id="9" name="Rectangle 8"/>
+          <p:cNvSpPr/>
+          <p:nvPr/>
+        </p:nvSpPr>
+        <p:spPr>
+          <a:xfrm>
+            <a:off x="4463512" y="2882685"/>
+            <a:ext cx="852407" cy="883403"/>
+          </a:xfrm>
+          <a:prstGeom prst="rect">
+            <a:avLst/>
+          </a:prstGeom>
+          <a:noFill/>
+          <a:ln w="28575">
+            <a:solidFill>
+              <a:srgbClr val="FF0000"/>
+            </a:solidFill>
+          </a:ln>
+        </p:spPr>
+        <p:style>
+          <a:lnRef idx="2">
+            <a:schemeClr val="accent1">
+              <a:shade val="50000"/>
+            </a:schemeClr>
+          </a:lnRef>
+          <a:fillRef idx="1">
+            <a:schemeClr val="accent1"/>
+          </a:fillRef>
+          <a:effectRef idx="0">
+            <a:schemeClr val="accent1"/>
+          </a:effectRef>
+          <a:fontRef idx="minor">
+            <a:schemeClr val="lt1"/>
+          </a:fontRef>
+        </p:style>
+        <p:txBody>
+          <a:bodyPr rtlCol="1" anchor="ctr"/>
+          <a:lstStyle/>
+          <a:p>
+            <a:pPr algn="ctr"/>
+            <a:endParaRPr lang="fa-IR"/>
+          </a:p>
+        </p:txBody>
+      </p:sp>
+      <p:sp>
+        <p:nvSpPr>
+          <p:cNvPr id="10" name="Rectangle 9"/>
+          <p:cNvSpPr/>
+          <p:nvPr/>
+        </p:nvSpPr>
+        <p:spPr>
+          <a:xfrm>
+            <a:off x="2055197" y="3835831"/>
+            <a:ext cx="1690990" cy="1712562"/>
+          </a:xfrm>
+          <a:prstGeom prst="rect">
+            <a:avLst/>
+          </a:prstGeom>
+          <a:noFill/>
+          <a:ln w="28575">
+            <a:solidFill>
+              <a:srgbClr val="FF0000"/>
+            </a:solidFill>
+          </a:ln>
+        </p:spPr>
+        <p:style>
+          <a:lnRef idx="2">
+            <a:schemeClr val="accent1">
+              <a:shade val="50000"/>
+            </a:schemeClr>
+          </a:lnRef>
+          <a:fillRef idx="1">
+            <a:schemeClr val="accent1"/>
+          </a:fillRef>
+          <a:effectRef idx="0">
+            <a:schemeClr val="accent1"/>
+          </a:effectRef>
+          <a:fontRef idx="minor">
+            <a:schemeClr val="lt1"/>
+          </a:fontRef>
+        </p:style>
+        <p:txBody>
+          <a:bodyPr rtlCol="1" anchor="ctr"/>
+          <a:lstStyle/>
+          <a:p>
+            <a:pPr algn="ctr"/>
+            <a:endParaRPr lang="fa-IR"/>
+          </a:p>
+        </p:txBody>
+      </p:sp>
+      <p:sp>
+        <p:nvSpPr>
+          <p:cNvPr id="11" name="Rectangle 10"/>
+          <p:cNvSpPr/>
+          <p:nvPr/>
+        </p:nvSpPr>
+        <p:spPr>
+          <a:xfrm>
+            <a:off x="2216258" y="4060556"/>
+            <a:ext cx="1363850" cy="325464"/>
+          </a:xfrm>
+          <a:prstGeom prst="rect">
+            <a:avLst/>
+          </a:prstGeom>
+          <a:noFill/>
+        </p:spPr>
+        <p:style>
+          <a:lnRef idx="2">
+            <a:schemeClr val="accent1">
+              <a:shade val="50000"/>
+            </a:schemeClr>
+          </a:lnRef>
+          <a:fillRef idx="1">
+            <a:schemeClr val="accent1"/>
+          </a:fillRef>
+          <a:effectRef idx="0">
+            <a:schemeClr val="accent1"/>
+          </a:effectRef>
+          <a:fontRef idx="minor">
+            <a:schemeClr val="lt1"/>
+          </a:fontRef>
+        </p:style>
+        <p:txBody>
+          <a:bodyPr rtlCol="1" anchor="ctr"/>
+          <a:lstStyle/>
+          <a:p>
+            <a:pPr algn="ctr"/>
+            <a:endParaRPr lang="fa-IR"/>
+          </a:p>
+        </p:txBody>
+      </p:sp>
+      <p:cxnSp>
+        <p:nvCxnSpPr>
+          <p:cNvPr id="13" name="Straight Connector 12"/>
+          <p:cNvCxnSpPr>
+            <a:endCxn id="10" idx="0"/>
+          </p:cNvCxnSpPr>
+          <p:nvPr/>
+        </p:nvCxnSpPr>
+        <p:spPr>
+          <a:xfrm flipH="1">
+            <a:off x="2900692" y="3301139"/>
+            <a:ext cx="1562821" cy="534692"/>
+          </a:xfrm>
+          <a:prstGeom prst="line">
+            <a:avLst/>
+          </a:prstGeom>
+          <a:ln w="28575">
+            <a:solidFill>
+              <a:srgbClr val="FF0000"/>
+            </a:solidFill>
+          </a:ln>
+        </p:spPr>
+        <p:style>
+          <a:lnRef idx="1">
+            <a:schemeClr val="accent1"/>
+          </a:lnRef>
+          <a:fillRef idx="0">
+            <a:schemeClr val="accent1"/>
+          </a:fillRef>
+          <a:effectRef idx="0">
+            <a:schemeClr val="accent1"/>
+          </a:effectRef>
+          <a:fontRef idx="minor">
+            <a:schemeClr val="tx1"/>
+          </a:fontRef>
+        </p:style>
+      </p:cxnSp>
+      <p:pic>
+        <p:nvPicPr>
+          <p:cNvPr id="15" name="Picture 14"/>
+          <p:cNvPicPr>
+            <a:picLocks noChangeAspect="1"/>
+          </p:cNvPicPr>
+          <p:nvPr/>
+        </p:nvPicPr>
+        <p:blipFill rotWithShape="1">
+          <a:blip r:embed="rId3"/>
+          <a:srcRect l="6809" t="8474" r="3572" b="5509"/>
+          <a:stretch/>
+        </p:blipFill>
+        <p:spPr>
+          <a:xfrm>
+            <a:off x="6000924" y="1919564"/>
+            <a:ext cx="5498819" cy="4357249"/>
+          </a:xfrm>
+          <a:prstGeom prst="rect">
+            <a:avLst/>
+          </a:prstGeom>
+          <a:ln w="38100" cap="sq">
+            <a:solidFill>
+              <a:srgbClr val="000000"/>
+            </a:solidFill>
+            <a:prstDash val="solid"/>
+            <a:miter lim="800000"/>
+          </a:ln>
+          <a:effectLst>
+            <a:outerShdw blurRad="50800" dist="38100" dir="2700000" algn="tl" rotWithShape="0">
+              <a:srgbClr val="000000">
+                <a:alpha val="43000"/>
+              </a:srgbClr>
+            </a:outerShdw>
+          </a:effectLst>
+        </p:spPr>
+      </p:pic>
+      <p:sp>
+        <p:nvSpPr>
+          <p:cNvPr id="16" name="Freeform 15"/>
+          <p:cNvSpPr/>
+          <p:nvPr/>
+        </p:nvSpPr>
+        <p:spPr>
+          <a:xfrm>
+            <a:off x="4355024" y="1177432"/>
+            <a:ext cx="2760314" cy="697863"/>
+          </a:xfrm>
+          <a:custGeom>
+            <a:avLst/>
+            <a:gdLst>
+              <a:gd name="connsiteX0" fmla="*/ 0 w 2760314"/>
+              <a:gd name="connsiteY0" fmla="*/ 697863 h 697863"/>
+              <a:gd name="connsiteX1" fmla="*/ 1115878 w 2760314"/>
+              <a:gd name="connsiteY1" fmla="*/ 439 h 697863"/>
+              <a:gd name="connsiteX2" fmla="*/ 2588217 w 2760314"/>
+              <a:gd name="connsiteY2" fmla="*/ 589375 h 697863"/>
+              <a:gd name="connsiteX3" fmla="*/ 2464230 w 2760314"/>
+              <a:gd name="connsiteY3" fmla="*/ 372399 h 697863"/>
+              <a:gd name="connsiteX4" fmla="*/ 2758698 w 2760314"/>
+              <a:gd name="connsiteY4" fmla="*/ 651368 h 697863"/>
+              <a:gd name="connsiteX5" fmla="*/ 2309247 w 2760314"/>
+              <a:gd name="connsiteY5" fmla="*/ 604873 h 697863"/>
+            </a:gdLst>
+            <a:ahLst/>
+            <a:cxnLst>
+              <a:cxn ang="0">
+                <a:pos x="connsiteX0" y="connsiteY0"/>
+              </a:cxn>
+              <a:cxn ang="0">
+                <a:pos x="connsiteX1" y="connsiteY1"/>
+              </a:cxn>
+              <a:cxn ang="0">
+                <a:pos x="connsiteX2" y="connsiteY2"/>
+              </a:cxn>
+              <a:cxn ang="0">
+                <a:pos x="connsiteX3" y="connsiteY3"/>
+              </a:cxn>
+              <a:cxn ang="0">
+                <a:pos x="connsiteX4" y="connsiteY4"/>
+              </a:cxn>
+              <a:cxn ang="0">
+                <a:pos x="connsiteX5" y="connsiteY5"/>
+              </a:cxn>
+            </a:cxnLst>
+            <a:rect l="l" t="t" r="r" b="b"/>
+            <a:pathLst>
+              <a:path w="2760314" h="697863">
+                <a:moveTo>
+                  <a:pt x="0" y="697863"/>
+                </a:moveTo>
+                <a:cubicBezTo>
+                  <a:pt x="342254" y="358191"/>
+                  <a:pt x="684509" y="18520"/>
+                  <a:pt x="1115878" y="439"/>
+                </a:cubicBezTo>
+                <a:cubicBezTo>
+                  <a:pt x="1547247" y="-17642"/>
+                  <a:pt x="2363492" y="527382"/>
+                  <a:pt x="2588217" y="589375"/>
+                </a:cubicBezTo>
+                <a:cubicBezTo>
+                  <a:pt x="2812942" y="651368"/>
+                  <a:pt x="2435817" y="362067"/>
+                  <a:pt x="2464230" y="372399"/>
+                </a:cubicBezTo>
+                <a:cubicBezTo>
+                  <a:pt x="2492643" y="382731"/>
+                  <a:pt x="2784528" y="612622"/>
+                  <a:pt x="2758698" y="651368"/>
+                </a:cubicBezTo>
+                <a:cubicBezTo>
+                  <a:pt x="2732868" y="690114"/>
+                  <a:pt x="2521057" y="647493"/>
+                  <a:pt x="2309247" y="604873"/>
+                </a:cubicBezTo>
+              </a:path>
+            </a:pathLst>
+          </a:custGeom>
+          <a:noFill/>
+          <a:ln w="28575">
+            <a:solidFill>
+              <a:schemeClr val="tx1"/>
+            </a:solidFill>
+          </a:ln>
+        </p:spPr>
+        <p:style>
+          <a:lnRef idx="2">
+            <a:schemeClr val="accent1">
+              <a:shade val="50000"/>
+            </a:schemeClr>
+          </a:lnRef>
+          <a:fillRef idx="1">
+            <a:schemeClr val="accent1"/>
+          </a:fillRef>
+          <a:effectRef idx="0">
+            <a:schemeClr val="accent1"/>
+          </a:effectRef>
+          <a:fontRef idx="minor">
+            <a:schemeClr val="lt1"/>
+          </a:fontRef>
+        </p:style>
+        <p:txBody>
+          <a:bodyPr rtlCol="1" anchor="ctr"/>
+          <a:lstStyle/>
+          <a:p>
+            <a:pPr algn="ctr"/>
+            <a:endParaRPr lang="fa-IR"/>
+          </a:p>
+        </p:txBody>
+      </p:sp>
+    </p:spTree>
+    <p:extLst>
+      <p:ext uri="{BB962C8B-B14F-4D97-AF65-F5344CB8AC3E}">
+        <p14:creationId xmlns:p14="http://schemas.microsoft.com/office/powerpoint/2010/main" val="70853972"/>
+      </p:ext>
+    </p:extLst>
+  </p:cSld>
+  <p:clrMapOvr>
+    <a:masterClrMapping/>
+  </p:clrMapOvr>
+  <p:timing>
+    <p:tnLst>
+      <p:par>
+        <p:cTn id="1" dur="indefinite" restart="never" nodeType="tmRoot"/>
+      </p:par>
+    </p:tnLst>
+  </p:timing>
+</p:sld>
+</file>
+
+<file path=ppt/slides/slide11.xml><?xml version="1.0" encoding="utf-8"?>
+<p:sld xmlns:a="http://schemas.openxmlformats.org/drawingml/2006/main" xmlns:r="http://schemas.openxmlformats.org/officeDocument/2006/relationships" xmlns:p="http://schemas.openxmlformats.org/presentationml/2006/main">
+  <p:cSld>
+    <p:spTree>
+      <p:nvGrpSpPr>
+        <p:cNvPr id="1" name=""/>
+        <p:cNvGrpSpPr/>
+        <p:nvPr/>
+      </p:nvGrpSpPr>
+      <p:grpSpPr>
+        <a:xfrm>
+          <a:off x="0" y="0"/>
+          <a:ext cx="0" cy="0"/>
+          <a:chOff x="0" y="0"/>
+          <a:chExt cx="0" cy="0"/>
+        </a:xfrm>
+      </p:grpSpPr>
+      <p:sp>
+        <p:nvSpPr>
+          <p:cNvPr id="2" name="TextBox 1"/>
+          <p:cNvSpPr txBox="1"/>
+          <p:nvPr/>
+        </p:nvSpPr>
+        <p:spPr>
+          <a:xfrm>
+            <a:off x="557941" y="1053884"/>
+            <a:ext cx="4029557" cy="6001643"/>
+          </a:xfrm>
+          <a:prstGeom prst="rect">
+            <a:avLst/>
+          </a:prstGeom>
+          <a:noFill/>
+        </p:spPr>
+        <p:txBody>
+          <a:bodyPr wrap="square" rtlCol="1">
+            <a:spAutoFit/>
+          </a:bodyPr>
+          <a:lstStyle/>
+          <a:p>
+            <a:pPr marL="342900" indent="-342900">
+              <a:buFont typeface="Wingdings" panose="05000000000000000000" pitchFamily="2" charset="2"/>
+              <a:buChar char="q"/>
+            </a:pPr>
+            <a:r>
+              <a:rPr lang="en-US" sz="2400" dirty="0" smtClean="0">
+                <a:latin typeface="Bahnschrift" panose="020B0502040204020203" pitchFamily="34" charset="0"/>
+              </a:rPr>
+              <a:t>Start</a:t>
+            </a:r>
+          </a:p>
+          <a:p>
+            <a:pPr marL="342900" indent="-342900">
+              <a:buFont typeface="Wingdings" panose="05000000000000000000" pitchFamily="2" charset="2"/>
+              <a:buChar char="q"/>
+            </a:pPr>
+            <a:r>
+              <a:rPr lang="en-US" sz="2400" dirty="0" smtClean="0">
+                <a:solidFill>
+                  <a:schemeClr val="bg1">
+                    <a:lumMod val="75000"/>
+                  </a:schemeClr>
+                </a:solidFill>
+                <a:latin typeface="Bahnschrift" panose="020B0502040204020203" pitchFamily="34" charset="0"/>
+              </a:rPr>
+              <a:t>Comparison operators</a:t>
+            </a:r>
+          </a:p>
+          <a:p>
+            <a:pPr marL="342900" indent="-342900">
+              <a:buFont typeface="Wingdings" panose="05000000000000000000" pitchFamily="2" charset="2"/>
+              <a:buChar char="q"/>
+            </a:pPr>
+            <a:r>
+              <a:rPr lang="en-US" sz="2400" dirty="0" smtClean="0">
+                <a:solidFill>
+                  <a:schemeClr val="bg1">
+                    <a:lumMod val="75000"/>
+                  </a:schemeClr>
+                </a:solidFill>
+                <a:latin typeface="Bahnschrift" panose="020B0502040204020203" pitchFamily="34" charset="0"/>
+              </a:rPr>
+              <a:t>Logical operators</a:t>
+            </a:r>
+          </a:p>
+          <a:p>
+            <a:pPr marL="342900" indent="-342900">
+              <a:buFont typeface="Wingdings" panose="05000000000000000000" pitchFamily="2" charset="2"/>
+              <a:buChar char="q"/>
+            </a:pPr>
+            <a:r>
+              <a:rPr lang="en-US" sz="2400" dirty="0" smtClean="0">
+                <a:solidFill>
+                  <a:schemeClr val="bg1">
+                    <a:lumMod val="75000"/>
+                  </a:schemeClr>
+                </a:solidFill>
+                <a:latin typeface="Bahnschrift" panose="020B0502040204020203" pitchFamily="34" charset="0"/>
+              </a:rPr>
+              <a:t>Identity operators</a:t>
+            </a:r>
+          </a:p>
+          <a:p>
+            <a:pPr marL="342900" indent="-342900">
+              <a:buFont typeface="Wingdings" panose="05000000000000000000" pitchFamily="2" charset="2"/>
+              <a:buChar char="q"/>
+            </a:pPr>
+            <a:r>
+              <a:rPr lang="en-US" sz="2400" dirty="0" smtClean="0">
+                <a:solidFill>
+                  <a:schemeClr val="bg1">
+                    <a:lumMod val="75000"/>
+                  </a:schemeClr>
+                </a:solidFill>
+                <a:latin typeface="Bahnschrift" panose="020B0502040204020203" pitchFamily="34" charset="0"/>
+              </a:rPr>
+              <a:t>Membership operator</a:t>
+            </a:r>
+          </a:p>
+          <a:p>
+            <a:pPr marL="342900" indent="-342900">
+              <a:buFont typeface="Wingdings" panose="05000000000000000000" pitchFamily="2" charset="2"/>
+              <a:buChar char="q"/>
+            </a:pPr>
+            <a:r>
+              <a:rPr lang="en-US" sz="2400" dirty="0" smtClean="0">
+                <a:solidFill>
+                  <a:schemeClr val="bg1">
+                    <a:lumMod val="75000"/>
+                  </a:schemeClr>
+                </a:solidFill>
+                <a:latin typeface="Bahnschrift" panose="020B0502040204020203" pitchFamily="34" charset="0"/>
+              </a:rPr>
+              <a:t>Condition</a:t>
+            </a:r>
+          </a:p>
+          <a:p>
+            <a:pPr marL="342900" indent="-342900">
+              <a:buFont typeface="Wingdings" panose="05000000000000000000" pitchFamily="2" charset="2"/>
+              <a:buChar char="q"/>
+            </a:pPr>
+            <a:r>
+              <a:rPr lang="en-US" sz="2400" dirty="0" smtClean="0">
+                <a:solidFill>
+                  <a:schemeClr val="bg1">
+                    <a:lumMod val="75000"/>
+                  </a:schemeClr>
+                </a:solidFill>
+                <a:latin typeface="Bahnschrift" panose="020B0502040204020203" pitchFamily="34" charset="0"/>
+              </a:rPr>
+              <a:t>Loop</a:t>
+            </a:r>
+          </a:p>
+          <a:p>
+            <a:pPr marL="342900" indent="-342900">
+              <a:buFont typeface="Wingdings" panose="05000000000000000000" pitchFamily="2" charset="2"/>
+              <a:buChar char="q"/>
+            </a:pPr>
+            <a:r>
+              <a:rPr lang="en-US" sz="2400" dirty="0" smtClean="0">
+                <a:solidFill>
+                  <a:schemeClr val="bg1">
+                    <a:lumMod val="75000"/>
+                  </a:schemeClr>
+                </a:solidFill>
+                <a:latin typeface="Bahnschrift" panose="020B0502040204020203" pitchFamily="34" charset="0"/>
+              </a:rPr>
+              <a:t>Function </a:t>
+            </a:r>
+          </a:p>
+          <a:p>
+            <a:pPr marL="342900" indent="-342900">
+              <a:buFont typeface="Wingdings" panose="05000000000000000000" pitchFamily="2" charset="2"/>
+              <a:buChar char="q"/>
+            </a:pPr>
+            <a:r>
+              <a:rPr lang="en-US" sz="2400" dirty="0" smtClean="0">
+                <a:solidFill>
+                  <a:schemeClr val="bg1">
+                    <a:lumMod val="75000"/>
+                  </a:schemeClr>
+                </a:solidFill>
+                <a:latin typeface="Bahnschrift" panose="020B0502040204020203" pitchFamily="34" charset="0"/>
+              </a:rPr>
+              <a:t>Modules</a:t>
+            </a:r>
+          </a:p>
+          <a:p>
+            <a:pPr marL="342900" indent="-342900">
+              <a:buFont typeface="Wingdings" panose="05000000000000000000" pitchFamily="2" charset="2"/>
+              <a:buChar char="q"/>
+            </a:pPr>
+            <a:r>
+              <a:rPr lang="en-US" sz="2400" dirty="0" smtClean="0">
+                <a:solidFill>
+                  <a:schemeClr val="bg1">
+                    <a:lumMod val="75000"/>
+                  </a:schemeClr>
+                </a:solidFill>
+                <a:latin typeface="Bahnschrift" panose="020B0502040204020203" pitchFamily="34" charset="0"/>
+              </a:rPr>
+              <a:t>Method</a:t>
+            </a:r>
+          </a:p>
+          <a:p>
+            <a:pPr marL="342900" indent="-342900">
+              <a:buFont typeface="Wingdings" panose="05000000000000000000" pitchFamily="2" charset="2"/>
+              <a:buChar char="q"/>
+            </a:pPr>
+            <a:r>
+              <a:rPr lang="en-US" sz="2400" dirty="0" smtClean="0">
+                <a:solidFill>
+                  <a:schemeClr val="bg1">
+                    <a:lumMod val="75000"/>
+                  </a:schemeClr>
+                </a:solidFill>
+                <a:latin typeface="Bahnschrift" panose="020B0502040204020203" pitchFamily="34" charset="0"/>
+              </a:rPr>
+              <a:t>List slice </a:t>
+            </a:r>
+          </a:p>
+          <a:p>
+            <a:pPr marL="342900" indent="-342900">
+              <a:buFont typeface="Wingdings" panose="05000000000000000000" pitchFamily="2" charset="2"/>
+              <a:buChar char="q"/>
+            </a:pPr>
+            <a:r>
+              <a:rPr lang="en-US" sz="2400" dirty="0" smtClean="0">
+                <a:solidFill>
+                  <a:schemeClr val="bg1">
+                    <a:lumMod val="75000"/>
+                  </a:schemeClr>
+                </a:solidFill>
+                <a:latin typeface="Bahnschrift" panose="020B0502040204020203" pitchFamily="34" charset="0"/>
+              </a:rPr>
+              <a:t>String</a:t>
+            </a:r>
+          </a:p>
+          <a:p>
+            <a:pPr marL="342900" indent="-342900">
+              <a:buFont typeface="Wingdings" panose="05000000000000000000" pitchFamily="2" charset="2"/>
+              <a:buChar char="q"/>
+            </a:pPr>
+            <a:r>
+              <a:rPr lang="en-US" sz="2400" dirty="0" smtClean="0">
+                <a:solidFill>
+                  <a:schemeClr val="bg1">
+                    <a:lumMod val="75000"/>
+                  </a:schemeClr>
+                </a:solidFill>
+                <a:latin typeface="Bahnschrift" panose="020B0502040204020203" pitchFamily="34" charset="0"/>
+              </a:rPr>
+              <a:t>Encoding</a:t>
+            </a:r>
+          </a:p>
+          <a:p>
+            <a:pPr marL="342900" indent="-342900">
+              <a:buFont typeface="Wingdings" panose="05000000000000000000" pitchFamily="2" charset="2"/>
+              <a:buChar char="q"/>
+            </a:pPr>
+            <a:r>
+              <a:rPr lang="en-US" sz="2400" dirty="0" smtClean="0">
+                <a:solidFill>
+                  <a:schemeClr val="bg1">
+                    <a:lumMod val="75000"/>
+                  </a:schemeClr>
+                </a:solidFill>
+                <a:latin typeface="Bahnschrift" panose="020B0502040204020203" pitchFamily="34" charset="0"/>
+              </a:rPr>
+              <a:t>String Method</a:t>
+            </a:r>
+          </a:p>
+          <a:p>
+            <a:pPr marL="342900" indent="-342900">
+              <a:buFont typeface="Wingdings" panose="05000000000000000000" pitchFamily="2" charset="2"/>
+              <a:buChar char="q"/>
+            </a:pPr>
+            <a:endParaRPr lang="en-US" sz="2400" dirty="0" smtClean="0">
+              <a:latin typeface="Bahnschrift" panose="020B0502040204020203" pitchFamily="34" charset="0"/>
+            </a:endParaRPr>
+          </a:p>
+          <a:p>
+            <a:pPr marL="342900" indent="-342900">
+              <a:buFont typeface="Wingdings" panose="05000000000000000000" pitchFamily="2" charset="2"/>
+              <a:buChar char="q"/>
+            </a:pPr>
+            <a:endParaRPr lang="fa-IR" sz="2400" dirty="0">
+              <a:latin typeface="Bahnschrift" panose="020B0502040204020203" pitchFamily="34" charset="0"/>
+            </a:endParaRPr>
+          </a:p>
+        </p:txBody>
+      </p:sp>
+      <p:sp>
+        <p:nvSpPr>
+          <p:cNvPr id="3" name="Rectangle 2"/>
+          <p:cNvSpPr/>
+          <p:nvPr/>
+        </p:nvSpPr>
+        <p:spPr>
+          <a:xfrm>
+            <a:off x="294469" y="406240"/>
+            <a:ext cx="2494594" cy="461665"/>
+          </a:xfrm>
+          <a:prstGeom prst="rect">
+            <a:avLst/>
+          </a:prstGeom>
+        </p:spPr>
+        <p:txBody>
+          <a:bodyPr wrap="none">
+            <a:spAutoFit/>
+          </a:bodyPr>
+          <a:lstStyle/>
+          <a:p>
+            <a:r>
+              <a:rPr lang="fa-IR" sz="2400" dirty="0">
+                <a:latin typeface="Bahnschrift" panose="020B0502040204020203" pitchFamily="34" charset="0"/>
+              </a:rPr>
+              <a:t>Coding in Python</a:t>
+            </a:r>
+          </a:p>
+        </p:txBody>
+      </p:sp>
+      <p:sp>
+        <p:nvSpPr>
+          <p:cNvPr id="7" name="Rectangle 6"/>
+          <p:cNvSpPr/>
+          <p:nvPr/>
+        </p:nvSpPr>
+        <p:spPr>
+          <a:xfrm>
+            <a:off x="6052973" y="1184438"/>
+            <a:ext cx="2970685" cy="369332"/>
+          </a:xfrm>
+          <a:prstGeom prst="rect">
+            <a:avLst/>
+          </a:prstGeom>
+        </p:spPr>
+        <p:txBody>
+          <a:bodyPr wrap="none">
+            <a:spAutoFit/>
+          </a:bodyPr>
+          <a:lstStyle/>
+          <a:p>
+            <a:r>
+              <a:rPr lang="en-US" dirty="0">
+                <a:solidFill>
+                  <a:srgbClr val="0000CD"/>
+                </a:solidFill>
+                <a:latin typeface="Consolas" panose="020B0609020204030204" pitchFamily="49" charset="0"/>
+              </a:rPr>
+              <a:t>print</a:t>
+            </a:r>
+            <a:r>
+              <a:rPr lang="en-US" dirty="0">
+                <a:solidFill>
+                  <a:srgbClr val="000000"/>
+                </a:solidFill>
+                <a:latin typeface="Consolas" panose="020B0609020204030204" pitchFamily="49" charset="0"/>
+              </a:rPr>
+              <a:t>(</a:t>
+            </a:r>
+            <a:r>
+              <a:rPr lang="en-US" dirty="0">
+                <a:solidFill>
+                  <a:srgbClr val="A52A2A"/>
+                </a:solidFill>
+                <a:latin typeface="Consolas" panose="020B0609020204030204" pitchFamily="49" charset="0"/>
+              </a:rPr>
+              <a:t>"Hello, World!"</a:t>
+            </a:r>
+            <a:r>
+              <a:rPr lang="en-US" dirty="0">
+                <a:solidFill>
+                  <a:srgbClr val="000000"/>
+                </a:solidFill>
+                <a:latin typeface="Consolas" panose="020B0609020204030204" pitchFamily="49" charset="0"/>
+              </a:rPr>
+              <a:t>)</a:t>
+            </a:r>
+            <a:endParaRPr lang="fa-IR" dirty="0"/>
+          </a:p>
+        </p:txBody>
+      </p:sp>
+      <p:grpSp>
+        <p:nvGrpSpPr>
+          <p:cNvPr id="24" name="Group 23"/>
+          <p:cNvGrpSpPr/>
+          <p:nvPr/>
+        </p:nvGrpSpPr>
+        <p:grpSpPr>
+          <a:xfrm>
+            <a:off x="9077585" y="1211621"/>
+            <a:ext cx="619933" cy="369332"/>
+            <a:chOff x="9082006" y="1449090"/>
+            <a:chExt cx="801848" cy="464949"/>
+          </a:xfrm>
+        </p:grpSpPr>
+        <p:sp>
+          <p:nvSpPr>
+            <p:cNvPr id="19" name="Rounded Rectangle 18"/>
+            <p:cNvSpPr/>
+            <p:nvPr/>
+          </p:nvSpPr>
+          <p:spPr>
+            <a:xfrm>
+              <a:off x="9082006" y="1449090"/>
+              <a:ext cx="790414" cy="464949"/>
+            </a:xfrm>
+            <a:prstGeom prst="roundRect">
+              <a:avLst/>
+            </a:prstGeom>
+          </p:spPr>
+          <p:style>
+            <a:lnRef idx="2">
+              <a:schemeClr val="accent6"/>
+            </a:lnRef>
+            <a:fillRef idx="1">
+              <a:schemeClr val="lt1"/>
+            </a:fillRef>
+            <a:effectRef idx="0">
+              <a:schemeClr val="accent6"/>
+            </a:effectRef>
+            <a:fontRef idx="minor">
+              <a:schemeClr val="dk1"/>
+            </a:fontRef>
+          </p:style>
+          <p:txBody>
+            <a:bodyPr rtlCol="1" anchor="ctr"/>
+            <a:lstStyle/>
+            <a:p>
+              <a:pPr algn="ctr"/>
+              <a:endParaRPr lang="fa-IR"/>
+            </a:p>
+          </p:txBody>
+        </p:sp>
+        <p:grpSp>
+          <p:nvGrpSpPr>
+            <p:cNvPr id="21" name="Group 20"/>
+            <p:cNvGrpSpPr/>
+            <p:nvPr/>
+          </p:nvGrpSpPr>
+          <p:grpSpPr>
+            <a:xfrm>
+              <a:off x="9143994" y="1537233"/>
+              <a:ext cx="739860" cy="348712"/>
+              <a:chOff x="9051009" y="1092904"/>
+              <a:chExt cx="770060" cy="348712"/>
+            </a:xfrm>
+          </p:grpSpPr>
+          <p:sp>
+            <p:nvSpPr>
+              <p:cNvPr id="22" name="Isosceles Triangle 21"/>
+              <p:cNvSpPr/>
+              <p:nvPr/>
+            </p:nvSpPr>
+            <p:spPr>
+              <a:xfrm rot="5400000">
+                <a:off x="9052324" y="1114563"/>
+                <a:ext cx="245344" cy="247974"/>
+              </a:xfrm>
+              <a:prstGeom prst="triangle">
+                <a:avLst/>
+              </a:prstGeom>
+            </p:spPr>
+            <p:style>
+              <a:lnRef idx="3">
+                <a:schemeClr val="lt1"/>
+              </a:lnRef>
+              <a:fillRef idx="1">
+                <a:schemeClr val="accent6"/>
+              </a:fillRef>
+              <a:effectRef idx="1">
+                <a:schemeClr val="accent6"/>
+              </a:effectRef>
+              <a:fontRef idx="minor">
+                <a:schemeClr val="lt1"/>
+              </a:fontRef>
+            </p:style>
+            <p:txBody>
+              <a:bodyPr rtlCol="1" anchor="ctr"/>
+              <a:lstStyle/>
+              <a:p>
+                <a:pPr algn="ctr"/>
+                <a:endParaRPr lang="fa-IR"/>
+              </a:p>
+            </p:txBody>
+          </p:sp>
+          <p:sp>
+            <p:nvSpPr>
+              <p:cNvPr id="23" name="TextBox 22"/>
+              <p:cNvSpPr txBox="1"/>
+              <p:nvPr/>
+            </p:nvSpPr>
+            <p:spPr>
+              <a:xfrm>
+                <a:off x="9216636" y="1092904"/>
+                <a:ext cx="604433" cy="348712"/>
+              </a:xfrm>
+              <a:prstGeom prst="rect">
+                <a:avLst/>
+              </a:prstGeom>
+              <a:noFill/>
+            </p:spPr>
+            <p:txBody>
+              <a:bodyPr wrap="square" rtlCol="1">
+                <a:spAutoFit/>
+              </a:bodyPr>
+              <a:lstStyle/>
+              <a:p>
+                <a:r>
+                  <a:rPr lang="en-US" sz="1200" dirty="0">
+                    <a:latin typeface="Consolas" panose="020B0609020204030204" pitchFamily="49" charset="0"/>
+                  </a:rPr>
+                  <a:t>Run</a:t>
+                </a:r>
+                <a:endParaRPr lang="fa-IR" dirty="0">
+                  <a:latin typeface="Consolas" panose="020B0609020204030204" pitchFamily="49" charset="0"/>
+                </a:endParaRPr>
+              </a:p>
+            </p:txBody>
+          </p:sp>
+        </p:grpSp>
+      </p:grpSp>
+      <p:sp>
+        <p:nvSpPr>
+          <p:cNvPr id="25" name="Rectangle 24"/>
+          <p:cNvSpPr/>
+          <p:nvPr/>
+        </p:nvSpPr>
+        <p:spPr>
+          <a:xfrm>
+            <a:off x="6404891" y="1646637"/>
+            <a:ext cx="1830950" cy="369332"/>
+          </a:xfrm>
+          <a:prstGeom prst="rect">
+            <a:avLst/>
+          </a:prstGeom>
+        </p:spPr>
+        <p:txBody>
+          <a:bodyPr wrap="none">
+            <a:spAutoFit/>
+          </a:bodyPr>
+          <a:lstStyle/>
+          <a:p>
+            <a:r>
+              <a:rPr lang="en-US" dirty="0">
+                <a:latin typeface="consolas" panose="020B0609020204030204" pitchFamily="49" charset="0"/>
+              </a:rPr>
+              <a:t>Hello, World!</a:t>
+            </a:r>
+            <a:endParaRPr lang="fa-IR" dirty="0"/>
+          </a:p>
+        </p:txBody>
+      </p:sp>
+      <p:sp>
+        <p:nvSpPr>
+          <p:cNvPr id="26" name="Rectangle 25"/>
+          <p:cNvSpPr/>
+          <p:nvPr/>
+        </p:nvSpPr>
+        <p:spPr>
+          <a:xfrm>
+            <a:off x="6018778" y="2299094"/>
+            <a:ext cx="2573140" cy="369332"/>
+          </a:xfrm>
+          <a:prstGeom prst="rect">
+            <a:avLst/>
+          </a:prstGeom>
+        </p:spPr>
+        <p:txBody>
+          <a:bodyPr wrap="none">
+            <a:spAutoFit/>
+          </a:bodyPr>
+          <a:lstStyle/>
+          <a:p>
+            <a:r>
+              <a:rPr lang="en-US" dirty="0" smtClean="0">
+                <a:solidFill>
+                  <a:srgbClr val="0000CD"/>
+                </a:solidFill>
+                <a:latin typeface="Consolas" panose="020B0609020204030204" pitchFamily="49" charset="0"/>
+              </a:rPr>
+              <a:t>i</a:t>
+            </a:r>
+            <a:r>
+              <a:rPr lang="fa-IR" dirty="0" smtClean="0">
+                <a:solidFill>
+                  <a:srgbClr val="0000CD"/>
+                </a:solidFill>
+                <a:latin typeface="Consolas" panose="020B0609020204030204" pitchFamily="49" charset="0"/>
+              </a:rPr>
+              <a:t>nput </a:t>
+            </a:r>
+            <a:r>
+              <a:rPr lang="fa-IR" dirty="0" smtClean="0">
+                <a:solidFill>
+                  <a:srgbClr val="000000"/>
+                </a:solidFill>
+                <a:latin typeface="Consolas" panose="020B0609020204030204" pitchFamily="49" charset="0"/>
+              </a:rPr>
+              <a:t>(</a:t>
+            </a:r>
+            <a:r>
+              <a:rPr lang="fa-IR" dirty="0" smtClean="0">
+                <a:solidFill>
+                  <a:srgbClr val="A52A2A"/>
+                </a:solidFill>
+                <a:latin typeface="Consolas" panose="020B0609020204030204" pitchFamily="49" charset="0"/>
+              </a:rPr>
+              <a:t>"</a:t>
+            </a:r>
+            <a:r>
+              <a:rPr lang="fa-IR" dirty="0">
+                <a:solidFill>
+                  <a:srgbClr val="A52A2A"/>
+                </a:solidFill>
+                <a:latin typeface="Consolas" panose="020B0609020204030204" pitchFamily="49" charset="0"/>
+              </a:rPr>
+              <a:t>Username: "</a:t>
+            </a:r>
+            <a:r>
+              <a:rPr lang="fa-IR" dirty="0">
+                <a:solidFill>
+                  <a:srgbClr val="000000"/>
+                </a:solidFill>
+                <a:latin typeface="Consolas" panose="020B0609020204030204" pitchFamily="49" charset="0"/>
+              </a:rPr>
+              <a:t>)</a:t>
+            </a:r>
+          </a:p>
+        </p:txBody>
+      </p:sp>
+      <p:grpSp>
+        <p:nvGrpSpPr>
+          <p:cNvPr id="27" name="Group 26"/>
+          <p:cNvGrpSpPr/>
+          <p:nvPr/>
+        </p:nvGrpSpPr>
+        <p:grpSpPr>
+          <a:xfrm>
+            <a:off x="9077585" y="2299094"/>
+            <a:ext cx="619933" cy="369332"/>
+            <a:chOff x="9082006" y="1449090"/>
+            <a:chExt cx="801848" cy="464949"/>
+          </a:xfrm>
+        </p:grpSpPr>
+        <p:sp>
+          <p:nvSpPr>
+            <p:cNvPr id="28" name="Rounded Rectangle 27"/>
+            <p:cNvSpPr/>
+            <p:nvPr/>
+          </p:nvSpPr>
+          <p:spPr>
+            <a:xfrm>
+              <a:off x="9082006" y="1449090"/>
+              <a:ext cx="790414" cy="464949"/>
+            </a:xfrm>
+            <a:prstGeom prst="roundRect">
+              <a:avLst/>
+            </a:prstGeom>
+          </p:spPr>
+          <p:style>
+            <a:lnRef idx="2">
+              <a:schemeClr val="accent6"/>
+            </a:lnRef>
+            <a:fillRef idx="1">
+              <a:schemeClr val="lt1"/>
+            </a:fillRef>
+            <a:effectRef idx="0">
+              <a:schemeClr val="accent6"/>
+            </a:effectRef>
+            <a:fontRef idx="minor">
+              <a:schemeClr val="dk1"/>
+            </a:fontRef>
+          </p:style>
+          <p:txBody>
+            <a:bodyPr rtlCol="1" anchor="ctr"/>
+            <a:lstStyle/>
+            <a:p>
+              <a:pPr algn="ctr"/>
+              <a:endParaRPr lang="fa-IR"/>
+            </a:p>
+          </p:txBody>
+        </p:sp>
+        <p:grpSp>
+          <p:nvGrpSpPr>
+            <p:cNvPr id="29" name="Group 28"/>
+            <p:cNvGrpSpPr/>
+            <p:nvPr/>
+          </p:nvGrpSpPr>
+          <p:grpSpPr>
+            <a:xfrm>
+              <a:off x="9143994" y="1537233"/>
+              <a:ext cx="739860" cy="348712"/>
+              <a:chOff x="9051009" y="1092904"/>
+              <a:chExt cx="770060" cy="348712"/>
+            </a:xfrm>
+          </p:grpSpPr>
+          <p:sp>
+            <p:nvSpPr>
+              <p:cNvPr id="30" name="Isosceles Triangle 29"/>
+              <p:cNvSpPr/>
+              <p:nvPr/>
+            </p:nvSpPr>
+            <p:spPr>
+              <a:xfrm rot="5400000">
+                <a:off x="9052324" y="1114563"/>
+                <a:ext cx="245344" cy="247974"/>
+              </a:xfrm>
+              <a:prstGeom prst="triangle">
+                <a:avLst/>
+              </a:prstGeom>
+            </p:spPr>
+            <p:style>
+              <a:lnRef idx="3">
+                <a:schemeClr val="lt1"/>
+              </a:lnRef>
+              <a:fillRef idx="1">
+                <a:schemeClr val="accent6"/>
+              </a:fillRef>
+              <a:effectRef idx="1">
+                <a:schemeClr val="accent6"/>
+              </a:effectRef>
+              <a:fontRef idx="minor">
+                <a:schemeClr val="lt1"/>
+              </a:fontRef>
+            </p:style>
+            <p:txBody>
+              <a:bodyPr rtlCol="1" anchor="ctr"/>
+              <a:lstStyle/>
+              <a:p>
+                <a:pPr algn="ctr"/>
+                <a:endParaRPr lang="fa-IR"/>
+              </a:p>
+            </p:txBody>
+          </p:sp>
+          <p:sp>
+            <p:nvSpPr>
+              <p:cNvPr id="31" name="TextBox 30"/>
+              <p:cNvSpPr txBox="1"/>
+              <p:nvPr/>
+            </p:nvSpPr>
+            <p:spPr>
+              <a:xfrm>
+                <a:off x="9216636" y="1092904"/>
+                <a:ext cx="604433" cy="348712"/>
+              </a:xfrm>
+              <a:prstGeom prst="rect">
+                <a:avLst/>
+              </a:prstGeom>
+              <a:noFill/>
+            </p:spPr>
+            <p:txBody>
+              <a:bodyPr wrap="square" rtlCol="1">
+                <a:spAutoFit/>
+              </a:bodyPr>
+              <a:lstStyle/>
+              <a:p>
+                <a:r>
+                  <a:rPr lang="en-US" sz="1200" dirty="0">
+                    <a:latin typeface="Consolas" panose="020B0609020204030204" pitchFamily="49" charset="0"/>
+                  </a:rPr>
+                  <a:t>Run</a:t>
+                </a:r>
+                <a:endParaRPr lang="fa-IR" dirty="0">
+                  <a:latin typeface="Consolas" panose="020B0609020204030204" pitchFamily="49" charset="0"/>
+                </a:endParaRPr>
+              </a:p>
+            </p:txBody>
+          </p:sp>
+        </p:grpSp>
+      </p:grpSp>
+      <p:sp>
+        <p:nvSpPr>
+          <p:cNvPr id="32" name="Rectangle 31"/>
+          <p:cNvSpPr/>
+          <p:nvPr/>
+        </p:nvSpPr>
+        <p:spPr>
+          <a:xfrm>
+            <a:off x="6396001" y="2780216"/>
+            <a:ext cx="1324402" cy="369332"/>
+          </a:xfrm>
+          <a:prstGeom prst="rect">
+            <a:avLst/>
+          </a:prstGeom>
+        </p:spPr>
+        <p:txBody>
+          <a:bodyPr wrap="none">
+            <a:spAutoFit/>
+          </a:bodyPr>
+          <a:lstStyle/>
+          <a:p>
+            <a:r>
+              <a:rPr lang="fa-IR" dirty="0" smtClean="0">
+                <a:latin typeface="consolas" panose="020B0609020204030204" pitchFamily="49" charset="0"/>
+              </a:rPr>
+              <a:t>Usernam</a:t>
+            </a:r>
+            <a:r>
+              <a:rPr lang="en-US" dirty="0" smtClean="0">
+                <a:latin typeface="consolas" panose="020B0609020204030204" pitchFamily="49" charset="0"/>
+              </a:rPr>
+              <a:t>e:</a:t>
+            </a:r>
+            <a:endParaRPr lang="fa-IR" dirty="0">
+              <a:latin typeface="consolas" panose="020B0609020204030204" pitchFamily="49" charset="0"/>
+            </a:endParaRPr>
+          </a:p>
+        </p:txBody>
+      </p:sp>
+      <p:sp>
+        <p:nvSpPr>
+          <p:cNvPr id="33" name="Rectangle 32"/>
+          <p:cNvSpPr/>
+          <p:nvPr/>
+        </p:nvSpPr>
+        <p:spPr>
+          <a:xfrm>
+            <a:off x="7648353" y="2806814"/>
+            <a:ext cx="1294365" cy="391649"/>
+          </a:xfrm>
+          <a:prstGeom prst="rect">
+            <a:avLst/>
+          </a:prstGeom>
+        </p:spPr>
+        <p:style>
+          <a:lnRef idx="2">
+            <a:schemeClr val="dk1"/>
+          </a:lnRef>
+          <a:fillRef idx="1">
+            <a:schemeClr val="lt1"/>
+          </a:fillRef>
+          <a:effectRef idx="0">
+            <a:schemeClr val="dk1"/>
+          </a:effectRef>
+          <a:fontRef idx="minor">
+            <a:schemeClr val="dk1"/>
+          </a:fontRef>
+        </p:style>
+        <p:txBody>
+          <a:bodyPr rtlCol="1" anchor="ctr"/>
+          <a:lstStyle/>
+          <a:p>
+            <a:pPr algn="ctr"/>
+            <a:endParaRPr lang="fa-IR"/>
+          </a:p>
+        </p:txBody>
+      </p:sp>
+      <p:sp>
+        <p:nvSpPr>
+          <p:cNvPr id="34" name="Rectangle 33"/>
+          <p:cNvSpPr/>
+          <p:nvPr/>
+        </p:nvSpPr>
+        <p:spPr>
+          <a:xfrm>
+            <a:off x="7636959" y="2828127"/>
+            <a:ext cx="1197764" cy="369332"/>
+          </a:xfrm>
+          <a:prstGeom prst="rect">
+            <a:avLst/>
+          </a:prstGeom>
+        </p:spPr>
+        <p:txBody>
+          <a:bodyPr wrap="none">
+            <a:spAutoFit/>
+          </a:bodyPr>
+          <a:lstStyle/>
+          <a:p>
+            <a:r>
+              <a:rPr lang="en-US" dirty="0">
+                <a:latin typeface="consolas" panose="020B0609020204030204" pitchFamily="49" charset="0"/>
+              </a:rPr>
+              <a:t>Hosein68</a:t>
+            </a:r>
+            <a:endParaRPr lang="fa-IR" dirty="0">
+              <a:latin typeface="consolas" panose="020B0609020204030204" pitchFamily="49" charset="0"/>
+            </a:endParaRPr>
+          </a:p>
+        </p:txBody>
+      </p:sp>
+      <p:sp>
+        <p:nvSpPr>
+          <p:cNvPr id="41" name="Bent Arrow 40"/>
+          <p:cNvSpPr/>
+          <p:nvPr/>
+        </p:nvSpPr>
+        <p:spPr>
+          <a:xfrm flipH="1" flipV="1">
+            <a:off x="9101069" y="2821206"/>
+            <a:ext cx="371959" cy="418454"/>
+          </a:xfrm>
+          <a:prstGeom prst="bentArrow">
+            <a:avLst/>
+          </a:prstGeom>
+        </p:spPr>
+        <p:style>
+          <a:lnRef idx="3">
+            <a:schemeClr val="lt1"/>
+          </a:lnRef>
+          <a:fillRef idx="1">
+            <a:schemeClr val="accent6"/>
+          </a:fillRef>
+          <a:effectRef idx="1">
+            <a:schemeClr val="accent6"/>
+          </a:effectRef>
+          <a:fontRef idx="minor">
+            <a:schemeClr val="lt1"/>
+          </a:fontRef>
+        </p:style>
+        <p:txBody>
+          <a:bodyPr rtlCol="1" anchor="ctr"/>
+          <a:lstStyle/>
+          <a:p>
+            <a:pPr algn="ctr"/>
+            <a:endParaRPr lang="fa-IR">
+              <a:solidFill>
+                <a:schemeClr val="tx1"/>
+              </a:solidFill>
+            </a:endParaRPr>
+          </a:p>
+        </p:txBody>
+      </p:sp>
+      <p:sp>
+        <p:nvSpPr>
+          <p:cNvPr id="42" name="Rectangle 41"/>
+          <p:cNvSpPr/>
+          <p:nvPr/>
+        </p:nvSpPr>
+        <p:spPr>
+          <a:xfrm>
+            <a:off x="6332683" y="3286683"/>
+            <a:ext cx="1451038" cy="369332"/>
+          </a:xfrm>
+          <a:prstGeom prst="rect">
+            <a:avLst/>
+          </a:prstGeom>
+        </p:spPr>
+        <p:txBody>
+          <a:bodyPr wrap="none">
+            <a:spAutoFit/>
+          </a:bodyPr>
+          <a:lstStyle/>
+          <a:p>
+            <a:r>
+              <a:rPr lang="en-US" dirty="0">
+                <a:latin typeface="consolas" panose="020B0609020204030204" pitchFamily="49" charset="0"/>
+              </a:rPr>
+              <a:t>"Hosein68"</a:t>
+            </a:r>
+            <a:endParaRPr lang="fa-IR" dirty="0">
+              <a:latin typeface="consolas" panose="020B0609020204030204" pitchFamily="49" charset="0"/>
+            </a:endParaRPr>
+          </a:p>
+        </p:txBody>
+      </p:sp>
+      <p:sp>
+        <p:nvSpPr>
+          <p:cNvPr id="43" name="Rectangle 42"/>
+          <p:cNvSpPr/>
+          <p:nvPr/>
+        </p:nvSpPr>
+        <p:spPr>
+          <a:xfrm>
+            <a:off x="6057937" y="3990443"/>
+            <a:ext cx="4237057" cy="369332"/>
+          </a:xfrm>
+          <a:prstGeom prst="rect">
+            <a:avLst/>
+          </a:prstGeom>
+        </p:spPr>
+        <p:txBody>
+          <a:bodyPr wrap="none">
+            <a:spAutoFit/>
+          </a:bodyPr>
+          <a:lstStyle/>
+          <a:p>
+            <a:r>
+              <a:rPr lang="en-US" dirty="0" smtClean="0">
+                <a:latin typeface="Consolas" panose="020B0609020204030204" pitchFamily="49" charset="0"/>
+              </a:rPr>
+              <a:t>list_name</a:t>
+            </a:r>
+            <a:r>
+              <a:rPr lang="en-US" dirty="0" smtClean="0">
+                <a:solidFill>
+                  <a:srgbClr val="0000CD"/>
+                </a:solidFill>
+                <a:latin typeface="Consolas" panose="020B0609020204030204" pitchFamily="49" charset="0"/>
+              </a:rPr>
+              <a:t> </a:t>
+            </a:r>
+            <a:r>
+              <a:rPr lang="en-US" dirty="0" smtClean="0">
+                <a:latin typeface="Consolas" panose="020B0609020204030204" pitchFamily="49" charset="0"/>
+              </a:rPr>
+              <a:t>=</a:t>
+            </a:r>
+            <a:r>
+              <a:rPr lang="en-US" dirty="0" smtClean="0">
+                <a:solidFill>
+                  <a:srgbClr val="0000CD"/>
+                </a:solidFill>
+                <a:latin typeface="Consolas" panose="020B0609020204030204" pitchFamily="49" charset="0"/>
+              </a:rPr>
+              <a:t> </a:t>
+            </a:r>
+            <a:r>
+              <a:rPr lang="en-US" dirty="0" smtClean="0">
+                <a:latin typeface="Consolas" panose="020B0609020204030204" pitchFamily="49" charset="0"/>
+              </a:rPr>
+              <a:t>[</a:t>
+            </a:r>
+            <a:r>
+              <a:rPr lang="en-US" dirty="0">
+                <a:solidFill>
+                  <a:srgbClr val="A52A2A"/>
+                </a:solidFill>
+                <a:latin typeface="Consolas" panose="020B0609020204030204" pitchFamily="49" charset="0"/>
+              </a:rPr>
+              <a:t>5, 4.3, "Hosein68"</a:t>
+            </a:r>
+            <a:r>
+              <a:rPr lang="en-US" dirty="0">
+                <a:latin typeface="Consolas" panose="020B0609020204030204" pitchFamily="49" charset="0"/>
+              </a:rPr>
+              <a:t>]</a:t>
+            </a:r>
+            <a:endParaRPr lang="fa-IR" dirty="0">
+              <a:latin typeface="Consolas" panose="020B0609020204030204" pitchFamily="49" charset="0"/>
+            </a:endParaRPr>
+          </a:p>
+        </p:txBody>
+      </p:sp>
+      <p:sp>
+        <p:nvSpPr>
+          <p:cNvPr id="44" name="Freeform 43"/>
+          <p:cNvSpPr/>
+          <p:nvPr/>
+        </p:nvSpPr>
+        <p:spPr>
+          <a:xfrm>
+            <a:off x="6726526" y="4467194"/>
+            <a:ext cx="533734" cy="604434"/>
+          </a:xfrm>
+          <a:custGeom>
+            <a:avLst/>
+            <a:gdLst>
+              <a:gd name="connsiteX0" fmla="*/ 0 w 533734"/>
+              <a:gd name="connsiteY0" fmla="*/ 0 h 604434"/>
+              <a:gd name="connsiteX1" fmla="*/ 123987 w 533734"/>
+              <a:gd name="connsiteY1" fmla="*/ 387458 h 604434"/>
+              <a:gd name="connsiteX2" fmla="*/ 526943 w 533734"/>
+              <a:gd name="connsiteY2" fmla="*/ 573437 h 604434"/>
+              <a:gd name="connsiteX3" fmla="*/ 387458 w 533734"/>
+              <a:gd name="connsiteY3" fmla="*/ 402956 h 604434"/>
+              <a:gd name="connsiteX4" fmla="*/ 526943 w 533734"/>
+              <a:gd name="connsiteY4" fmla="*/ 557939 h 604434"/>
+              <a:gd name="connsiteX5" fmla="*/ 340963 w 533734"/>
+              <a:gd name="connsiteY5" fmla="*/ 604434 h 604434"/>
+            </a:gdLst>
+            <a:ahLst/>
+            <a:cxnLst>
+              <a:cxn ang="0">
+                <a:pos x="connsiteX0" y="connsiteY0"/>
+              </a:cxn>
+              <a:cxn ang="0">
+                <a:pos x="connsiteX1" y="connsiteY1"/>
+              </a:cxn>
+              <a:cxn ang="0">
+                <a:pos x="connsiteX2" y="connsiteY2"/>
+              </a:cxn>
+              <a:cxn ang="0">
+                <a:pos x="connsiteX3" y="connsiteY3"/>
+              </a:cxn>
+              <a:cxn ang="0">
+                <a:pos x="connsiteX4" y="connsiteY4"/>
+              </a:cxn>
+              <a:cxn ang="0">
+                <a:pos x="connsiteX5" y="connsiteY5"/>
+              </a:cxn>
+            </a:cxnLst>
+            <a:rect l="l" t="t" r="r" b="b"/>
+            <a:pathLst>
+              <a:path w="533734" h="604434">
+                <a:moveTo>
+                  <a:pt x="0" y="0"/>
+                </a:moveTo>
+                <a:cubicBezTo>
+                  <a:pt x="18081" y="145942"/>
+                  <a:pt x="36163" y="291885"/>
+                  <a:pt x="123987" y="387458"/>
+                </a:cubicBezTo>
+                <a:cubicBezTo>
+                  <a:pt x="211811" y="483031"/>
+                  <a:pt x="483031" y="570854"/>
+                  <a:pt x="526943" y="573437"/>
+                </a:cubicBezTo>
+                <a:cubicBezTo>
+                  <a:pt x="570855" y="576020"/>
+                  <a:pt x="387458" y="405539"/>
+                  <a:pt x="387458" y="402956"/>
+                </a:cubicBezTo>
+                <a:cubicBezTo>
+                  <a:pt x="387458" y="400373"/>
+                  <a:pt x="534692" y="524359"/>
+                  <a:pt x="526943" y="557939"/>
+                </a:cubicBezTo>
+                <a:cubicBezTo>
+                  <a:pt x="519194" y="591519"/>
+                  <a:pt x="430078" y="597976"/>
+                  <a:pt x="340963" y="604434"/>
+                </a:cubicBezTo>
+              </a:path>
+            </a:pathLst>
+          </a:custGeom>
+        </p:spPr>
+        <p:style>
+          <a:lnRef idx="1">
+            <a:schemeClr val="dk1"/>
+          </a:lnRef>
+          <a:fillRef idx="0">
+            <a:schemeClr val="dk1"/>
+          </a:fillRef>
+          <a:effectRef idx="0">
+            <a:schemeClr val="dk1"/>
+          </a:effectRef>
+          <a:fontRef idx="minor">
+            <a:schemeClr val="tx1"/>
+          </a:fontRef>
+        </p:style>
+        <p:txBody>
+          <a:bodyPr rtlCol="1" anchor="ctr"/>
+          <a:lstStyle/>
+          <a:p>
+            <a:pPr algn="ctr"/>
+            <a:endParaRPr lang="fa-IR"/>
+          </a:p>
+        </p:txBody>
+      </p:sp>
+      <p:sp>
+        <p:nvSpPr>
+          <p:cNvPr id="45" name="Rectangle 44"/>
+          <p:cNvSpPr/>
+          <p:nvPr/>
+        </p:nvSpPr>
+        <p:spPr>
+          <a:xfrm>
+            <a:off x="7304737" y="4845762"/>
+            <a:ext cx="1071127" cy="369332"/>
+          </a:xfrm>
+          <a:prstGeom prst="rect">
+            <a:avLst/>
+          </a:prstGeom>
+        </p:spPr>
+        <p:txBody>
+          <a:bodyPr wrap="none">
+            <a:spAutoFit/>
+          </a:bodyPr>
+          <a:lstStyle/>
+          <a:p>
+            <a:r>
+              <a:rPr lang="en-US" dirty="0" smtClean="0">
+                <a:latin typeface="consolas" panose="020B0609020204030204" pitchFamily="49" charset="0"/>
+              </a:rPr>
+              <a:t>ABC_123</a:t>
+            </a:r>
+            <a:endParaRPr lang="fa-IR" dirty="0"/>
+          </a:p>
+        </p:txBody>
+      </p:sp>
+      <p:sp>
+        <p:nvSpPr>
+          <p:cNvPr id="46" name="Rectangle 45"/>
+          <p:cNvSpPr/>
+          <p:nvPr/>
+        </p:nvSpPr>
+        <p:spPr>
+          <a:xfrm>
+            <a:off x="6049268" y="5497126"/>
+            <a:ext cx="2210862" cy="369332"/>
+          </a:xfrm>
+          <a:prstGeom prst="rect">
+            <a:avLst/>
+          </a:prstGeom>
+        </p:spPr>
+        <p:txBody>
+          <a:bodyPr wrap="none">
+            <a:spAutoFit/>
+          </a:bodyPr>
+          <a:lstStyle/>
+          <a:p>
+            <a:r>
+              <a:rPr lang="en-US" dirty="0">
+                <a:solidFill>
+                  <a:srgbClr val="0000CD"/>
+                </a:solidFill>
+                <a:latin typeface="Consolas" panose="020B0609020204030204" pitchFamily="49" charset="0"/>
+              </a:rPr>
+              <a:t>type</a:t>
+            </a:r>
+            <a:r>
+              <a:rPr lang="en-US" dirty="0" smtClean="0">
+                <a:solidFill>
+                  <a:srgbClr val="000000"/>
+                </a:solidFill>
+                <a:latin typeface="Consolas" panose="020B0609020204030204" pitchFamily="49" charset="0"/>
+              </a:rPr>
+              <a:t>(list_name) </a:t>
+            </a:r>
+            <a:endParaRPr lang="fa-IR" dirty="0">
+              <a:solidFill>
+                <a:srgbClr val="000000"/>
+              </a:solidFill>
+              <a:latin typeface="Consolas" panose="020B0609020204030204" pitchFamily="49" charset="0"/>
+            </a:endParaRPr>
+          </a:p>
+        </p:txBody>
+      </p:sp>
+      <p:grpSp>
+        <p:nvGrpSpPr>
+          <p:cNvPr id="47" name="Group 46"/>
+          <p:cNvGrpSpPr/>
+          <p:nvPr/>
+        </p:nvGrpSpPr>
+        <p:grpSpPr>
+          <a:xfrm>
+            <a:off x="8240696" y="5516415"/>
+            <a:ext cx="619933" cy="369332"/>
+            <a:chOff x="9082006" y="1449090"/>
+            <a:chExt cx="801848" cy="464949"/>
+          </a:xfrm>
+        </p:grpSpPr>
+        <p:sp>
+          <p:nvSpPr>
+            <p:cNvPr id="48" name="Rounded Rectangle 47"/>
+            <p:cNvSpPr/>
+            <p:nvPr/>
+          </p:nvSpPr>
+          <p:spPr>
+            <a:xfrm>
+              <a:off x="9082006" y="1449090"/>
+              <a:ext cx="790414" cy="464949"/>
+            </a:xfrm>
+            <a:prstGeom prst="roundRect">
+              <a:avLst/>
+            </a:prstGeom>
+          </p:spPr>
+          <p:style>
+            <a:lnRef idx="2">
+              <a:schemeClr val="accent6"/>
+            </a:lnRef>
+            <a:fillRef idx="1">
+              <a:schemeClr val="lt1"/>
+            </a:fillRef>
+            <a:effectRef idx="0">
+              <a:schemeClr val="accent6"/>
+            </a:effectRef>
+            <a:fontRef idx="minor">
+              <a:schemeClr val="dk1"/>
+            </a:fontRef>
+          </p:style>
+          <p:txBody>
+            <a:bodyPr rtlCol="1" anchor="ctr"/>
+            <a:lstStyle/>
+            <a:p>
+              <a:pPr algn="ctr"/>
+              <a:endParaRPr lang="fa-IR"/>
+            </a:p>
+          </p:txBody>
+        </p:sp>
+        <p:grpSp>
+          <p:nvGrpSpPr>
+            <p:cNvPr id="49" name="Group 48"/>
+            <p:cNvGrpSpPr/>
+            <p:nvPr/>
+          </p:nvGrpSpPr>
+          <p:grpSpPr>
+            <a:xfrm>
+              <a:off x="9143994" y="1537233"/>
+              <a:ext cx="739860" cy="348712"/>
+              <a:chOff x="9051009" y="1092904"/>
+              <a:chExt cx="770060" cy="348712"/>
+            </a:xfrm>
+          </p:grpSpPr>
+          <p:sp>
+            <p:nvSpPr>
+              <p:cNvPr id="50" name="Isosceles Triangle 49"/>
+              <p:cNvSpPr/>
+              <p:nvPr/>
+            </p:nvSpPr>
+            <p:spPr>
+              <a:xfrm rot="5400000">
+                <a:off x="9052324" y="1114563"/>
+                <a:ext cx="245344" cy="247974"/>
+              </a:xfrm>
+              <a:prstGeom prst="triangle">
+                <a:avLst/>
+              </a:prstGeom>
+            </p:spPr>
+            <p:style>
+              <a:lnRef idx="3">
+                <a:schemeClr val="lt1"/>
+              </a:lnRef>
+              <a:fillRef idx="1">
+                <a:schemeClr val="accent6"/>
+              </a:fillRef>
+              <a:effectRef idx="1">
+                <a:schemeClr val="accent6"/>
+              </a:effectRef>
+              <a:fontRef idx="minor">
+                <a:schemeClr val="lt1"/>
+              </a:fontRef>
+            </p:style>
+            <p:txBody>
+              <a:bodyPr rtlCol="1" anchor="ctr"/>
+              <a:lstStyle/>
+              <a:p>
+                <a:pPr algn="ctr"/>
+                <a:endParaRPr lang="fa-IR"/>
+              </a:p>
+            </p:txBody>
+          </p:sp>
+          <p:sp>
+            <p:nvSpPr>
+              <p:cNvPr id="51" name="TextBox 50"/>
+              <p:cNvSpPr txBox="1"/>
+              <p:nvPr/>
+            </p:nvSpPr>
+            <p:spPr>
+              <a:xfrm>
+                <a:off x="9216636" y="1092904"/>
+                <a:ext cx="604433" cy="348712"/>
+              </a:xfrm>
+              <a:prstGeom prst="rect">
+                <a:avLst/>
+              </a:prstGeom>
+              <a:noFill/>
+            </p:spPr>
+            <p:txBody>
+              <a:bodyPr wrap="square" rtlCol="1">
+                <a:spAutoFit/>
+              </a:bodyPr>
+              <a:lstStyle/>
+              <a:p>
+                <a:r>
+                  <a:rPr lang="en-US" sz="1200" dirty="0">
+                    <a:latin typeface="Consolas" panose="020B0609020204030204" pitchFamily="49" charset="0"/>
+                  </a:rPr>
+                  <a:t>Run</a:t>
+                </a:r>
+                <a:endParaRPr lang="fa-IR" dirty="0">
+                  <a:latin typeface="Consolas" panose="020B0609020204030204" pitchFamily="49" charset="0"/>
+                </a:endParaRPr>
+              </a:p>
+            </p:txBody>
+          </p:sp>
+        </p:grpSp>
+      </p:grpSp>
+      <p:sp>
+        <p:nvSpPr>
+          <p:cNvPr id="53" name="Rectangle 52"/>
+          <p:cNvSpPr/>
+          <p:nvPr/>
+        </p:nvSpPr>
+        <p:spPr>
+          <a:xfrm>
+            <a:off x="6404891" y="6024313"/>
+            <a:ext cx="691215" cy="369332"/>
+          </a:xfrm>
+          <a:prstGeom prst="rect">
+            <a:avLst/>
+          </a:prstGeom>
+        </p:spPr>
+        <p:txBody>
+          <a:bodyPr wrap="none">
+            <a:spAutoFit/>
+          </a:bodyPr>
+          <a:lstStyle/>
+          <a:p>
+            <a:r>
+              <a:rPr lang="en-US" dirty="0">
+                <a:solidFill>
+                  <a:srgbClr val="000000"/>
+                </a:solidFill>
+                <a:latin typeface="Consolas" panose="020B0609020204030204" pitchFamily="49" charset="0"/>
+              </a:rPr>
+              <a:t>list</a:t>
+            </a:r>
+            <a:endParaRPr lang="fa-IR" dirty="0"/>
+          </a:p>
+        </p:txBody>
+      </p:sp>
+    </p:spTree>
+    <p:extLst>
+      <p:ext uri="{BB962C8B-B14F-4D97-AF65-F5344CB8AC3E}">
+        <p14:creationId xmlns:p14="http://schemas.microsoft.com/office/powerpoint/2010/main" val="4046751225"/>
+      </p:ext>
+    </p:extLst>
+  </p:cSld>
+  <p:clrMapOvr>
+    <a:masterClrMapping/>
+  </p:clrMapOvr>
+  <p:timing>
+    <p:tnLst>
+      <p:par>
+        <p:cTn id="1" dur="indefinite" restart="never" nodeType="tmRoot"/>
+      </p:par>
+    </p:tnLst>
+  </p:timing>
+</p:sld>
+</file>
+
+<file path=ppt/slides/slide12.xml><?xml version="1.0" encoding="utf-8"?>
+<p:sld xmlns:a="http://schemas.openxmlformats.org/drawingml/2006/main" xmlns:r="http://schemas.openxmlformats.org/officeDocument/2006/relationships" xmlns:p="http://schemas.openxmlformats.org/presentationml/2006/main">
+  <p:cSld>
+    <p:spTree>
+      <p:nvGrpSpPr>
+        <p:cNvPr id="1" name=""/>
+        <p:cNvGrpSpPr/>
+        <p:nvPr/>
+      </p:nvGrpSpPr>
+      <p:grpSpPr>
+        <a:xfrm>
+          <a:off x="0" y="0"/>
+          <a:ext cx="0" cy="0"/>
+          <a:chOff x="0" y="0"/>
+          <a:chExt cx="0" cy="0"/>
+        </a:xfrm>
+      </p:grpSpPr>
+      <p:sp>
+        <p:nvSpPr>
+          <p:cNvPr id="2" name="TextBox 1"/>
+          <p:cNvSpPr txBox="1"/>
+          <p:nvPr/>
+        </p:nvSpPr>
+        <p:spPr>
+          <a:xfrm>
+            <a:off x="557941" y="1053884"/>
+            <a:ext cx="4029557" cy="6001643"/>
+          </a:xfrm>
+          <a:prstGeom prst="rect">
+            <a:avLst/>
+          </a:prstGeom>
+          <a:noFill/>
+        </p:spPr>
+        <p:txBody>
+          <a:bodyPr wrap="square" rtlCol="1">
+            <a:spAutoFit/>
+          </a:bodyPr>
+          <a:lstStyle/>
+          <a:p>
+            <a:pPr marL="342900" indent="-342900">
+              <a:buFont typeface="Wingdings" panose="05000000000000000000" pitchFamily="2" charset="2"/>
+              <a:buChar char="q"/>
+            </a:pPr>
+            <a:r>
+              <a:rPr lang="en-US" sz="2400" dirty="0">
+                <a:solidFill>
+                  <a:schemeClr val="bg1">
+                    <a:lumMod val="75000"/>
+                  </a:schemeClr>
+                </a:solidFill>
+                <a:latin typeface="Bahnschrift" panose="020B0502040204020203" pitchFamily="34" charset="0"/>
+              </a:rPr>
+              <a:t>Start</a:t>
+            </a:r>
+          </a:p>
+          <a:p>
+            <a:pPr marL="342900" indent="-342900">
+              <a:buFont typeface="Wingdings" panose="05000000000000000000" pitchFamily="2" charset="2"/>
+              <a:buChar char="q"/>
+            </a:pPr>
+            <a:r>
+              <a:rPr lang="en-US" sz="2400" dirty="0" smtClean="0">
+                <a:latin typeface="Bahnschrift" panose="020B0502040204020203" pitchFamily="34" charset="0"/>
+              </a:rPr>
+              <a:t>Comparison operators</a:t>
+            </a:r>
+          </a:p>
+          <a:p>
+            <a:pPr marL="342900" indent="-342900">
+              <a:buFont typeface="Wingdings" panose="05000000000000000000" pitchFamily="2" charset="2"/>
+              <a:buChar char="q"/>
+            </a:pPr>
+            <a:r>
+              <a:rPr lang="en-US" sz="2400" dirty="0" smtClean="0">
+                <a:solidFill>
+                  <a:schemeClr val="bg1">
+                    <a:lumMod val="75000"/>
+                  </a:schemeClr>
+                </a:solidFill>
+                <a:latin typeface="Bahnschrift" panose="020B0502040204020203" pitchFamily="34" charset="0"/>
+              </a:rPr>
+              <a:t>Logical operators</a:t>
+            </a:r>
+          </a:p>
+          <a:p>
+            <a:pPr marL="342900" indent="-342900">
+              <a:buFont typeface="Wingdings" panose="05000000000000000000" pitchFamily="2" charset="2"/>
+              <a:buChar char="q"/>
+            </a:pPr>
+            <a:r>
+              <a:rPr lang="en-US" sz="2400" dirty="0" smtClean="0">
+                <a:solidFill>
+                  <a:schemeClr val="bg1">
+                    <a:lumMod val="75000"/>
+                  </a:schemeClr>
+                </a:solidFill>
+                <a:latin typeface="Bahnschrift" panose="020B0502040204020203" pitchFamily="34" charset="0"/>
+              </a:rPr>
+              <a:t>Identity operators</a:t>
+            </a:r>
+          </a:p>
+          <a:p>
+            <a:pPr marL="342900" indent="-342900">
+              <a:buFont typeface="Wingdings" panose="05000000000000000000" pitchFamily="2" charset="2"/>
+              <a:buChar char="q"/>
+            </a:pPr>
+            <a:r>
+              <a:rPr lang="en-US" sz="2400" dirty="0" smtClean="0">
+                <a:solidFill>
+                  <a:schemeClr val="bg1">
+                    <a:lumMod val="75000"/>
+                  </a:schemeClr>
+                </a:solidFill>
+                <a:latin typeface="Bahnschrift" panose="020B0502040204020203" pitchFamily="34" charset="0"/>
+              </a:rPr>
+              <a:t>Membership operator</a:t>
+            </a:r>
+          </a:p>
+          <a:p>
+            <a:pPr marL="342900" indent="-342900">
+              <a:buFont typeface="Wingdings" panose="05000000000000000000" pitchFamily="2" charset="2"/>
+              <a:buChar char="q"/>
+            </a:pPr>
+            <a:r>
+              <a:rPr lang="en-US" sz="2400" dirty="0" smtClean="0">
+                <a:solidFill>
+                  <a:schemeClr val="bg1">
+                    <a:lumMod val="75000"/>
+                  </a:schemeClr>
+                </a:solidFill>
+                <a:latin typeface="Bahnschrift" panose="020B0502040204020203" pitchFamily="34" charset="0"/>
+              </a:rPr>
+              <a:t>Condition</a:t>
+            </a:r>
+          </a:p>
+          <a:p>
+            <a:pPr marL="342900" indent="-342900">
+              <a:buFont typeface="Wingdings" panose="05000000000000000000" pitchFamily="2" charset="2"/>
+              <a:buChar char="q"/>
+            </a:pPr>
+            <a:r>
+              <a:rPr lang="en-US" sz="2400" dirty="0" smtClean="0">
+                <a:solidFill>
+                  <a:schemeClr val="bg1">
+                    <a:lumMod val="75000"/>
+                  </a:schemeClr>
+                </a:solidFill>
+                <a:latin typeface="Bahnschrift" panose="020B0502040204020203" pitchFamily="34" charset="0"/>
+              </a:rPr>
+              <a:t>Loop</a:t>
+            </a:r>
+          </a:p>
+          <a:p>
+            <a:pPr marL="342900" indent="-342900">
+              <a:buFont typeface="Wingdings" panose="05000000000000000000" pitchFamily="2" charset="2"/>
+              <a:buChar char="q"/>
+            </a:pPr>
+            <a:r>
+              <a:rPr lang="en-US" sz="2400" dirty="0" smtClean="0">
+                <a:solidFill>
+                  <a:schemeClr val="bg1">
+                    <a:lumMod val="75000"/>
+                  </a:schemeClr>
+                </a:solidFill>
+                <a:latin typeface="Bahnschrift" panose="020B0502040204020203" pitchFamily="34" charset="0"/>
+              </a:rPr>
+              <a:t>Function </a:t>
+            </a:r>
+          </a:p>
+          <a:p>
+            <a:pPr marL="342900" indent="-342900">
+              <a:buFont typeface="Wingdings" panose="05000000000000000000" pitchFamily="2" charset="2"/>
+              <a:buChar char="q"/>
+            </a:pPr>
+            <a:r>
+              <a:rPr lang="en-US" sz="2400" dirty="0" smtClean="0">
+                <a:solidFill>
+                  <a:schemeClr val="bg1">
+                    <a:lumMod val="75000"/>
+                  </a:schemeClr>
+                </a:solidFill>
+                <a:latin typeface="Bahnschrift" panose="020B0502040204020203" pitchFamily="34" charset="0"/>
+              </a:rPr>
+              <a:t>Modules</a:t>
+            </a:r>
+          </a:p>
+          <a:p>
+            <a:pPr marL="342900" indent="-342900">
+              <a:buFont typeface="Wingdings" panose="05000000000000000000" pitchFamily="2" charset="2"/>
+              <a:buChar char="q"/>
+            </a:pPr>
+            <a:r>
+              <a:rPr lang="en-US" sz="2400" dirty="0" smtClean="0">
+                <a:solidFill>
+                  <a:schemeClr val="bg1">
+                    <a:lumMod val="75000"/>
+                  </a:schemeClr>
+                </a:solidFill>
+                <a:latin typeface="Bahnschrift" panose="020B0502040204020203" pitchFamily="34" charset="0"/>
+              </a:rPr>
+              <a:t>Method</a:t>
+            </a:r>
+          </a:p>
+          <a:p>
+            <a:pPr marL="342900" indent="-342900">
+              <a:buFont typeface="Wingdings" panose="05000000000000000000" pitchFamily="2" charset="2"/>
+              <a:buChar char="q"/>
+            </a:pPr>
+            <a:r>
+              <a:rPr lang="en-US" sz="2400" dirty="0" smtClean="0">
+                <a:solidFill>
+                  <a:schemeClr val="bg1">
+                    <a:lumMod val="75000"/>
+                  </a:schemeClr>
+                </a:solidFill>
+                <a:latin typeface="Bahnschrift" panose="020B0502040204020203" pitchFamily="34" charset="0"/>
+              </a:rPr>
+              <a:t>List slice </a:t>
+            </a:r>
+          </a:p>
+          <a:p>
+            <a:pPr marL="342900" indent="-342900">
+              <a:buFont typeface="Wingdings" panose="05000000000000000000" pitchFamily="2" charset="2"/>
+              <a:buChar char="q"/>
+            </a:pPr>
+            <a:r>
+              <a:rPr lang="en-US" sz="2400" dirty="0" smtClean="0">
+                <a:solidFill>
+                  <a:schemeClr val="bg1">
+                    <a:lumMod val="75000"/>
+                  </a:schemeClr>
+                </a:solidFill>
+                <a:latin typeface="Bahnschrift" panose="020B0502040204020203" pitchFamily="34" charset="0"/>
+              </a:rPr>
+              <a:t>String</a:t>
+            </a:r>
+          </a:p>
+          <a:p>
+            <a:pPr marL="342900" indent="-342900">
+              <a:buFont typeface="Wingdings" panose="05000000000000000000" pitchFamily="2" charset="2"/>
+              <a:buChar char="q"/>
+            </a:pPr>
+            <a:r>
+              <a:rPr lang="en-US" sz="2400" dirty="0" smtClean="0">
+                <a:solidFill>
+                  <a:schemeClr val="bg1">
+                    <a:lumMod val="75000"/>
+                  </a:schemeClr>
+                </a:solidFill>
+                <a:latin typeface="Bahnschrift" panose="020B0502040204020203" pitchFamily="34" charset="0"/>
+              </a:rPr>
+              <a:t>Encoding</a:t>
+            </a:r>
+          </a:p>
+          <a:p>
+            <a:pPr marL="342900" indent="-342900">
+              <a:buFont typeface="Wingdings" panose="05000000000000000000" pitchFamily="2" charset="2"/>
+              <a:buChar char="q"/>
+            </a:pPr>
+            <a:r>
+              <a:rPr lang="en-US" sz="2400" dirty="0" smtClean="0">
+                <a:solidFill>
+                  <a:schemeClr val="bg1">
+                    <a:lumMod val="75000"/>
+                  </a:schemeClr>
+                </a:solidFill>
+                <a:latin typeface="Bahnschrift" panose="020B0502040204020203" pitchFamily="34" charset="0"/>
+              </a:rPr>
+              <a:t>String Method</a:t>
+            </a:r>
+          </a:p>
+          <a:p>
+            <a:pPr marL="342900" indent="-342900">
+              <a:buFont typeface="Wingdings" panose="05000000000000000000" pitchFamily="2" charset="2"/>
+              <a:buChar char="q"/>
+            </a:pPr>
+            <a:endParaRPr lang="en-US" sz="2400" dirty="0" smtClean="0">
+              <a:latin typeface="Bahnschrift" panose="020B0502040204020203" pitchFamily="34" charset="0"/>
+            </a:endParaRPr>
+          </a:p>
+          <a:p>
+            <a:pPr marL="342900" indent="-342900">
+              <a:buFont typeface="Wingdings" panose="05000000000000000000" pitchFamily="2" charset="2"/>
+              <a:buChar char="q"/>
+            </a:pPr>
+            <a:endParaRPr lang="fa-IR" sz="2400" dirty="0">
+              <a:latin typeface="Bahnschrift" panose="020B0502040204020203" pitchFamily="34" charset="0"/>
+            </a:endParaRPr>
+          </a:p>
+        </p:txBody>
+      </p:sp>
+      <p:sp>
+        <p:nvSpPr>
+          <p:cNvPr id="3" name="Rectangle 2"/>
+          <p:cNvSpPr/>
+          <p:nvPr/>
+        </p:nvSpPr>
+        <p:spPr>
+          <a:xfrm>
+            <a:off x="294469" y="406240"/>
+            <a:ext cx="2101857" cy="400110"/>
+          </a:xfrm>
+          <a:prstGeom prst="rect">
+            <a:avLst/>
+          </a:prstGeom>
+        </p:spPr>
+        <p:txBody>
+          <a:bodyPr wrap="none">
+            <a:spAutoFit/>
+          </a:bodyPr>
+          <a:lstStyle/>
+          <a:p>
+            <a:r>
+              <a:rPr lang="fa-IR" sz="2000" dirty="0">
+                <a:latin typeface="Bahnschrift" panose="020B0502040204020203" pitchFamily="34" charset="0"/>
+              </a:rPr>
+              <a:t>Coding in Python</a:t>
+            </a:r>
+          </a:p>
+        </p:txBody>
+      </p:sp>
+      <p:grpSp>
+        <p:nvGrpSpPr>
+          <p:cNvPr id="6" name="Group 5"/>
+          <p:cNvGrpSpPr/>
+          <p:nvPr/>
+        </p:nvGrpSpPr>
+        <p:grpSpPr>
+          <a:xfrm>
+            <a:off x="5780866" y="1148186"/>
+            <a:ext cx="4680489" cy="712923"/>
+            <a:chOff x="5780866" y="1148186"/>
+            <a:chExt cx="4680489" cy="712923"/>
+          </a:xfrm>
+        </p:grpSpPr>
+        <p:sp>
+          <p:nvSpPr>
+            <p:cNvPr id="35" name="Rounded Rectangle 34">
+              <a:extLst>
+                <a:ext uri="{FF2B5EF4-FFF2-40B4-BE49-F238E27FC236}">
+                  <a16:creationId xmlns:a16="http://schemas.microsoft.com/office/drawing/2014/main" id="{7184B851-9CB0-4515-BF05-4B33A88AA105}"/>
+                </a:ext>
+              </a:extLst>
+            </p:cNvPr>
+            <p:cNvSpPr/>
+            <p:nvPr/>
+          </p:nvSpPr>
+          <p:spPr>
+            <a:xfrm>
+              <a:off x="5780866" y="1148186"/>
+              <a:ext cx="4680489" cy="712923"/>
+            </a:xfrm>
+            <a:prstGeom prst="roundRect">
+              <a:avLst/>
+            </a:prstGeom>
+          </p:spPr>
+          <p:style>
+            <a:lnRef idx="1">
+              <a:schemeClr val="accent4"/>
+            </a:lnRef>
+            <a:fillRef idx="2">
+              <a:schemeClr val="accent4"/>
+            </a:fillRef>
+            <a:effectRef idx="1">
+              <a:schemeClr val="accent4"/>
+            </a:effectRef>
+            <a:fontRef idx="minor">
+              <a:schemeClr val="dk1"/>
+            </a:fontRef>
+          </p:style>
+          <p:txBody>
+            <a:bodyPr rtlCol="1" anchor="ctr"/>
+            <a:lstStyle/>
+            <a:p>
+              <a:pPr algn="ctr"/>
+              <a:endParaRPr lang="fa-IR" sz="2800" dirty="0">
+                <a:cs typeface="B Traffic" panose="00000400000000000000" pitchFamily="2" charset="-78"/>
+              </a:endParaRPr>
+            </a:p>
+          </p:txBody>
+        </p:sp>
+        <p:sp>
+          <p:nvSpPr>
+            <p:cNvPr id="4" name="TextBox 3"/>
+            <p:cNvSpPr txBox="1"/>
+            <p:nvPr/>
+          </p:nvSpPr>
+          <p:spPr>
+            <a:xfrm>
+              <a:off x="5858349" y="1243038"/>
+              <a:ext cx="4479014" cy="523220"/>
+            </a:xfrm>
+            <a:prstGeom prst="rect">
+              <a:avLst/>
+            </a:prstGeom>
+            <a:noFill/>
+          </p:spPr>
+          <p:txBody>
+            <a:bodyPr wrap="square" rtlCol="1">
+              <a:spAutoFit/>
+            </a:bodyPr>
+            <a:lstStyle/>
+            <a:p>
+              <a:r>
+                <a:rPr lang="en-US" sz="2800" b="1" dirty="0">
+                  <a:latin typeface="Consolas" panose="020B0609020204030204" pitchFamily="49" charset="0"/>
+                </a:rPr>
+                <a:t>== </a:t>
+              </a:r>
+              <a:r>
+                <a:rPr lang="en-US" sz="2800" b="1" dirty="0" smtClean="0">
+                  <a:latin typeface="Consolas" panose="020B0609020204030204" pitchFamily="49" charset="0"/>
+                </a:rPr>
+                <a:t> != </a:t>
+              </a:r>
+              <a:r>
+                <a:rPr lang="en-US" sz="2800" b="1" dirty="0">
+                  <a:latin typeface="Consolas" panose="020B0609020204030204" pitchFamily="49" charset="0"/>
+                </a:rPr>
+                <a:t>&lt;&gt;  </a:t>
+              </a:r>
+              <a:r>
+                <a:rPr lang="en-US" sz="2800" b="1" dirty="0" smtClean="0">
+                  <a:latin typeface="Consolas" panose="020B0609020204030204" pitchFamily="49" charset="0"/>
+                </a:rPr>
+                <a:t>&gt;  &lt;  &gt;= &lt;=</a:t>
+              </a:r>
+              <a:endParaRPr lang="fa-IR" sz="2800" b="1" dirty="0">
+                <a:latin typeface="Consolas" panose="020B0609020204030204" pitchFamily="49" charset="0"/>
+              </a:endParaRPr>
+            </a:p>
+          </p:txBody>
+        </p:sp>
+      </p:grpSp>
+      <p:sp>
+        <p:nvSpPr>
+          <p:cNvPr id="8" name="Rectangle 7"/>
+          <p:cNvSpPr/>
+          <p:nvPr/>
+        </p:nvSpPr>
+        <p:spPr>
+          <a:xfrm>
+            <a:off x="7161365" y="2437556"/>
+            <a:ext cx="817853" cy="369332"/>
+          </a:xfrm>
+          <a:prstGeom prst="rect">
+            <a:avLst/>
+          </a:prstGeom>
+        </p:spPr>
+        <p:txBody>
+          <a:bodyPr wrap="none">
+            <a:spAutoFit/>
+          </a:bodyPr>
+          <a:lstStyle/>
+          <a:p>
+            <a:r>
+              <a:rPr lang="en-US" dirty="0">
+                <a:latin typeface="Consolas" panose="020B0609020204030204" pitchFamily="49" charset="0"/>
+              </a:rPr>
+              <a:t>x</a:t>
+            </a:r>
+            <a:r>
+              <a:rPr lang="en-US" dirty="0" smtClean="0">
+                <a:solidFill>
+                  <a:srgbClr val="0000CD"/>
+                </a:solidFill>
+                <a:latin typeface="Consolas" panose="020B0609020204030204" pitchFamily="49" charset="0"/>
+              </a:rPr>
+              <a:t> = </a:t>
+            </a:r>
+            <a:r>
+              <a:rPr lang="en-US" dirty="0">
+                <a:solidFill>
+                  <a:srgbClr val="A52A2A"/>
+                </a:solidFill>
+                <a:latin typeface="Consolas" panose="020B0609020204030204" pitchFamily="49" charset="0"/>
+              </a:rPr>
+              <a:t>1</a:t>
+            </a:r>
+            <a:endParaRPr lang="fa-IR" dirty="0">
+              <a:solidFill>
+                <a:srgbClr val="A52A2A"/>
+              </a:solidFill>
+              <a:latin typeface="Consolas" panose="020B0609020204030204" pitchFamily="49" charset="0"/>
+            </a:endParaRPr>
+          </a:p>
+        </p:txBody>
+      </p:sp>
+      <p:sp>
+        <p:nvSpPr>
+          <p:cNvPr id="37" name="Rectangle 36"/>
+          <p:cNvSpPr/>
+          <p:nvPr/>
+        </p:nvSpPr>
+        <p:spPr>
+          <a:xfrm>
+            <a:off x="7144714" y="3099726"/>
+            <a:ext cx="944489" cy="369332"/>
+          </a:xfrm>
+          <a:prstGeom prst="rect">
+            <a:avLst/>
+          </a:prstGeom>
+        </p:spPr>
+        <p:txBody>
+          <a:bodyPr wrap="none">
+            <a:spAutoFit/>
+          </a:bodyPr>
+          <a:lstStyle/>
+          <a:p>
+            <a:r>
+              <a:rPr lang="en-US" dirty="0">
+                <a:latin typeface="Consolas" panose="020B0609020204030204" pitchFamily="49" charset="0"/>
+              </a:rPr>
+              <a:t>x</a:t>
+            </a:r>
+            <a:r>
+              <a:rPr lang="en-US" dirty="0" smtClean="0">
+                <a:solidFill>
+                  <a:srgbClr val="0000CD"/>
+                </a:solidFill>
+                <a:latin typeface="Consolas" panose="020B0609020204030204" pitchFamily="49" charset="0"/>
+              </a:rPr>
+              <a:t> == </a:t>
+            </a:r>
+            <a:r>
+              <a:rPr lang="en-US" dirty="0">
+                <a:solidFill>
+                  <a:srgbClr val="A52A2A"/>
+                </a:solidFill>
+                <a:latin typeface="Consolas" panose="020B0609020204030204" pitchFamily="49" charset="0"/>
+              </a:rPr>
+              <a:t>1</a:t>
+            </a:r>
+            <a:endParaRPr lang="fa-IR" dirty="0">
+              <a:solidFill>
+                <a:srgbClr val="A52A2A"/>
+              </a:solidFill>
+              <a:latin typeface="Consolas" panose="020B0609020204030204" pitchFamily="49" charset="0"/>
+            </a:endParaRPr>
+          </a:p>
+        </p:txBody>
+      </p:sp>
+      <p:grpSp>
+        <p:nvGrpSpPr>
+          <p:cNvPr id="38" name="Group 37"/>
+          <p:cNvGrpSpPr/>
+          <p:nvPr/>
+        </p:nvGrpSpPr>
+        <p:grpSpPr>
+          <a:xfrm>
+            <a:off x="8271671" y="2469416"/>
+            <a:ext cx="619933" cy="369332"/>
+            <a:chOff x="9082006" y="1449090"/>
+            <a:chExt cx="801848" cy="464949"/>
+          </a:xfrm>
+        </p:grpSpPr>
+        <p:sp>
+          <p:nvSpPr>
+            <p:cNvPr id="39" name="Rounded Rectangle 38"/>
+            <p:cNvSpPr/>
+            <p:nvPr/>
+          </p:nvSpPr>
+          <p:spPr>
+            <a:xfrm>
+              <a:off x="9082006" y="1449090"/>
+              <a:ext cx="790414" cy="464949"/>
+            </a:xfrm>
+            <a:prstGeom prst="roundRect">
+              <a:avLst/>
+            </a:prstGeom>
+          </p:spPr>
+          <p:style>
+            <a:lnRef idx="2">
+              <a:schemeClr val="accent6"/>
+            </a:lnRef>
+            <a:fillRef idx="1">
+              <a:schemeClr val="lt1"/>
+            </a:fillRef>
+            <a:effectRef idx="0">
+              <a:schemeClr val="accent6"/>
+            </a:effectRef>
+            <a:fontRef idx="minor">
+              <a:schemeClr val="dk1"/>
+            </a:fontRef>
+          </p:style>
+          <p:txBody>
+            <a:bodyPr rtlCol="1" anchor="ctr"/>
+            <a:lstStyle/>
+            <a:p>
+              <a:pPr algn="ctr"/>
+              <a:endParaRPr lang="fa-IR"/>
+            </a:p>
+          </p:txBody>
+        </p:sp>
+        <p:grpSp>
+          <p:nvGrpSpPr>
+            <p:cNvPr id="40" name="Group 39"/>
+            <p:cNvGrpSpPr/>
+            <p:nvPr/>
+          </p:nvGrpSpPr>
+          <p:grpSpPr>
+            <a:xfrm>
+              <a:off x="9143994" y="1537233"/>
+              <a:ext cx="739860" cy="348712"/>
+              <a:chOff x="9051009" y="1092904"/>
+              <a:chExt cx="770060" cy="348712"/>
+            </a:xfrm>
+          </p:grpSpPr>
+          <p:sp>
+            <p:nvSpPr>
+              <p:cNvPr id="52" name="Isosceles Triangle 51"/>
+              <p:cNvSpPr/>
+              <p:nvPr/>
+            </p:nvSpPr>
+            <p:spPr>
+              <a:xfrm rot="5400000">
+                <a:off x="9052324" y="1114563"/>
+                <a:ext cx="245344" cy="247974"/>
+              </a:xfrm>
+              <a:prstGeom prst="triangle">
+                <a:avLst/>
+              </a:prstGeom>
+            </p:spPr>
+            <p:style>
+              <a:lnRef idx="3">
+                <a:schemeClr val="lt1"/>
+              </a:lnRef>
+              <a:fillRef idx="1">
+                <a:schemeClr val="accent6"/>
+              </a:fillRef>
+              <a:effectRef idx="1">
+                <a:schemeClr val="accent6"/>
+              </a:effectRef>
+              <a:fontRef idx="minor">
+                <a:schemeClr val="lt1"/>
+              </a:fontRef>
+            </p:style>
+            <p:txBody>
+              <a:bodyPr rtlCol="1" anchor="ctr"/>
+              <a:lstStyle/>
+              <a:p>
+                <a:pPr algn="ctr"/>
+                <a:endParaRPr lang="fa-IR"/>
+              </a:p>
+            </p:txBody>
+          </p:sp>
+          <p:sp>
+            <p:nvSpPr>
+              <p:cNvPr id="54" name="TextBox 53"/>
+              <p:cNvSpPr txBox="1"/>
+              <p:nvPr/>
+            </p:nvSpPr>
+            <p:spPr>
+              <a:xfrm>
+                <a:off x="9216636" y="1092904"/>
+                <a:ext cx="604433" cy="348712"/>
+              </a:xfrm>
+              <a:prstGeom prst="rect">
+                <a:avLst/>
+              </a:prstGeom>
+              <a:noFill/>
+            </p:spPr>
+            <p:txBody>
+              <a:bodyPr wrap="square" rtlCol="1">
+                <a:spAutoFit/>
+              </a:bodyPr>
+              <a:lstStyle/>
+              <a:p>
+                <a:r>
+                  <a:rPr lang="en-US" sz="1200" dirty="0">
+                    <a:latin typeface="Consolas" panose="020B0609020204030204" pitchFamily="49" charset="0"/>
+                  </a:rPr>
+                  <a:t>Run</a:t>
+                </a:r>
+                <a:endParaRPr lang="fa-IR" dirty="0">
+                  <a:latin typeface="Consolas" panose="020B0609020204030204" pitchFamily="49" charset="0"/>
+                </a:endParaRPr>
+              </a:p>
+            </p:txBody>
+          </p:sp>
+        </p:grpSp>
+      </p:grpSp>
+      <p:grpSp>
+        <p:nvGrpSpPr>
+          <p:cNvPr id="55" name="Group 54"/>
+          <p:cNvGrpSpPr/>
+          <p:nvPr/>
+        </p:nvGrpSpPr>
+        <p:grpSpPr>
+          <a:xfrm>
+            <a:off x="8271671" y="3051952"/>
+            <a:ext cx="619933" cy="369332"/>
+            <a:chOff x="9082006" y="1449090"/>
+            <a:chExt cx="801848" cy="464949"/>
+          </a:xfrm>
+        </p:grpSpPr>
+        <p:sp>
+          <p:nvSpPr>
+            <p:cNvPr id="56" name="Rounded Rectangle 55"/>
+            <p:cNvSpPr/>
+            <p:nvPr/>
+          </p:nvSpPr>
+          <p:spPr>
+            <a:xfrm>
+              <a:off x="9082006" y="1449090"/>
+              <a:ext cx="790414" cy="464949"/>
+            </a:xfrm>
+            <a:prstGeom prst="roundRect">
+              <a:avLst/>
+            </a:prstGeom>
+          </p:spPr>
+          <p:style>
+            <a:lnRef idx="2">
+              <a:schemeClr val="accent6"/>
+            </a:lnRef>
+            <a:fillRef idx="1">
+              <a:schemeClr val="lt1"/>
+            </a:fillRef>
+            <a:effectRef idx="0">
+              <a:schemeClr val="accent6"/>
+            </a:effectRef>
+            <a:fontRef idx="minor">
+              <a:schemeClr val="dk1"/>
+            </a:fontRef>
+          </p:style>
+          <p:txBody>
+            <a:bodyPr rtlCol="1" anchor="ctr"/>
+            <a:lstStyle/>
+            <a:p>
+              <a:pPr algn="ctr"/>
+              <a:endParaRPr lang="fa-IR"/>
+            </a:p>
+          </p:txBody>
+        </p:sp>
+        <p:grpSp>
+          <p:nvGrpSpPr>
+            <p:cNvPr id="57" name="Group 56"/>
+            <p:cNvGrpSpPr/>
+            <p:nvPr/>
+          </p:nvGrpSpPr>
+          <p:grpSpPr>
+            <a:xfrm>
+              <a:off x="9143994" y="1537233"/>
+              <a:ext cx="739860" cy="348712"/>
+              <a:chOff x="9051009" y="1092904"/>
+              <a:chExt cx="770060" cy="348712"/>
+            </a:xfrm>
+          </p:grpSpPr>
+          <p:sp>
+            <p:nvSpPr>
+              <p:cNvPr id="58" name="Isosceles Triangle 57"/>
+              <p:cNvSpPr/>
+              <p:nvPr/>
+            </p:nvSpPr>
+            <p:spPr>
+              <a:xfrm rot="5400000">
+                <a:off x="9052324" y="1114563"/>
+                <a:ext cx="245344" cy="247974"/>
+              </a:xfrm>
+              <a:prstGeom prst="triangle">
+                <a:avLst/>
+              </a:prstGeom>
+            </p:spPr>
+            <p:style>
+              <a:lnRef idx="3">
+                <a:schemeClr val="lt1"/>
+              </a:lnRef>
+              <a:fillRef idx="1">
+                <a:schemeClr val="accent6"/>
+              </a:fillRef>
+              <a:effectRef idx="1">
+                <a:schemeClr val="accent6"/>
+              </a:effectRef>
+              <a:fontRef idx="minor">
+                <a:schemeClr val="lt1"/>
+              </a:fontRef>
+            </p:style>
+            <p:txBody>
+              <a:bodyPr rtlCol="1" anchor="ctr"/>
+              <a:lstStyle/>
+              <a:p>
+                <a:pPr algn="ctr"/>
+                <a:endParaRPr lang="fa-IR"/>
+              </a:p>
+            </p:txBody>
+          </p:sp>
+          <p:sp>
+            <p:nvSpPr>
+              <p:cNvPr id="59" name="TextBox 58"/>
+              <p:cNvSpPr txBox="1"/>
+              <p:nvPr/>
+            </p:nvSpPr>
+            <p:spPr>
+              <a:xfrm>
+                <a:off x="9216636" y="1092904"/>
+                <a:ext cx="604433" cy="348712"/>
+              </a:xfrm>
+              <a:prstGeom prst="rect">
+                <a:avLst/>
+              </a:prstGeom>
+              <a:noFill/>
+            </p:spPr>
+            <p:txBody>
+              <a:bodyPr wrap="square" rtlCol="1">
+                <a:spAutoFit/>
+              </a:bodyPr>
+              <a:lstStyle/>
+              <a:p>
+                <a:r>
+                  <a:rPr lang="en-US" sz="1200" dirty="0">
+                    <a:latin typeface="Consolas" panose="020B0609020204030204" pitchFamily="49" charset="0"/>
+                  </a:rPr>
+                  <a:t>Run</a:t>
+                </a:r>
+                <a:endParaRPr lang="fa-IR" dirty="0">
+                  <a:latin typeface="Consolas" panose="020B0609020204030204" pitchFamily="49" charset="0"/>
+                </a:endParaRPr>
+              </a:p>
+            </p:txBody>
+          </p:sp>
+        </p:grpSp>
+      </p:grpSp>
+      <p:sp>
+        <p:nvSpPr>
+          <p:cNvPr id="9" name="Rectangle 8"/>
+          <p:cNvSpPr/>
+          <p:nvPr/>
+        </p:nvSpPr>
+        <p:spPr>
+          <a:xfrm>
+            <a:off x="7348834" y="3407066"/>
+            <a:ext cx="691215" cy="369332"/>
+          </a:xfrm>
+          <a:prstGeom prst="rect">
+            <a:avLst/>
+          </a:prstGeom>
+        </p:spPr>
+        <p:txBody>
+          <a:bodyPr wrap="none">
+            <a:spAutoFit/>
+          </a:bodyPr>
+          <a:lstStyle/>
+          <a:p>
+            <a:r>
+              <a:rPr lang="en-US" dirty="0" smtClean="0">
+                <a:latin typeface="consolas" panose="020B0609020204030204" pitchFamily="49" charset="0"/>
+              </a:rPr>
+              <a:t>True</a:t>
+            </a:r>
+            <a:endParaRPr lang="fa-IR" dirty="0"/>
+          </a:p>
+        </p:txBody>
+      </p:sp>
+      <p:sp>
+        <p:nvSpPr>
+          <p:cNvPr id="60" name="Rectangle 59"/>
+          <p:cNvSpPr/>
+          <p:nvPr/>
+        </p:nvSpPr>
+        <p:spPr>
+          <a:xfrm>
+            <a:off x="7144715" y="4153545"/>
+            <a:ext cx="944489" cy="369332"/>
+          </a:xfrm>
+          <a:prstGeom prst="rect">
+            <a:avLst/>
+          </a:prstGeom>
+        </p:spPr>
+        <p:txBody>
+          <a:bodyPr wrap="none">
+            <a:spAutoFit/>
+          </a:bodyPr>
+          <a:lstStyle/>
+          <a:p>
+            <a:r>
+              <a:rPr lang="en-US" dirty="0">
+                <a:latin typeface="Consolas" panose="020B0609020204030204" pitchFamily="49" charset="0"/>
+              </a:rPr>
+              <a:t>x</a:t>
+            </a:r>
+            <a:r>
+              <a:rPr lang="en-US" dirty="0" smtClean="0">
+                <a:solidFill>
+                  <a:srgbClr val="0000CD"/>
+                </a:solidFill>
+                <a:latin typeface="Consolas" panose="020B0609020204030204" pitchFamily="49" charset="0"/>
+              </a:rPr>
+              <a:t> != </a:t>
+            </a:r>
+            <a:r>
+              <a:rPr lang="en-US" dirty="0">
+                <a:solidFill>
+                  <a:srgbClr val="A52A2A"/>
+                </a:solidFill>
+                <a:latin typeface="Consolas" panose="020B0609020204030204" pitchFamily="49" charset="0"/>
+              </a:rPr>
+              <a:t>1</a:t>
+            </a:r>
+            <a:endParaRPr lang="fa-IR" dirty="0">
+              <a:solidFill>
+                <a:srgbClr val="A52A2A"/>
+              </a:solidFill>
+              <a:latin typeface="Consolas" panose="020B0609020204030204" pitchFamily="49" charset="0"/>
+            </a:endParaRPr>
+          </a:p>
+        </p:txBody>
+      </p:sp>
+      <p:sp>
+        <p:nvSpPr>
+          <p:cNvPr id="61" name="Rectangle 60"/>
+          <p:cNvSpPr/>
+          <p:nvPr/>
+        </p:nvSpPr>
+        <p:spPr>
+          <a:xfrm>
+            <a:off x="7348834" y="4462269"/>
+            <a:ext cx="817853" cy="369332"/>
+          </a:xfrm>
+          <a:prstGeom prst="rect">
+            <a:avLst/>
+          </a:prstGeom>
+        </p:spPr>
+        <p:txBody>
+          <a:bodyPr wrap="none">
+            <a:spAutoFit/>
+          </a:bodyPr>
+          <a:lstStyle/>
+          <a:p>
+            <a:r>
+              <a:rPr lang="en-US" dirty="0" smtClean="0">
+                <a:latin typeface="consolas" panose="020B0609020204030204" pitchFamily="49" charset="0"/>
+              </a:rPr>
+              <a:t>False</a:t>
+            </a:r>
+            <a:endParaRPr lang="fa-IR" dirty="0"/>
+          </a:p>
+        </p:txBody>
+      </p:sp>
+      <p:grpSp>
+        <p:nvGrpSpPr>
+          <p:cNvPr id="62" name="Group 61"/>
+          <p:cNvGrpSpPr/>
+          <p:nvPr/>
+        </p:nvGrpSpPr>
+        <p:grpSpPr>
+          <a:xfrm>
+            <a:off x="8281996" y="4153545"/>
+            <a:ext cx="619933" cy="369332"/>
+            <a:chOff x="9082006" y="1449090"/>
+            <a:chExt cx="801848" cy="464949"/>
+          </a:xfrm>
+        </p:grpSpPr>
+        <p:sp>
+          <p:nvSpPr>
+            <p:cNvPr id="63" name="Rounded Rectangle 62"/>
+            <p:cNvSpPr/>
+            <p:nvPr/>
+          </p:nvSpPr>
+          <p:spPr>
+            <a:xfrm>
+              <a:off x="9082006" y="1449090"/>
+              <a:ext cx="790414" cy="464949"/>
+            </a:xfrm>
+            <a:prstGeom prst="roundRect">
+              <a:avLst/>
+            </a:prstGeom>
+          </p:spPr>
+          <p:style>
+            <a:lnRef idx="2">
+              <a:schemeClr val="accent6"/>
+            </a:lnRef>
+            <a:fillRef idx="1">
+              <a:schemeClr val="lt1"/>
+            </a:fillRef>
+            <a:effectRef idx="0">
+              <a:schemeClr val="accent6"/>
+            </a:effectRef>
+            <a:fontRef idx="minor">
+              <a:schemeClr val="dk1"/>
+            </a:fontRef>
+          </p:style>
+          <p:txBody>
+            <a:bodyPr rtlCol="1" anchor="ctr"/>
+            <a:lstStyle/>
+            <a:p>
+              <a:pPr algn="ctr"/>
+              <a:endParaRPr lang="fa-IR"/>
+            </a:p>
+          </p:txBody>
+        </p:sp>
+        <p:grpSp>
+          <p:nvGrpSpPr>
+            <p:cNvPr id="64" name="Group 63"/>
+            <p:cNvGrpSpPr/>
+            <p:nvPr/>
+          </p:nvGrpSpPr>
+          <p:grpSpPr>
+            <a:xfrm>
+              <a:off x="9143994" y="1537233"/>
+              <a:ext cx="739860" cy="348712"/>
+              <a:chOff x="9051009" y="1092904"/>
+              <a:chExt cx="770060" cy="348712"/>
+            </a:xfrm>
+          </p:grpSpPr>
+          <p:sp>
+            <p:nvSpPr>
+              <p:cNvPr id="65" name="Isosceles Triangle 64"/>
+              <p:cNvSpPr/>
+              <p:nvPr/>
+            </p:nvSpPr>
+            <p:spPr>
+              <a:xfrm rot="5400000">
+                <a:off x="9052324" y="1114563"/>
+                <a:ext cx="245344" cy="247974"/>
+              </a:xfrm>
+              <a:prstGeom prst="triangle">
+                <a:avLst/>
+              </a:prstGeom>
+            </p:spPr>
+            <p:style>
+              <a:lnRef idx="3">
+                <a:schemeClr val="lt1"/>
+              </a:lnRef>
+              <a:fillRef idx="1">
+                <a:schemeClr val="accent6"/>
+              </a:fillRef>
+              <a:effectRef idx="1">
+                <a:schemeClr val="accent6"/>
+              </a:effectRef>
+              <a:fontRef idx="minor">
+                <a:schemeClr val="lt1"/>
+              </a:fontRef>
+            </p:style>
+            <p:txBody>
+              <a:bodyPr rtlCol="1" anchor="ctr"/>
+              <a:lstStyle/>
+              <a:p>
+                <a:pPr algn="ctr"/>
+                <a:endParaRPr lang="fa-IR"/>
+              </a:p>
+            </p:txBody>
+          </p:sp>
+          <p:sp>
+            <p:nvSpPr>
+              <p:cNvPr id="66" name="TextBox 65"/>
+              <p:cNvSpPr txBox="1"/>
+              <p:nvPr/>
+            </p:nvSpPr>
+            <p:spPr>
+              <a:xfrm>
+                <a:off x="9216636" y="1092904"/>
+                <a:ext cx="604433" cy="348712"/>
+              </a:xfrm>
+              <a:prstGeom prst="rect">
+                <a:avLst/>
+              </a:prstGeom>
+              <a:noFill/>
+            </p:spPr>
+            <p:txBody>
+              <a:bodyPr wrap="square" rtlCol="1">
+                <a:spAutoFit/>
+              </a:bodyPr>
+              <a:lstStyle/>
+              <a:p>
+                <a:r>
+                  <a:rPr lang="en-US" sz="1200" dirty="0">
+                    <a:latin typeface="Consolas" panose="020B0609020204030204" pitchFamily="49" charset="0"/>
+                  </a:rPr>
+                  <a:t>Run</a:t>
+                </a:r>
+                <a:endParaRPr lang="fa-IR" dirty="0">
+                  <a:latin typeface="Consolas" panose="020B0609020204030204" pitchFamily="49" charset="0"/>
+                </a:endParaRPr>
+              </a:p>
+            </p:txBody>
+          </p:sp>
+        </p:grpSp>
+      </p:grpSp>
+      <p:sp>
+        <p:nvSpPr>
+          <p:cNvPr id="67" name="Rectangle 66"/>
+          <p:cNvSpPr/>
+          <p:nvPr/>
+        </p:nvSpPr>
+        <p:spPr>
+          <a:xfrm>
+            <a:off x="7191200" y="5186431"/>
+            <a:ext cx="944489" cy="369332"/>
+          </a:xfrm>
+          <a:prstGeom prst="rect">
+            <a:avLst/>
+          </a:prstGeom>
+        </p:spPr>
+        <p:txBody>
+          <a:bodyPr wrap="none">
+            <a:spAutoFit/>
+          </a:bodyPr>
+          <a:lstStyle/>
+          <a:p>
+            <a:r>
+              <a:rPr lang="en-US" dirty="0">
+                <a:latin typeface="Consolas" panose="020B0609020204030204" pitchFamily="49" charset="0"/>
+              </a:rPr>
+              <a:t>x</a:t>
+            </a:r>
+            <a:r>
+              <a:rPr lang="en-US" dirty="0" smtClean="0">
+                <a:solidFill>
+                  <a:srgbClr val="0000CD"/>
+                </a:solidFill>
+                <a:latin typeface="Consolas" panose="020B0609020204030204" pitchFamily="49" charset="0"/>
+              </a:rPr>
+              <a:t> &gt;= </a:t>
+            </a:r>
+            <a:r>
+              <a:rPr lang="en-US" dirty="0">
+                <a:solidFill>
+                  <a:srgbClr val="A52A2A"/>
+                </a:solidFill>
+                <a:latin typeface="Consolas" panose="020B0609020204030204" pitchFamily="49" charset="0"/>
+              </a:rPr>
+              <a:t>1</a:t>
+            </a:r>
+            <a:endParaRPr lang="fa-IR" dirty="0">
+              <a:solidFill>
+                <a:srgbClr val="A52A2A"/>
+              </a:solidFill>
+              <a:latin typeface="Consolas" panose="020B0609020204030204" pitchFamily="49" charset="0"/>
+            </a:endParaRPr>
+          </a:p>
+        </p:txBody>
+      </p:sp>
+      <p:grpSp>
+        <p:nvGrpSpPr>
+          <p:cNvPr id="68" name="Group 67"/>
+          <p:cNvGrpSpPr/>
+          <p:nvPr/>
+        </p:nvGrpSpPr>
+        <p:grpSpPr>
+          <a:xfrm>
+            <a:off x="8262831" y="5222028"/>
+            <a:ext cx="619933" cy="369332"/>
+            <a:chOff x="9082006" y="1449090"/>
+            <a:chExt cx="801848" cy="464949"/>
+          </a:xfrm>
+        </p:grpSpPr>
+        <p:sp>
+          <p:nvSpPr>
+            <p:cNvPr id="69" name="Rounded Rectangle 68"/>
+            <p:cNvSpPr/>
+            <p:nvPr/>
+          </p:nvSpPr>
+          <p:spPr>
+            <a:xfrm>
+              <a:off x="9082006" y="1449090"/>
+              <a:ext cx="790414" cy="464949"/>
+            </a:xfrm>
+            <a:prstGeom prst="roundRect">
+              <a:avLst/>
+            </a:prstGeom>
+          </p:spPr>
+          <p:style>
+            <a:lnRef idx="2">
+              <a:schemeClr val="accent6"/>
+            </a:lnRef>
+            <a:fillRef idx="1">
+              <a:schemeClr val="lt1"/>
+            </a:fillRef>
+            <a:effectRef idx="0">
+              <a:schemeClr val="accent6"/>
+            </a:effectRef>
+            <a:fontRef idx="minor">
+              <a:schemeClr val="dk1"/>
+            </a:fontRef>
+          </p:style>
+          <p:txBody>
+            <a:bodyPr rtlCol="1" anchor="ctr"/>
+            <a:lstStyle/>
+            <a:p>
+              <a:pPr algn="ctr"/>
+              <a:endParaRPr lang="fa-IR"/>
+            </a:p>
+          </p:txBody>
+        </p:sp>
+        <p:grpSp>
+          <p:nvGrpSpPr>
+            <p:cNvPr id="70" name="Group 69"/>
+            <p:cNvGrpSpPr/>
+            <p:nvPr/>
+          </p:nvGrpSpPr>
+          <p:grpSpPr>
+            <a:xfrm>
+              <a:off x="9143994" y="1537233"/>
+              <a:ext cx="739860" cy="348712"/>
+              <a:chOff x="9051009" y="1092904"/>
+              <a:chExt cx="770060" cy="348712"/>
+            </a:xfrm>
+          </p:grpSpPr>
+          <p:sp>
+            <p:nvSpPr>
+              <p:cNvPr id="71" name="Isosceles Triangle 70"/>
+              <p:cNvSpPr/>
+              <p:nvPr/>
+            </p:nvSpPr>
+            <p:spPr>
+              <a:xfrm rot="5400000">
+                <a:off x="9052324" y="1114563"/>
+                <a:ext cx="245344" cy="247974"/>
+              </a:xfrm>
+              <a:prstGeom prst="triangle">
+                <a:avLst/>
+              </a:prstGeom>
+            </p:spPr>
+            <p:style>
+              <a:lnRef idx="3">
+                <a:schemeClr val="lt1"/>
+              </a:lnRef>
+              <a:fillRef idx="1">
+                <a:schemeClr val="accent6"/>
+              </a:fillRef>
+              <a:effectRef idx="1">
+                <a:schemeClr val="accent6"/>
+              </a:effectRef>
+              <a:fontRef idx="minor">
+                <a:schemeClr val="lt1"/>
+              </a:fontRef>
+            </p:style>
+            <p:txBody>
+              <a:bodyPr rtlCol="1" anchor="ctr"/>
+              <a:lstStyle/>
+              <a:p>
+                <a:pPr algn="ctr"/>
+                <a:endParaRPr lang="fa-IR"/>
+              </a:p>
+            </p:txBody>
+          </p:sp>
+          <p:sp>
+            <p:nvSpPr>
+              <p:cNvPr id="72" name="TextBox 71"/>
+              <p:cNvSpPr txBox="1"/>
+              <p:nvPr/>
+            </p:nvSpPr>
+            <p:spPr>
+              <a:xfrm>
+                <a:off x="9216636" y="1092904"/>
+                <a:ext cx="604433" cy="348712"/>
+              </a:xfrm>
+              <a:prstGeom prst="rect">
+                <a:avLst/>
+              </a:prstGeom>
+              <a:noFill/>
+            </p:spPr>
+            <p:txBody>
+              <a:bodyPr wrap="square" rtlCol="1">
+                <a:spAutoFit/>
+              </a:bodyPr>
+              <a:lstStyle/>
+              <a:p>
+                <a:r>
+                  <a:rPr lang="en-US" sz="1200" dirty="0">
+                    <a:latin typeface="Consolas" panose="020B0609020204030204" pitchFamily="49" charset="0"/>
+                  </a:rPr>
+                  <a:t>Run</a:t>
+                </a:r>
+                <a:endParaRPr lang="fa-IR" dirty="0">
+                  <a:latin typeface="Consolas" panose="020B0609020204030204" pitchFamily="49" charset="0"/>
+                </a:endParaRPr>
+              </a:p>
+            </p:txBody>
+          </p:sp>
+        </p:grpSp>
+      </p:grpSp>
+      <p:sp>
+        <p:nvSpPr>
+          <p:cNvPr id="73" name="Rectangle 72"/>
+          <p:cNvSpPr/>
+          <p:nvPr/>
+        </p:nvSpPr>
+        <p:spPr>
+          <a:xfrm>
+            <a:off x="7348833" y="5514439"/>
+            <a:ext cx="691215" cy="369332"/>
+          </a:xfrm>
+          <a:prstGeom prst="rect">
+            <a:avLst/>
+          </a:prstGeom>
+        </p:spPr>
+        <p:txBody>
+          <a:bodyPr wrap="none">
+            <a:spAutoFit/>
+          </a:bodyPr>
+          <a:lstStyle/>
+          <a:p>
+            <a:r>
+              <a:rPr lang="en-US" dirty="0" smtClean="0">
+                <a:latin typeface="consolas" panose="020B0609020204030204" pitchFamily="49" charset="0"/>
+              </a:rPr>
+              <a:t>True</a:t>
+            </a:r>
+            <a:endParaRPr lang="fa-IR" dirty="0"/>
+          </a:p>
+        </p:txBody>
+      </p:sp>
+    </p:spTree>
+    <p:extLst>
+      <p:ext uri="{BB962C8B-B14F-4D97-AF65-F5344CB8AC3E}">
+        <p14:creationId xmlns:p14="http://schemas.microsoft.com/office/powerpoint/2010/main" val="726706166"/>
+      </p:ext>
+    </p:extLst>
+  </p:cSld>
+  <p:clrMapOvr>
+    <a:masterClrMapping/>
+  </p:clrMapOvr>
+  <p:timing>
+    <p:tnLst>
+      <p:par>
+        <p:cTn id="1" dur="indefinite" restart="never" nodeType="tmRoot"/>
+      </p:par>
+    </p:tnLst>
+  </p:timing>
+</p:sld>
+</file>
+
+<file path=ppt/slides/slide13.xml><?xml version="1.0" encoding="utf-8"?>
+<p:sld xmlns:a="http://schemas.openxmlformats.org/drawingml/2006/main" xmlns:r="http://schemas.openxmlformats.org/officeDocument/2006/relationships" xmlns:p="http://schemas.openxmlformats.org/presentationml/2006/main">
+  <p:cSld>
+    <p:spTree>
+      <p:nvGrpSpPr>
+        <p:cNvPr id="1" name=""/>
+        <p:cNvGrpSpPr/>
+        <p:nvPr/>
+      </p:nvGrpSpPr>
+      <p:grpSpPr>
+        <a:xfrm>
+          <a:off x="0" y="0"/>
+          <a:ext cx="0" cy="0"/>
+          <a:chOff x="0" y="0"/>
+          <a:chExt cx="0" cy="0"/>
+        </a:xfrm>
+      </p:grpSpPr>
+      <p:sp>
+        <p:nvSpPr>
+          <p:cNvPr id="2" name="TextBox 1"/>
+          <p:cNvSpPr txBox="1"/>
+          <p:nvPr/>
+        </p:nvSpPr>
+        <p:spPr>
+          <a:xfrm>
+            <a:off x="557941" y="1053884"/>
+            <a:ext cx="4029557" cy="6001643"/>
+          </a:xfrm>
+          <a:prstGeom prst="rect">
+            <a:avLst/>
+          </a:prstGeom>
+          <a:noFill/>
+        </p:spPr>
+        <p:txBody>
+          <a:bodyPr wrap="square" rtlCol="1">
+            <a:spAutoFit/>
+          </a:bodyPr>
+          <a:lstStyle/>
+          <a:p>
+            <a:pPr marL="342900" indent="-342900">
+              <a:buFont typeface="Wingdings" panose="05000000000000000000" pitchFamily="2" charset="2"/>
+              <a:buChar char="q"/>
+            </a:pPr>
+            <a:r>
+              <a:rPr lang="en-US" sz="2400" dirty="0">
+                <a:solidFill>
+                  <a:schemeClr val="bg1">
+                    <a:lumMod val="75000"/>
+                  </a:schemeClr>
+                </a:solidFill>
+                <a:latin typeface="Bahnschrift" panose="020B0502040204020203" pitchFamily="34" charset="0"/>
+              </a:rPr>
+              <a:t>Start</a:t>
+            </a:r>
+          </a:p>
+          <a:p>
+            <a:pPr marL="342900" indent="-342900">
+              <a:buFont typeface="Wingdings" panose="05000000000000000000" pitchFamily="2" charset="2"/>
+              <a:buChar char="q"/>
+            </a:pPr>
+            <a:r>
+              <a:rPr lang="en-US" sz="2400" dirty="0" smtClean="0">
+                <a:solidFill>
+                  <a:schemeClr val="bg1">
+                    <a:lumMod val="75000"/>
+                  </a:schemeClr>
+                </a:solidFill>
+                <a:latin typeface="Bahnschrift" panose="020B0502040204020203" pitchFamily="34" charset="0"/>
+              </a:rPr>
+              <a:t>Comparison operators</a:t>
+            </a:r>
+          </a:p>
+          <a:p>
+            <a:pPr marL="342900" indent="-342900">
+              <a:buFont typeface="Wingdings" panose="05000000000000000000" pitchFamily="2" charset="2"/>
+              <a:buChar char="q"/>
+            </a:pPr>
+            <a:r>
+              <a:rPr lang="en-US" sz="2400" dirty="0">
+                <a:latin typeface="Bahnschrift" panose="020B0502040204020203" pitchFamily="34" charset="0"/>
+              </a:rPr>
+              <a:t>Logical operators</a:t>
+            </a:r>
+          </a:p>
+          <a:p>
+            <a:pPr marL="342900" indent="-342900">
+              <a:buFont typeface="Wingdings" panose="05000000000000000000" pitchFamily="2" charset="2"/>
+              <a:buChar char="q"/>
+            </a:pPr>
+            <a:r>
+              <a:rPr lang="en-US" sz="2400" dirty="0" smtClean="0">
+                <a:solidFill>
+                  <a:schemeClr val="bg1">
+                    <a:lumMod val="75000"/>
+                  </a:schemeClr>
+                </a:solidFill>
+                <a:latin typeface="Bahnschrift" panose="020B0502040204020203" pitchFamily="34" charset="0"/>
+              </a:rPr>
+              <a:t>Identity operators</a:t>
+            </a:r>
+          </a:p>
+          <a:p>
+            <a:pPr marL="342900" indent="-342900">
+              <a:buFont typeface="Wingdings" panose="05000000000000000000" pitchFamily="2" charset="2"/>
+              <a:buChar char="q"/>
+            </a:pPr>
+            <a:r>
+              <a:rPr lang="en-US" sz="2400" dirty="0" smtClean="0">
+                <a:solidFill>
+                  <a:schemeClr val="bg1">
+                    <a:lumMod val="75000"/>
+                  </a:schemeClr>
+                </a:solidFill>
+                <a:latin typeface="Bahnschrift" panose="020B0502040204020203" pitchFamily="34" charset="0"/>
+              </a:rPr>
+              <a:t>Membership operator</a:t>
+            </a:r>
+          </a:p>
+          <a:p>
+            <a:pPr marL="342900" indent="-342900">
+              <a:buFont typeface="Wingdings" panose="05000000000000000000" pitchFamily="2" charset="2"/>
+              <a:buChar char="q"/>
+            </a:pPr>
+            <a:r>
+              <a:rPr lang="en-US" sz="2400" dirty="0" smtClean="0">
+                <a:solidFill>
+                  <a:schemeClr val="bg1">
+                    <a:lumMod val="75000"/>
+                  </a:schemeClr>
+                </a:solidFill>
+                <a:latin typeface="Bahnschrift" panose="020B0502040204020203" pitchFamily="34" charset="0"/>
+              </a:rPr>
+              <a:t>Condition</a:t>
+            </a:r>
+          </a:p>
+          <a:p>
+            <a:pPr marL="342900" indent="-342900">
+              <a:buFont typeface="Wingdings" panose="05000000000000000000" pitchFamily="2" charset="2"/>
+              <a:buChar char="q"/>
+            </a:pPr>
+            <a:r>
+              <a:rPr lang="en-US" sz="2400" dirty="0" smtClean="0">
+                <a:solidFill>
+                  <a:schemeClr val="bg1">
+                    <a:lumMod val="75000"/>
+                  </a:schemeClr>
+                </a:solidFill>
+                <a:latin typeface="Bahnschrift" panose="020B0502040204020203" pitchFamily="34" charset="0"/>
+              </a:rPr>
+              <a:t>Loop</a:t>
+            </a:r>
+          </a:p>
+          <a:p>
+            <a:pPr marL="342900" indent="-342900">
+              <a:buFont typeface="Wingdings" panose="05000000000000000000" pitchFamily="2" charset="2"/>
+              <a:buChar char="q"/>
+            </a:pPr>
+            <a:r>
+              <a:rPr lang="en-US" sz="2400" dirty="0" smtClean="0">
+                <a:solidFill>
+                  <a:schemeClr val="bg1">
+                    <a:lumMod val="75000"/>
+                  </a:schemeClr>
+                </a:solidFill>
+                <a:latin typeface="Bahnschrift" panose="020B0502040204020203" pitchFamily="34" charset="0"/>
+              </a:rPr>
+              <a:t>Function </a:t>
+            </a:r>
+          </a:p>
+          <a:p>
+            <a:pPr marL="342900" indent="-342900">
+              <a:buFont typeface="Wingdings" panose="05000000000000000000" pitchFamily="2" charset="2"/>
+              <a:buChar char="q"/>
+            </a:pPr>
+            <a:r>
+              <a:rPr lang="en-US" sz="2400" dirty="0" smtClean="0">
+                <a:solidFill>
+                  <a:schemeClr val="bg1">
+                    <a:lumMod val="75000"/>
+                  </a:schemeClr>
+                </a:solidFill>
+                <a:latin typeface="Bahnschrift" panose="020B0502040204020203" pitchFamily="34" charset="0"/>
+              </a:rPr>
+              <a:t>Modules</a:t>
+            </a:r>
+          </a:p>
+          <a:p>
+            <a:pPr marL="342900" indent="-342900">
+              <a:buFont typeface="Wingdings" panose="05000000000000000000" pitchFamily="2" charset="2"/>
+              <a:buChar char="q"/>
+            </a:pPr>
+            <a:r>
+              <a:rPr lang="en-US" sz="2400" dirty="0" smtClean="0">
+                <a:solidFill>
+                  <a:schemeClr val="bg1">
+                    <a:lumMod val="75000"/>
+                  </a:schemeClr>
+                </a:solidFill>
+                <a:latin typeface="Bahnschrift" panose="020B0502040204020203" pitchFamily="34" charset="0"/>
+              </a:rPr>
+              <a:t>Method</a:t>
+            </a:r>
+          </a:p>
+          <a:p>
+            <a:pPr marL="342900" indent="-342900">
+              <a:buFont typeface="Wingdings" panose="05000000000000000000" pitchFamily="2" charset="2"/>
+              <a:buChar char="q"/>
+            </a:pPr>
+            <a:r>
+              <a:rPr lang="en-US" sz="2400" dirty="0" smtClean="0">
+                <a:solidFill>
+                  <a:schemeClr val="bg1">
+                    <a:lumMod val="75000"/>
+                  </a:schemeClr>
+                </a:solidFill>
+                <a:latin typeface="Bahnschrift" panose="020B0502040204020203" pitchFamily="34" charset="0"/>
+              </a:rPr>
+              <a:t>List slice </a:t>
+            </a:r>
+          </a:p>
+          <a:p>
+            <a:pPr marL="342900" indent="-342900">
+              <a:buFont typeface="Wingdings" panose="05000000000000000000" pitchFamily="2" charset="2"/>
+              <a:buChar char="q"/>
+            </a:pPr>
+            <a:r>
+              <a:rPr lang="en-US" sz="2400" dirty="0" smtClean="0">
+                <a:solidFill>
+                  <a:schemeClr val="bg1">
+                    <a:lumMod val="75000"/>
+                  </a:schemeClr>
+                </a:solidFill>
+                <a:latin typeface="Bahnschrift" panose="020B0502040204020203" pitchFamily="34" charset="0"/>
+              </a:rPr>
+              <a:t>String</a:t>
+            </a:r>
+          </a:p>
+          <a:p>
+            <a:pPr marL="342900" indent="-342900">
+              <a:buFont typeface="Wingdings" panose="05000000000000000000" pitchFamily="2" charset="2"/>
+              <a:buChar char="q"/>
+            </a:pPr>
+            <a:r>
+              <a:rPr lang="en-US" sz="2400" dirty="0" smtClean="0">
+                <a:solidFill>
+                  <a:schemeClr val="bg1">
+                    <a:lumMod val="75000"/>
+                  </a:schemeClr>
+                </a:solidFill>
+                <a:latin typeface="Bahnschrift" panose="020B0502040204020203" pitchFamily="34" charset="0"/>
+              </a:rPr>
+              <a:t>Encoding</a:t>
+            </a:r>
+          </a:p>
+          <a:p>
+            <a:pPr marL="342900" indent="-342900">
+              <a:buFont typeface="Wingdings" panose="05000000000000000000" pitchFamily="2" charset="2"/>
+              <a:buChar char="q"/>
+            </a:pPr>
+            <a:r>
+              <a:rPr lang="en-US" sz="2400" dirty="0" smtClean="0">
+                <a:solidFill>
+                  <a:schemeClr val="bg1">
+                    <a:lumMod val="75000"/>
+                  </a:schemeClr>
+                </a:solidFill>
+                <a:latin typeface="Bahnschrift" panose="020B0502040204020203" pitchFamily="34" charset="0"/>
+              </a:rPr>
+              <a:t>String Method</a:t>
+            </a:r>
+          </a:p>
+          <a:p>
+            <a:pPr marL="342900" indent="-342900">
+              <a:buFont typeface="Wingdings" panose="05000000000000000000" pitchFamily="2" charset="2"/>
+              <a:buChar char="q"/>
+            </a:pPr>
+            <a:endParaRPr lang="en-US" sz="2400" dirty="0" smtClean="0">
+              <a:latin typeface="Bahnschrift" panose="020B0502040204020203" pitchFamily="34" charset="0"/>
+            </a:endParaRPr>
+          </a:p>
+          <a:p>
+            <a:pPr marL="342900" indent="-342900">
+              <a:buFont typeface="Wingdings" panose="05000000000000000000" pitchFamily="2" charset="2"/>
+              <a:buChar char="q"/>
+            </a:pPr>
+            <a:endParaRPr lang="fa-IR" sz="2400" dirty="0">
+              <a:latin typeface="Bahnschrift" panose="020B0502040204020203" pitchFamily="34" charset="0"/>
+            </a:endParaRPr>
+          </a:p>
+        </p:txBody>
+      </p:sp>
+      <p:sp>
+        <p:nvSpPr>
+          <p:cNvPr id="3" name="Rectangle 2"/>
+          <p:cNvSpPr/>
+          <p:nvPr/>
+        </p:nvSpPr>
+        <p:spPr>
+          <a:xfrm>
+            <a:off x="294469" y="406240"/>
+            <a:ext cx="2494594" cy="461665"/>
+          </a:xfrm>
+          <a:prstGeom prst="rect">
+            <a:avLst/>
+          </a:prstGeom>
+        </p:spPr>
+        <p:txBody>
+          <a:bodyPr wrap="none">
+            <a:spAutoFit/>
+          </a:bodyPr>
+          <a:lstStyle/>
+          <a:p>
+            <a:r>
+              <a:rPr lang="fa-IR" sz="2400" dirty="0">
+                <a:latin typeface="Bahnschrift" panose="020B0502040204020203" pitchFamily="34" charset="0"/>
+              </a:rPr>
+              <a:t>Coding in Python</a:t>
+            </a:r>
+          </a:p>
+        </p:txBody>
+      </p:sp>
+      <p:grpSp>
+        <p:nvGrpSpPr>
+          <p:cNvPr id="4" name="Group 3"/>
+          <p:cNvGrpSpPr/>
+          <p:nvPr/>
+        </p:nvGrpSpPr>
+        <p:grpSpPr>
+          <a:xfrm>
+            <a:off x="6540284" y="1179184"/>
+            <a:ext cx="3533613" cy="603932"/>
+            <a:chOff x="5967767" y="1148186"/>
+            <a:chExt cx="4261331" cy="712923"/>
+          </a:xfrm>
+        </p:grpSpPr>
+        <p:sp>
+          <p:nvSpPr>
+            <p:cNvPr id="5" name="Rounded Rectangle 4">
+              <a:extLst>
+                <a:ext uri="{FF2B5EF4-FFF2-40B4-BE49-F238E27FC236}">
+                  <a16:creationId xmlns:a16="http://schemas.microsoft.com/office/drawing/2014/main" id="{7184B851-9CB0-4515-BF05-4B33A88AA105}"/>
+                </a:ext>
+              </a:extLst>
+            </p:cNvPr>
+            <p:cNvSpPr/>
+            <p:nvPr/>
+          </p:nvSpPr>
+          <p:spPr>
+            <a:xfrm>
+              <a:off x="5967767" y="1148186"/>
+              <a:ext cx="4261331" cy="712923"/>
+            </a:xfrm>
+            <a:prstGeom prst="roundRect">
+              <a:avLst/>
+            </a:prstGeom>
+          </p:spPr>
+          <p:style>
+            <a:lnRef idx="1">
+              <a:schemeClr val="accent4"/>
+            </a:lnRef>
+            <a:fillRef idx="2">
+              <a:schemeClr val="accent4"/>
+            </a:fillRef>
+            <a:effectRef idx="1">
+              <a:schemeClr val="accent4"/>
+            </a:effectRef>
+            <a:fontRef idx="minor">
+              <a:schemeClr val="dk1"/>
+            </a:fontRef>
+          </p:style>
+          <p:txBody>
+            <a:bodyPr rtlCol="1" anchor="ctr"/>
+            <a:lstStyle/>
+            <a:p>
+              <a:pPr algn="ctr"/>
+              <a:endParaRPr lang="fa-IR" sz="2800" dirty="0">
+                <a:cs typeface="B Traffic" panose="00000400000000000000" pitchFamily="2" charset="-78"/>
+              </a:endParaRPr>
+            </a:p>
+          </p:txBody>
+        </p:sp>
+        <p:sp>
+          <p:nvSpPr>
+            <p:cNvPr id="6" name="TextBox 5"/>
+            <p:cNvSpPr txBox="1"/>
+            <p:nvPr/>
+          </p:nvSpPr>
+          <p:spPr>
+            <a:xfrm>
+              <a:off x="6530635" y="1227910"/>
+              <a:ext cx="3180950" cy="544981"/>
+            </a:xfrm>
+            <a:prstGeom prst="rect">
+              <a:avLst/>
+            </a:prstGeom>
+            <a:noFill/>
+          </p:spPr>
+          <p:txBody>
+            <a:bodyPr wrap="square" rtlCol="1">
+              <a:spAutoFit/>
+            </a:bodyPr>
+            <a:lstStyle/>
+            <a:p>
+              <a:r>
+                <a:rPr lang="en-US" sz="2400" b="1" dirty="0" smtClean="0">
+                  <a:latin typeface="Consolas" panose="020B0609020204030204" pitchFamily="49" charset="0"/>
+                </a:rPr>
+                <a:t>and	or	not</a:t>
+              </a:r>
+              <a:endParaRPr lang="fa-IR" sz="2400" b="1" dirty="0">
+                <a:latin typeface="Consolas" panose="020B0609020204030204" pitchFamily="49" charset="0"/>
+              </a:endParaRPr>
+            </a:p>
+          </p:txBody>
+        </p:sp>
+      </p:grpSp>
+      <p:sp>
+        <p:nvSpPr>
+          <p:cNvPr id="8" name="Rectangle 2"/>
+          <p:cNvSpPr>
+            <a:spLocks noChangeArrowheads="1"/>
+          </p:cNvSpPr>
+          <p:nvPr/>
+        </p:nvSpPr>
+        <p:spPr bwMode="auto">
+          <a:xfrm>
+            <a:off x="16992277" y="3245484"/>
+            <a:ext cx="453649" cy="692497"/>
+          </a:xfrm>
+          <a:prstGeom prst="rect">
+            <a:avLst/>
+          </a:prstGeom>
+          <a:solidFill>
+            <a:srgbClr val="FFFFFF"/>
+          </a:solidFill>
+          <a:ln>
+            <a:noFill/>
+          </a:ln>
+          <a:effectLst/>
+          <a:extLst>
+            <a:ext uri="{91240B29-F687-4F45-9708-019B960494DF}">
+              <a14:hiddenLine xmlns:a14="http://schemas.microsoft.com/office/drawing/2010/main" w="9525">
+                <a:solidFill>
+                  <a:schemeClr val="tx1"/>
+                </a:solidFill>
+                <a:miter lim="800000"/>
+                <a:headEnd/>
+                <a:tailEnd/>
+              </a14:hiddenLine>
+            </a:ext>
+            <a:ext uri="{AF507438-7753-43E0-B8FC-AC1667EBCBE1}">
+              <a14:hiddenEffects xmlns:a14="http://schemas.microsoft.com/office/drawing/2010/main">
+                <a:effectLst>
+                  <a:outerShdw dist="35921" dir="2700000" algn="ctr" rotWithShape="0">
+                    <a:schemeClr val="bg2"/>
+                  </a:outerShdw>
+                </a:effectLst>
+              </a14:hiddenEffects>
+            </a:ext>
+          </a:extLst>
+        </p:spPr>
+        <p:txBody>
+          <a:bodyPr vert="horz" wrap="none" lIns="0" tIns="0" rIns="0" bIns="0" numCol="1" anchor="ctr" anchorCtr="0" compatLnSpc="1">
+            <a:prstTxWarp prst="textNoShape">
+              <a:avLst/>
+            </a:prstTxWarp>
+            <a:spAutoFit/>
+          </a:bodyPr>
+          <a:lstStyle>
+            <a:lvl1pPr eaLnBrk="0" fontAlgn="base" hangingPunct="0">
+              <a:spcBef>
+                <a:spcPct val="0"/>
+              </a:spcBef>
+              <a:spcAft>
+                <a:spcPct val="0"/>
+              </a:spcAft>
+              <a:defRPr>
+                <a:solidFill>
+                  <a:schemeClr val="tx1"/>
+                </a:solidFill>
+                <a:latin typeface="Arial" panose="020B0604020202020204" pitchFamily="34" charset="0"/>
+              </a:defRPr>
+            </a:lvl1pPr>
+            <a:lvl2pPr eaLnBrk="0" fontAlgn="base" hangingPunct="0">
+              <a:spcBef>
+                <a:spcPct val="0"/>
+              </a:spcBef>
+              <a:spcAft>
+                <a:spcPct val="0"/>
+              </a:spcAft>
+              <a:defRPr>
+                <a:solidFill>
+                  <a:schemeClr val="tx1"/>
+                </a:solidFill>
+                <a:latin typeface="Arial" panose="020B0604020202020204" pitchFamily="34" charset="0"/>
+              </a:defRPr>
+            </a:lvl2pPr>
+            <a:lvl3pPr eaLnBrk="0" fontAlgn="base" hangingPunct="0">
+              <a:spcBef>
+                <a:spcPct val="0"/>
+              </a:spcBef>
+              <a:spcAft>
+                <a:spcPct val="0"/>
+              </a:spcAft>
+              <a:defRPr>
+                <a:solidFill>
+                  <a:schemeClr val="tx1"/>
+                </a:solidFill>
+                <a:latin typeface="Arial" panose="020B0604020202020204" pitchFamily="34" charset="0"/>
+              </a:defRPr>
+            </a:lvl3pPr>
+            <a:lvl4pPr eaLnBrk="0" fontAlgn="base" hangingPunct="0">
+              <a:spcBef>
+                <a:spcPct val="0"/>
+              </a:spcBef>
+              <a:spcAft>
+                <a:spcPct val="0"/>
+              </a:spcAft>
+              <a:defRPr>
+                <a:solidFill>
+                  <a:schemeClr val="tx1"/>
+                </a:solidFill>
+                <a:latin typeface="Arial" panose="020B0604020202020204" pitchFamily="34" charset="0"/>
+              </a:defRPr>
+            </a:lvl4pPr>
+            <a:lvl5pPr eaLnBrk="0" fontAlgn="base" hangingPunct="0">
+              <a:spcBef>
+                <a:spcPct val="0"/>
+              </a:spcBef>
+              <a:spcAft>
+                <a:spcPct val="0"/>
+              </a:spcAft>
+              <a:defRPr>
+                <a:solidFill>
+                  <a:schemeClr val="tx1"/>
+                </a:solidFill>
+                <a:latin typeface="Arial" panose="020B0604020202020204" pitchFamily="34" charset="0"/>
+              </a:defRPr>
+            </a:lvl5pPr>
+            <a:lvl6pPr eaLnBrk="0" fontAlgn="base" hangingPunct="0">
+              <a:spcBef>
+                <a:spcPct val="0"/>
+              </a:spcBef>
+              <a:spcAft>
+                <a:spcPct val="0"/>
+              </a:spcAft>
+              <a:defRPr>
+                <a:solidFill>
+                  <a:schemeClr val="tx1"/>
+                </a:solidFill>
+                <a:latin typeface="Arial" panose="020B0604020202020204" pitchFamily="34" charset="0"/>
+              </a:defRPr>
+            </a:lvl6pPr>
+            <a:lvl7pPr eaLnBrk="0" fontAlgn="base" hangingPunct="0">
+              <a:spcBef>
+                <a:spcPct val="0"/>
+              </a:spcBef>
+              <a:spcAft>
+                <a:spcPct val="0"/>
+              </a:spcAft>
+              <a:defRPr>
+                <a:solidFill>
+                  <a:schemeClr val="tx1"/>
+                </a:solidFill>
+                <a:latin typeface="Arial" panose="020B0604020202020204" pitchFamily="34" charset="0"/>
+              </a:defRPr>
+            </a:lvl7pPr>
+            <a:lvl8pPr eaLnBrk="0" fontAlgn="base" hangingPunct="0">
+              <a:spcBef>
+                <a:spcPct val="0"/>
+              </a:spcBef>
+              <a:spcAft>
+                <a:spcPct val="0"/>
+              </a:spcAft>
+              <a:defRPr>
+                <a:solidFill>
+                  <a:schemeClr val="tx1"/>
+                </a:solidFill>
+                <a:latin typeface="Arial" panose="020B0604020202020204" pitchFamily="34" charset="0"/>
+              </a:defRPr>
+            </a:lvl8pPr>
+            <a:lvl9pPr eaLnBrk="0" fontAlgn="base" hangingPunct="0">
+              <a:spcBef>
+                <a:spcPct val="0"/>
+              </a:spcBef>
+              <a:spcAft>
+                <a:spcPct val="0"/>
+              </a:spcAft>
+              <a:defRPr>
+                <a:solidFill>
+                  <a:schemeClr val="tx1"/>
+                </a:solidFill>
+                <a:latin typeface="Arial" panose="020B0604020202020204" pitchFamily="34" charset="0"/>
+              </a:defRPr>
+            </a:lvl9pPr>
+          </a:lstStyle>
+          <a:p>
+            <a:pPr marL="0" marR="0" lvl="0" indent="0" algn="r" defTabSz="914400" rtl="1" eaLnBrk="0" fontAlgn="base" latinLnBrk="0" hangingPunct="0">
+              <a:lnSpc>
+                <a:spcPct val="100000"/>
+              </a:lnSpc>
+              <a:spcBef>
+                <a:spcPct val="0"/>
+              </a:spcBef>
+              <a:spcAft>
+                <a:spcPct val="0"/>
+              </a:spcAft>
+              <a:buClrTx/>
+              <a:buSzTx/>
+              <a:buFontTx/>
+              <a:buNone/>
+              <a:tabLst/>
+            </a:pPr>
+            <a:r>
+              <a:rPr kumimoji="0" lang="fa-IR" altLang="fa-IR" sz="1100" b="0" i="0" u="none" strike="noStrike" cap="none" normalizeH="0" baseline="0" dirty="0" smtClean="0">
+                <a:ln>
+                  <a:noFill/>
+                </a:ln>
+                <a:solidFill>
+                  <a:srgbClr val="000000"/>
+                </a:solidFill>
+                <a:effectLst/>
+                <a:latin typeface="Consolas" panose="020B0609020204030204" pitchFamily="49" charset="0"/>
+              </a:rPr>
+              <a:t>a </a:t>
+            </a:r>
+            <a:r>
+              <a:rPr kumimoji="0" lang="fa-IR" altLang="fa-IR" sz="1100" b="1" i="0" u="none" strike="noStrike" cap="none" normalizeH="0" baseline="0" dirty="0" smtClean="0">
+                <a:ln>
+                  <a:noFill/>
+                </a:ln>
+                <a:solidFill>
+                  <a:srgbClr val="006699"/>
+                </a:solidFill>
+                <a:effectLst/>
+                <a:latin typeface="Consolas" panose="020B0609020204030204" pitchFamily="49" charset="0"/>
+              </a:rPr>
+              <a:t>=</a:t>
+            </a:r>
+            <a:r>
+              <a:rPr kumimoji="0" lang="fa-IR" altLang="fa-IR" sz="1500" b="0" i="0" u="none" strike="noStrike" cap="none" normalizeH="0" baseline="0" dirty="0" smtClean="0">
+                <a:ln>
+                  <a:noFill/>
+                </a:ln>
+                <a:solidFill>
+                  <a:srgbClr val="273239"/>
+                </a:solidFill>
+                <a:effectLst/>
+                <a:latin typeface="Consolas" panose="020B0609020204030204" pitchFamily="49" charset="0"/>
+              </a:rPr>
+              <a:t> </a:t>
+            </a:r>
+            <a:r>
+              <a:rPr kumimoji="0" lang="fa-IR" altLang="fa-IR" sz="1100" b="0" i="0" u="none" strike="noStrike" cap="none" normalizeH="0" baseline="0" dirty="0" smtClean="0">
+                <a:ln>
+                  <a:noFill/>
+                </a:ln>
+                <a:solidFill>
+                  <a:srgbClr val="009900"/>
+                </a:solidFill>
+                <a:effectLst/>
+                <a:latin typeface="Consolas" panose="020B0609020204030204" pitchFamily="49" charset="0"/>
+              </a:rPr>
+              <a:t>10</a:t>
+            </a:r>
+            <a:endParaRPr kumimoji="0" lang="fa-IR" altLang="fa-IR" sz="1500" b="0" i="0" u="none" strike="noStrike" cap="none" normalizeH="0" baseline="0" dirty="0" smtClean="0">
+              <a:ln>
+                <a:noFill/>
+              </a:ln>
+              <a:solidFill>
+                <a:schemeClr val="tx1"/>
+              </a:solidFill>
+              <a:effectLst/>
+            </a:endParaRPr>
+          </a:p>
+          <a:p>
+            <a:pPr marL="0" marR="0" lvl="0" indent="0" algn="r" defTabSz="914400" rtl="1" eaLnBrk="0" fontAlgn="base" latinLnBrk="0" hangingPunct="0">
+              <a:lnSpc>
+                <a:spcPct val="100000"/>
+              </a:lnSpc>
+              <a:spcBef>
+                <a:spcPct val="0"/>
+              </a:spcBef>
+              <a:spcAft>
+                <a:spcPct val="0"/>
+              </a:spcAft>
+              <a:buClrTx/>
+              <a:buSzTx/>
+              <a:buFontTx/>
+              <a:buNone/>
+              <a:tabLst/>
+            </a:pPr>
+            <a:r>
+              <a:rPr kumimoji="0" lang="fa-IR" altLang="fa-IR" sz="1100" b="0" i="0" u="none" strike="noStrike" cap="none" normalizeH="0" baseline="0" dirty="0" smtClean="0">
+                <a:ln>
+                  <a:noFill/>
+                </a:ln>
+                <a:solidFill>
+                  <a:srgbClr val="000000"/>
+                </a:solidFill>
+                <a:effectLst/>
+                <a:latin typeface="Consolas" panose="020B0609020204030204" pitchFamily="49" charset="0"/>
+              </a:rPr>
+              <a:t>b </a:t>
+            </a:r>
+            <a:r>
+              <a:rPr kumimoji="0" lang="fa-IR" altLang="fa-IR" sz="1100" b="1" i="0" u="none" strike="noStrike" cap="none" normalizeH="0" baseline="0" dirty="0" smtClean="0">
+                <a:ln>
+                  <a:noFill/>
+                </a:ln>
+                <a:solidFill>
+                  <a:srgbClr val="006699"/>
+                </a:solidFill>
+                <a:effectLst/>
+                <a:latin typeface="Consolas" panose="020B0609020204030204" pitchFamily="49" charset="0"/>
+              </a:rPr>
+              <a:t>=</a:t>
+            </a:r>
+            <a:r>
+              <a:rPr kumimoji="0" lang="fa-IR" altLang="fa-IR" sz="1500" b="0" i="0" u="none" strike="noStrike" cap="none" normalizeH="0" baseline="0" dirty="0" smtClean="0">
+                <a:ln>
+                  <a:noFill/>
+                </a:ln>
+                <a:solidFill>
+                  <a:srgbClr val="273239"/>
+                </a:solidFill>
+                <a:effectLst/>
+                <a:latin typeface="Consolas" panose="020B0609020204030204" pitchFamily="49" charset="0"/>
+              </a:rPr>
+              <a:t> </a:t>
+            </a:r>
+            <a:r>
+              <a:rPr kumimoji="0" lang="fa-IR" altLang="fa-IR" sz="1100" b="0" i="0" u="none" strike="noStrike" cap="none" normalizeH="0" baseline="0" dirty="0" smtClean="0">
+                <a:ln>
+                  <a:noFill/>
+                </a:ln>
+                <a:solidFill>
+                  <a:srgbClr val="009900"/>
+                </a:solidFill>
+                <a:effectLst/>
+                <a:latin typeface="Consolas" panose="020B0609020204030204" pitchFamily="49" charset="0"/>
+              </a:rPr>
+              <a:t>10</a:t>
+            </a:r>
+            <a:endParaRPr kumimoji="0" lang="fa-IR" altLang="fa-IR" sz="1500" b="0" i="0" u="none" strike="noStrike" cap="none" normalizeH="0" baseline="0" dirty="0" smtClean="0">
+              <a:ln>
+                <a:noFill/>
+              </a:ln>
+              <a:solidFill>
+                <a:schemeClr val="tx1"/>
+              </a:solidFill>
+              <a:effectLst/>
+            </a:endParaRPr>
+          </a:p>
+          <a:p>
+            <a:pPr marL="0" marR="0" lvl="0" indent="0" algn="r" defTabSz="914400" rtl="1" eaLnBrk="0" fontAlgn="base" latinLnBrk="0" hangingPunct="0">
+              <a:lnSpc>
+                <a:spcPct val="100000"/>
+              </a:lnSpc>
+              <a:spcBef>
+                <a:spcPct val="0"/>
+              </a:spcBef>
+              <a:spcAft>
+                <a:spcPct val="0"/>
+              </a:spcAft>
+              <a:buClrTx/>
+              <a:buSzTx/>
+              <a:buFontTx/>
+              <a:buNone/>
+              <a:tabLst/>
+            </a:pPr>
+            <a:r>
+              <a:rPr kumimoji="0" lang="fa-IR" altLang="fa-IR" sz="1100" b="0" i="0" u="none" strike="noStrike" cap="none" normalizeH="0" baseline="0" dirty="0" smtClean="0">
+                <a:ln>
+                  <a:noFill/>
+                </a:ln>
+                <a:solidFill>
+                  <a:srgbClr val="000000"/>
+                </a:solidFill>
+                <a:effectLst/>
+                <a:latin typeface="Consolas" panose="020B0609020204030204" pitchFamily="49" charset="0"/>
+              </a:rPr>
+              <a:t>c </a:t>
+            </a:r>
+            <a:r>
+              <a:rPr kumimoji="0" lang="fa-IR" altLang="fa-IR" sz="1100" b="1" i="0" u="none" strike="noStrike" cap="none" normalizeH="0" baseline="0" dirty="0" smtClean="0">
+                <a:ln>
+                  <a:noFill/>
+                </a:ln>
+                <a:solidFill>
+                  <a:srgbClr val="006699"/>
+                </a:solidFill>
+                <a:effectLst/>
+                <a:latin typeface="Consolas" panose="020B0609020204030204" pitchFamily="49" charset="0"/>
+              </a:rPr>
+              <a:t>=</a:t>
+            </a:r>
+            <a:r>
+              <a:rPr kumimoji="0" lang="fa-IR" altLang="fa-IR" sz="1500" b="0" i="0" u="none" strike="noStrike" cap="none" normalizeH="0" baseline="0" dirty="0" smtClean="0">
+                <a:ln>
+                  <a:noFill/>
+                </a:ln>
+                <a:solidFill>
+                  <a:srgbClr val="273239"/>
+                </a:solidFill>
+                <a:effectLst/>
+                <a:latin typeface="Consolas" panose="020B0609020204030204" pitchFamily="49" charset="0"/>
+              </a:rPr>
+              <a:t> </a:t>
+            </a:r>
+            <a:r>
+              <a:rPr kumimoji="0" lang="fa-IR" altLang="fa-IR" sz="1100" b="1" i="0" u="none" strike="noStrike" cap="none" normalizeH="0" baseline="0" dirty="0" smtClean="0">
+                <a:ln>
+                  <a:noFill/>
+                </a:ln>
+                <a:solidFill>
+                  <a:srgbClr val="006699"/>
+                </a:solidFill>
+                <a:effectLst/>
+                <a:latin typeface="Consolas" panose="020B0609020204030204" pitchFamily="49" charset="0"/>
+              </a:rPr>
+              <a:t>-</a:t>
+            </a:r>
+            <a:r>
+              <a:rPr kumimoji="0" lang="fa-IR" altLang="fa-IR" sz="1100" b="0" i="0" u="none" strike="noStrike" cap="none" normalizeH="0" baseline="0" dirty="0" smtClean="0">
+                <a:ln>
+                  <a:noFill/>
+                </a:ln>
+                <a:solidFill>
+                  <a:srgbClr val="009900"/>
+                </a:solidFill>
+                <a:effectLst/>
+                <a:latin typeface="Consolas" panose="020B0609020204030204" pitchFamily="49" charset="0"/>
+              </a:rPr>
+              <a:t>10</a:t>
+            </a:r>
+            <a:endParaRPr kumimoji="0" lang="fa-IR" altLang="fa-IR" sz="1800" b="0" i="0" u="none" strike="noStrike" cap="none" normalizeH="0" baseline="0" dirty="0" smtClean="0">
+              <a:ln>
+                <a:noFill/>
+              </a:ln>
+              <a:solidFill>
+                <a:schemeClr val="tx1"/>
+              </a:solidFill>
+              <a:effectLst/>
+              <a:latin typeface="Arial" panose="020B0604020202020204" pitchFamily="34" charset="0"/>
+            </a:endParaRPr>
+          </a:p>
+        </p:txBody>
+      </p:sp>
+      <p:sp>
+        <p:nvSpPr>
+          <p:cNvPr id="11" name="Rectangle 10"/>
+          <p:cNvSpPr/>
+          <p:nvPr/>
+        </p:nvSpPr>
+        <p:spPr>
+          <a:xfrm>
+            <a:off x="6696850" y="1977540"/>
+            <a:ext cx="3084164" cy="4247317"/>
+          </a:xfrm>
+          <a:prstGeom prst="rect">
+            <a:avLst/>
+          </a:prstGeom>
+        </p:spPr>
+        <p:txBody>
+          <a:bodyPr wrap="square">
+            <a:spAutoFit/>
+          </a:bodyPr>
+          <a:lstStyle/>
+          <a:p>
+            <a:r>
+              <a:rPr lang="en-US" dirty="0">
+                <a:latin typeface="Consolas" panose="020B0609020204030204" pitchFamily="49" charset="0"/>
+              </a:rPr>
+              <a:t>a  </a:t>
+            </a:r>
+            <a:r>
+              <a:rPr lang="en-US" dirty="0">
+                <a:solidFill>
+                  <a:srgbClr val="0000CD"/>
+                </a:solidFill>
+                <a:latin typeface="Consolas" panose="020B0609020204030204" pitchFamily="49" charset="0"/>
+              </a:rPr>
+              <a:t>=</a:t>
+            </a:r>
+            <a:r>
+              <a:rPr lang="en-US" dirty="0">
+                <a:latin typeface="Consolas" panose="020B0609020204030204" pitchFamily="49" charset="0"/>
+              </a:rPr>
+              <a:t> </a:t>
+            </a:r>
+            <a:r>
+              <a:rPr lang="en-US" dirty="0" smtClean="0">
+                <a:latin typeface="Consolas" panose="020B0609020204030204" pitchFamily="49" charset="0"/>
+              </a:rPr>
+              <a:t>10</a:t>
+            </a:r>
+          </a:p>
+          <a:p>
+            <a:r>
+              <a:rPr lang="en-US" dirty="0" smtClean="0">
+                <a:latin typeface="Consolas" panose="020B0609020204030204" pitchFamily="49" charset="0"/>
+              </a:rPr>
+              <a:t>b  </a:t>
+            </a:r>
+            <a:r>
+              <a:rPr lang="en-US" dirty="0" smtClean="0">
+                <a:solidFill>
+                  <a:srgbClr val="0000CD"/>
+                </a:solidFill>
+                <a:latin typeface="Consolas" panose="020B0609020204030204" pitchFamily="49" charset="0"/>
+              </a:rPr>
+              <a:t>=</a:t>
+            </a:r>
+            <a:r>
+              <a:rPr lang="en-US" dirty="0" smtClean="0">
+                <a:latin typeface="Consolas" panose="020B0609020204030204" pitchFamily="49" charset="0"/>
+              </a:rPr>
+              <a:t> 10</a:t>
+            </a:r>
+          </a:p>
+          <a:p>
+            <a:r>
+              <a:rPr lang="en-US" dirty="0" smtClean="0">
+                <a:latin typeface="Consolas" panose="020B0609020204030204" pitchFamily="49" charset="0"/>
+              </a:rPr>
+              <a:t>c  </a:t>
+            </a:r>
+            <a:r>
+              <a:rPr lang="en-US" dirty="0">
+                <a:solidFill>
+                  <a:srgbClr val="0000CD"/>
+                </a:solidFill>
+                <a:latin typeface="Consolas" panose="020B0609020204030204" pitchFamily="49" charset="0"/>
+              </a:rPr>
+              <a:t>=</a:t>
+            </a:r>
+            <a:r>
+              <a:rPr lang="en-US" dirty="0">
+                <a:latin typeface="Consolas" panose="020B0609020204030204" pitchFamily="49" charset="0"/>
+              </a:rPr>
+              <a:t>  -10</a:t>
+            </a:r>
+          </a:p>
+          <a:p>
+            <a:endParaRPr lang="en-US" dirty="0">
+              <a:latin typeface="Consolas" panose="020B0609020204030204" pitchFamily="49" charset="0"/>
+            </a:endParaRPr>
+          </a:p>
+          <a:p>
+            <a:r>
+              <a:rPr lang="en-US" dirty="0">
+                <a:latin typeface="Consolas" panose="020B0609020204030204" pitchFamily="49" charset="0"/>
+              </a:rPr>
+              <a:t>a </a:t>
+            </a:r>
+            <a:r>
+              <a:rPr lang="en-US" dirty="0">
+                <a:solidFill>
+                  <a:srgbClr val="0000CD"/>
+                </a:solidFill>
+                <a:latin typeface="Consolas" panose="020B0609020204030204" pitchFamily="49" charset="0"/>
+              </a:rPr>
+              <a:t>&gt;</a:t>
+            </a:r>
+            <a:r>
+              <a:rPr lang="en-US" dirty="0">
+                <a:latin typeface="Consolas" panose="020B0609020204030204" pitchFamily="49" charset="0"/>
+              </a:rPr>
+              <a:t> 0  </a:t>
+            </a:r>
+            <a:r>
+              <a:rPr lang="en-US" dirty="0">
+                <a:solidFill>
+                  <a:srgbClr val="0000CD"/>
+                </a:solidFill>
+                <a:latin typeface="Consolas" panose="020B0609020204030204" pitchFamily="49" charset="0"/>
+              </a:rPr>
+              <a:t>and</a:t>
+            </a:r>
+            <a:r>
+              <a:rPr lang="en-US" dirty="0">
+                <a:latin typeface="Consolas" panose="020B0609020204030204" pitchFamily="49" charset="0"/>
+              </a:rPr>
+              <a:t>  b </a:t>
+            </a:r>
+            <a:r>
+              <a:rPr lang="en-US" dirty="0">
+                <a:solidFill>
+                  <a:srgbClr val="0000CD"/>
+                </a:solidFill>
+                <a:latin typeface="Consolas" panose="020B0609020204030204" pitchFamily="49" charset="0"/>
+              </a:rPr>
+              <a:t>&gt;</a:t>
+            </a:r>
+            <a:r>
+              <a:rPr lang="en-US" dirty="0">
+                <a:latin typeface="Consolas" panose="020B0609020204030204" pitchFamily="49" charset="0"/>
+              </a:rPr>
+              <a:t> </a:t>
+            </a:r>
+            <a:r>
+              <a:rPr lang="en-US" dirty="0" smtClean="0">
+                <a:latin typeface="Consolas" panose="020B0609020204030204" pitchFamily="49" charset="0"/>
+              </a:rPr>
+              <a:t>0</a:t>
+            </a:r>
+          </a:p>
+          <a:p>
+            <a:endParaRPr lang="en-US" dirty="0" smtClean="0">
+              <a:latin typeface="Consolas" panose="020B0609020204030204" pitchFamily="49" charset="0"/>
+            </a:endParaRPr>
+          </a:p>
+          <a:p>
+            <a:r>
+              <a:rPr lang="en-US" dirty="0" smtClean="0">
+                <a:latin typeface="Consolas" panose="020B0609020204030204" pitchFamily="49" charset="0"/>
+              </a:rPr>
+              <a:t> True</a:t>
+            </a:r>
+            <a:endParaRPr lang="en-US" dirty="0">
+              <a:latin typeface="Consolas" panose="020B0609020204030204" pitchFamily="49" charset="0"/>
+            </a:endParaRPr>
+          </a:p>
+          <a:p>
+            <a:endParaRPr lang="en-US" dirty="0">
+              <a:latin typeface="Consolas" panose="020B0609020204030204" pitchFamily="49" charset="0"/>
+            </a:endParaRPr>
+          </a:p>
+          <a:p>
+            <a:r>
+              <a:rPr lang="en-US" dirty="0">
+                <a:latin typeface="Consolas" panose="020B0609020204030204" pitchFamily="49" charset="0"/>
+              </a:rPr>
+              <a:t>a </a:t>
+            </a:r>
+            <a:r>
+              <a:rPr lang="en-US" dirty="0">
+                <a:solidFill>
+                  <a:srgbClr val="0000CD"/>
+                </a:solidFill>
+                <a:latin typeface="Consolas" panose="020B0609020204030204" pitchFamily="49" charset="0"/>
+              </a:rPr>
+              <a:t>&gt;</a:t>
+            </a:r>
+            <a:r>
+              <a:rPr lang="en-US" dirty="0">
+                <a:latin typeface="Consolas" panose="020B0609020204030204" pitchFamily="49" charset="0"/>
+              </a:rPr>
+              <a:t> 0  </a:t>
+            </a:r>
+            <a:r>
+              <a:rPr lang="en-US" dirty="0">
+                <a:solidFill>
+                  <a:srgbClr val="0000CD"/>
+                </a:solidFill>
+                <a:latin typeface="Consolas" panose="020B0609020204030204" pitchFamily="49" charset="0"/>
+              </a:rPr>
+              <a:t>and</a:t>
+            </a:r>
+            <a:r>
+              <a:rPr lang="en-US" dirty="0">
+                <a:latin typeface="Consolas" panose="020B0609020204030204" pitchFamily="49" charset="0"/>
+              </a:rPr>
+              <a:t>  c </a:t>
+            </a:r>
+            <a:r>
+              <a:rPr lang="en-US" dirty="0">
+                <a:solidFill>
+                  <a:srgbClr val="0000CD"/>
+                </a:solidFill>
+                <a:latin typeface="Consolas" panose="020B0609020204030204" pitchFamily="49" charset="0"/>
+              </a:rPr>
+              <a:t>&gt;</a:t>
+            </a:r>
+            <a:r>
+              <a:rPr lang="en-US" dirty="0">
+                <a:latin typeface="Consolas" panose="020B0609020204030204" pitchFamily="49" charset="0"/>
+              </a:rPr>
+              <a:t> </a:t>
+            </a:r>
+            <a:r>
+              <a:rPr lang="en-US" dirty="0" smtClean="0">
+                <a:latin typeface="Consolas" panose="020B0609020204030204" pitchFamily="49" charset="0"/>
+              </a:rPr>
+              <a:t>0</a:t>
+            </a:r>
+          </a:p>
+          <a:p>
+            <a:endParaRPr lang="en-US" dirty="0">
+              <a:latin typeface="Consolas" panose="020B0609020204030204" pitchFamily="49" charset="0"/>
+            </a:endParaRPr>
+          </a:p>
+          <a:p>
+            <a:r>
+              <a:rPr lang="en-US" dirty="0" smtClean="0">
+                <a:latin typeface="Consolas" panose="020B0609020204030204" pitchFamily="49" charset="0"/>
+              </a:rPr>
+              <a:t> False</a:t>
+            </a:r>
+          </a:p>
+          <a:p>
+            <a:endParaRPr lang="en-US" dirty="0">
+              <a:latin typeface="Consolas" panose="020B0609020204030204" pitchFamily="49" charset="0"/>
+            </a:endParaRPr>
+          </a:p>
+          <a:p>
+            <a:r>
+              <a:rPr lang="en-US" dirty="0" smtClean="0">
+                <a:latin typeface="Consolas" panose="020B0609020204030204" pitchFamily="49" charset="0"/>
+              </a:rPr>
+              <a:t>a </a:t>
+            </a:r>
+            <a:r>
+              <a:rPr lang="en-US" dirty="0">
+                <a:solidFill>
+                  <a:srgbClr val="0000CD"/>
+                </a:solidFill>
+                <a:latin typeface="Consolas" panose="020B0609020204030204" pitchFamily="49" charset="0"/>
+              </a:rPr>
+              <a:t>&gt;</a:t>
+            </a:r>
+            <a:r>
+              <a:rPr lang="en-US" dirty="0">
+                <a:latin typeface="Consolas" panose="020B0609020204030204" pitchFamily="49" charset="0"/>
+              </a:rPr>
+              <a:t> 0  </a:t>
+            </a:r>
+            <a:r>
+              <a:rPr lang="en-US" dirty="0">
+                <a:solidFill>
+                  <a:srgbClr val="0000CD"/>
+                </a:solidFill>
+                <a:latin typeface="Consolas" panose="020B0609020204030204" pitchFamily="49" charset="0"/>
+              </a:rPr>
+              <a:t>or</a:t>
+            </a:r>
+            <a:r>
+              <a:rPr lang="en-US" dirty="0">
+                <a:latin typeface="Consolas" panose="020B0609020204030204" pitchFamily="49" charset="0"/>
+              </a:rPr>
+              <a:t>   c </a:t>
+            </a:r>
+            <a:r>
+              <a:rPr lang="en-US" dirty="0">
+                <a:solidFill>
+                  <a:srgbClr val="0000CD"/>
+                </a:solidFill>
+                <a:latin typeface="Consolas" panose="020B0609020204030204" pitchFamily="49" charset="0"/>
+              </a:rPr>
+              <a:t>&gt;</a:t>
+            </a:r>
+            <a:r>
+              <a:rPr lang="en-US" dirty="0">
+                <a:latin typeface="Consolas" panose="020B0609020204030204" pitchFamily="49" charset="0"/>
+              </a:rPr>
+              <a:t> </a:t>
+            </a:r>
+            <a:r>
+              <a:rPr lang="en-US" dirty="0" smtClean="0">
+                <a:latin typeface="Consolas" panose="020B0609020204030204" pitchFamily="49" charset="0"/>
+              </a:rPr>
+              <a:t>0</a:t>
+            </a:r>
+          </a:p>
+          <a:p>
+            <a:endParaRPr lang="en-US" dirty="0">
+              <a:latin typeface="Consolas" panose="020B0609020204030204" pitchFamily="49" charset="0"/>
+            </a:endParaRPr>
+          </a:p>
+          <a:p>
+            <a:r>
+              <a:rPr lang="en-US" dirty="0" smtClean="0">
+                <a:latin typeface="Consolas" panose="020B0609020204030204" pitchFamily="49" charset="0"/>
+              </a:rPr>
+              <a:t> </a:t>
+            </a:r>
+            <a:r>
+              <a:rPr lang="en-US" dirty="0">
+                <a:latin typeface="Consolas" panose="020B0609020204030204" pitchFamily="49" charset="0"/>
+              </a:rPr>
+              <a:t>True</a:t>
+            </a:r>
+            <a:endParaRPr lang="fa-IR" dirty="0">
+              <a:latin typeface="Consolas" panose="020B0609020204030204" pitchFamily="49" charset="0"/>
+            </a:endParaRPr>
+          </a:p>
+        </p:txBody>
+      </p:sp>
+      <p:grpSp>
+        <p:nvGrpSpPr>
+          <p:cNvPr id="12" name="Group 11"/>
+          <p:cNvGrpSpPr/>
+          <p:nvPr/>
+        </p:nvGrpSpPr>
+        <p:grpSpPr>
+          <a:xfrm>
+            <a:off x="9178761" y="3114303"/>
+            <a:ext cx="619933" cy="369332"/>
+            <a:chOff x="9082006" y="1449090"/>
+            <a:chExt cx="801848" cy="464949"/>
+          </a:xfrm>
+        </p:grpSpPr>
+        <p:sp>
+          <p:nvSpPr>
+            <p:cNvPr id="13" name="Rounded Rectangle 12"/>
+            <p:cNvSpPr/>
+            <p:nvPr/>
+          </p:nvSpPr>
+          <p:spPr>
+            <a:xfrm>
+              <a:off x="9082006" y="1449090"/>
+              <a:ext cx="790414" cy="464949"/>
+            </a:xfrm>
+            <a:prstGeom prst="roundRect">
+              <a:avLst/>
+            </a:prstGeom>
+          </p:spPr>
+          <p:style>
+            <a:lnRef idx="2">
+              <a:schemeClr val="accent6"/>
+            </a:lnRef>
+            <a:fillRef idx="1">
+              <a:schemeClr val="lt1"/>
+            </a:fillRef>
+            <a:effectRef idx="0">
+              <a:schemeClr val="accent6"/>
+            </a:effectRef>
+            <a:fontRef idx="minor">
+              <a:schemeClr val="dk1"/>
+            </a:fontRef>
+          </p:style>
+          <p:txBody>
+            <a:bodyPr rtlCol="1" anchor="ctr"/>
+            <a:lstStyle/>
+            <a:p>
+              <a:pPr algn="ctr"/>
+              <a:endParaRPr lang="fa-IR"/>
+            </a:p>
+          </p:txBody>
+        </p:sp>
+        <p:grpSp>
+          <p:nvGrpSpPr>
+            <p:cNvPr id="14" name="Group 13"/>
+            <p:cNvGrpSpPr/>
+            <p:nvPr/>
+          </p:nvGrpSpPr>
+          <p:grpSpPr>
+            <a:xfrm>
+              <a:off x="9143994" y="1537233"/>
+              <a:ext cx="739860" cy="348712"/>
+              <a:chOff x="9051009" y="1092904"/>
+              <a:chExt cx="770060" cy="348712"/>
+            </a:xfrm>
+          </p:grpSpPr>
+          <p:sp>
+            <p:nvSpPr>
+              <p:cNvPr id="15" name="Isosceles Triangle 14"/>
+              <p:cNvSpPr/>
+              <p:nvPr/>
+            </p:nvSpPr>
+            <p:spPr>
+              <a:xfrm rot="5400000">
+                <a:off x="9052324" y="1114563"/>
+                <a:ext cx="245344" cy="247974"/>
+              </a:xfrm>
+              <a:prstGeom prst="triangle">
+                <a:avLst/>
+              </a:prstGeom>
+            </p:spPr>
+            <p:style>
+              <a:lnRef idx="3">
+                <a:schemeClr val="lt1"/>
+              </a:lnRef>
+              <a:fillRef idx="1">
+                <a:schemeClr val="accent6"/>
+              </a:fillRef>
+              <a:effectRef idx="1">
+                <a:schemeClr val="accent6"/>
+              </a:effectRef>
+              <a:fontRef idx="minor">
+                <a:schemeClr val="lt1"/>
+              </a:fontRef>
+            </p:style>
+            <p:txBody>
+              <a:bodyPr rtlCol="1" anchor="ctr"/>
+              <a:lstStyle/>
+              <a:p>
+                <a:pPr algn="ctr"/>
+                <a:endParaRPr lang="fa-IR"/>
+              </a:p>
+            </p:txBody>
+          </p:sp>
+          <p:sp>
+            <p:nvSpPr>
+              <p:cNvPr id="16" name="TextBox 15"/>
+              <p:cNvSpPr txBox="1"/>
+              <p:nvPr/>
+            </p:nvSpPr>
+            <p:spPr>
+              <a:xfrm>
+                <a:off x="9216636" y="1092904"/>
+                <a:ext cx="604433" cy="348712"/>
+              </a:xfrm>
+              <a:prstGeom prst="rect">
+                <a:avLst/>
+              </a:prstGeom>
+              <a:noFill/>
+            </p:spPr>
+            <p:txBody>
+              <a:bodyPr wrap="square" rtlCol="1">
+                <a:spAutoFit/>
+              </a:bodyPr>
+              <a:lstStyle/>
+              <a:p>
+                <a:r>
+                  <a:rPr lang="en-US" sz="1200" dirty="0">
+                    <a:latin typeface="Consolas" panose="020B0609020204030204" pitchFamily="49" charset="0"/>
+                  </a:rPr>
+                  <a:t>Run</a:t>
+                </a:r>
+                <a:endParaRPr lang="fa-IR" dirty="0">
+                  <a:latin typeface="Consolas" panose="020B0609020204030204" pitchFamily="49" charset="0"/>
+                </a:endParaRPr>
+              </a:p>
+            </p:txBody>
+          </p:sp>
+        </p:grpSp>
+      </p:grpSp>
+      <p:grpSp>
+        <p:nvGrpSpPr>
+          <p:cNvPr id="17" name="Group 16"/>
+          <p:cNvGrpSpPr/>
+          <p:nvPr/>
+        </p:nvGrpSpPr>
+        <p:grpSpPr>
+          <a:xfrm>
+            <a:off x="9169921" y="4202489"/>
+            <a:ext cx="619933" cy="369332"/>
+            <a:chOff x="9082006" y="1449090"/>
+            <a:chExt cx="801848" cy="464949"/>
+          </a:xfrm>
+        </p:grpSpPr>
+        <p:sp>
+          <p:nvSpPr>
+            <p:cNvPr id="18" name="Rounded Rectangle 17"/>
+            <p:cNvSpPr/>
+            <p:nvPr/>
+          </p:nvSpPr>
+          <p:spPr>
+            <a:xfrm>
+              <a:off x="9082006" y="1449090"/>
+              <a:ext cx="790414" cy="464949"/>
+            </a:xfrm>
+            <a:prstGeom prst="roundRect">
+              <a:avLst/>
+            </a:prstGeom>
+          </p:spPr>
+          <p:style>
+            <a:lnRef idx="2">
+              <a:schemeClr val="accent6"/>
+            </a:lnRef>
+            <a:fillRef idx="1">
+              <a:schemeClr val="lt1"/>
+            </a:fillRef>
+            <a:effectRef idx="0">
+              <a:schemeClr val="accent6"/>
+            </a:effectRef>
+            <a:fontRef idx="minor">
+              <a:schemeClr val="dk1"/>
+            </a:fontRef>
+          </p:style>
+          <p:txBody>
+            <a:bodyPr rtlCol="1" anchor="ctr"/>
+            <a:lstStyle/>
+            <a:p>
+              <a:pPr algn="ctr"/>
+              <a:endParaRPr lang="fa-IR"/>
+            </a:p>
+          </p:txBody>
+        </p:sp>
+        <p:grpSp>
+          <p:nvGrpSpPr>
+            <p:cNvPr id="19" name="Group 18"/>
+            <p:cNvGrpSpPr/>
+            <p:nvPr/>
+          </p:nvGrpSpPr>
+          <p:grpSpPr>
+            <a:xfrm>
+              <a:off x="9143994" y="1537233"/>
+              <a:ext cx="739860" cy="348712"/>
+              <a:chOff x="9051009" y="1092904"/>
+              <a:chExt cx="770060" cy="348712"/>
+            </a:xfrm>
+          </p:grpSpPr>
+          <p:sp>
+            <p:nvSpPr>
+              <p:cNvPr id="20" name="Isosceles Triangle 19"/>
+              <p:cNvSpPr/>
+              <p:nvPr/>
+            </p:nvSpPr>
+            <p:spPr>
+              <a:xfrm rot="5400000">
+                <a:off x="9052324" y="1114563"/>
+                <a:ext cx="245344" cy="247974"/>
+              </a:xfrm>
+              <a:prstGeom prst="triangle">
+                <a:avLst/>
+              </a:prstGeom>
+            </p:spPr>
+            <p:style>
+              <a:lnRef idx="3">
+                <a:schemeClr val="lt1"/>
+              </a:lnRef>
+              <a:fillRef idx="1">
+                <a:schemeClr val="accent6"/>
+              </a:fillRef>
+              <a:effectRef idx="1">
+                <a:schemeClr val="accent6"/>
+              </a:effectRef>
+              <a:fontRef idx="minor">
+                <a:schemeClr val="lt1"/>
+              </a:fontRef>
+            </p:style>
+            <p:txBody>
+              <a:bodyPr rtlCol="1" anchor="ctr"/>
+              <a:lstStyle/>
+              <a:p>
+                <a:pPr algn="ctr"/>
+                <a:endParaRPr lang="fa-IR"/>
+              </a:p>
+            </p:txBody>
+          </p:sp>
+          <p:sp>
+            <p:nvSpPr>
+              <p:cNvPr id="21" name="TextBox 20"/>
+              <p:cNvSpPr txBox="1"/>
+              <p:nvPr/>
+            </p:nvSpPr>
+            <p:spPr>
+              <a:xfrm>
+                <a:off x="9216636" y="1092904"/>
+                <a:ext cx="604433" cy="348712"/>
+              </a:xfrm>
+              <a:prstGeom prst="rect">
+                <a:avLst/>
+              </a:prstGeom>
+              <a:noFill/>
+            </p:spPr>
+            <p:txBody>
+              <a:bodyPr wrap="square" rtlCol="1">
+                <a:spAutoFit/>
+              </a:bodyPr>
+              <a:lstStyle/>
+              <a:p>
+                <a:r>
+                  <a:rPr lang="en-US" sz="1200" dirty="0">
+                    <a:latin typeface="Consolas" panose="020B0609020204030204" pitchFamily="49" charset="0"/>
+                  </a:rPr>
+                  <a:t>Run</a:t>
+                </a:r>
+                <a:endParaRPr lang="fa-IR" dirty="0">
+                  <a:latin typeface="Consolas" panose="020B0609020204030204" pitchFamily="49" charset="0"/>
+                </a:endParaRPr>
+              </a:p>
+            </p:txBody>
+          </p:sp>
+        </p:grpSp>
+      </p:grpSp>
+      <p:grpSp>
+        <p:nvGrpSpPr>
+          <p:cNvPr id="22" name="Group 21"/>
+          <p:cNvGrpSpPr/>
+          <p:nvPr/>
+        </p:nvGrpSpPr>
+        <p:grpSpPr>
+          <a:xfrm>
+            <a:off x="9189129" y="5255461"/>
+            <a:ext cx="619933" cy="369332"/>
+            <a:chOff x="9082006" y="1449090"/>
+            <a:chExt cx="801848" cy="464949"/>
+          </a:xfrm>
+        </p:grpSpPr>
+        <p:sp>
+          <p:nvSpPr>
+            <p:cNvPr id="23" name="Rounded Rectangle 22"/>
+            <p:cNvSpPr/>
+            <p:nvPr/>
+          </p:nvSpPr>
+          <p:spPr>
+            <a:xfrm>
+              <a:off x="9082006" y="1449090"/>
+              <a:ext cx="790414" cy="464949"/>
+            </a:xfrm>
+            <a:prstGeom prst="roundRect">
+              <a:avLst/>
+            </a:prstGeom>
+          </p:spPr>
+          <p:style>
+            <a:lnRef idx="2">
+              <a:schemeClr val="accent6"/>
+            </a:lnRef>
+            <a:fillRef idx="1">
+              <a:schemeClr val="lt1"/>
+            </a:fillRef>
+            <a:effectRef idx="0">
+              <a:schemeClr val="accent6"/>
+            </a:effectRef>
+            <a:fontRef idx="minor">
+              <a:schemeClr val="dk1"/>
+            </a:fontRef>
+          </p:style>
+          <p:txBody>
+            <a:bodyPr rtlCol="1" anchor="ctr"/>
+            <a:lstStyle/>
+            <a:p>
+              <a:pPr algn="ctr"/>
+              <a:endParaRPr lang="fa-IR"/>
+            </a:p>
+          </p:txBody>
+        </p:sp>
+        <p:grpSp>
+          <p:nvGrpSpPr>
+            <p:cNvPr id="24" name="Group 23"/>
+            <p:cNvGrpSpPr/>
+            <p:nvPr/>
+          </p:nvGrpSpPr>
+          <p:grpSpPr>
+            <a:xfrm>
+              <a:off x="9143994" y="1537233"/>
+              <a:ext cx="739860" cy="348712"/>
+              <a:chOff x="9051009" y="1092904"/>
+              <a:chExt cx="770060" cy="348712"/>
+            </a:xfrm>
+          </p:grpSpPr>
+          <p:sp>
+            <p:nvSpPr>
+              <p:cNvPr id="25" name="Isosceles Triangle 24"/>
+              <p:cNvSpPr/>
+              <p:nvPr/>
+            </p:nvSpPr>
+            <p:spPr>
+              <a:xfrm rot="5400000">
+                <a:off x="9052324" y="1114563"/>
+                <a:ext cx="245344" cy="247974"/>
+              </a:xfrm>
+              <a:prstGeom prst="triangle">
+                <a:avLst/>
+              </a:prstGeom>
+            </p:spPr>
+            <p:style>
+              <a:lnRef idx="3">
+                <a:schemeClr val="lt1"/>
+              </a:lnRef>
+              <a:fillRef idx="1">
+                <a:schemeClr val="accent6"/>
+              </a:fillRef>
+              <a:effectRef idx="1">
+                <a:schemeClr val="accent6"/>
+              </a:effectRef>
+              <a:fontRef idx="minor">
+                <a:schemeClr val="lt1"/>
+              </a:fontRef>
+            </p:style>
+            <p:txBody>
+              <a:bodyPr rtlCol="1" anchor="ctr"/>
+              <a:lstStyle/>
+              <a:p>
+                <a:pPr algn="ctr"/>
+                <a:endParaRPr lang="fa-IR"/>
+              </a:p>
+            </p:txBody>
+          </p:sp>
+          <p:sp>
+            <p:nvSpPr>
+              <p:cNvPr id="26" name="TextBox 25"/>
+              <p:cNvSpPr txBox="1"/>
+              <p:nvPr/>
+            </p:nvSpPr>
+            <p:spPr>
+              <a:xfrm>
+                <a:off x="9216636" y="1092904"/>
+                <a:ext cx="604433" cy="348712"/>
+              </a:xfrm>
+              <a:prstGeom prst="rect">
+                <a:avLst/>
+              </a:prstGeom>
+              <a:noFill/>
+            </p:spPr>
+            <p:txBody>
+              <a:bodyPr wrap="square" rtlCol="1">
+                <a:spAutoFit/>
+              </a:bodyPr>
+              <a:lstStyle/>
+              <a:p>
+                <a:r>
+                  <a:rPr lang="en-US" sz="1200" dirty="0">
+                    <a:latin typeface="Consolas" panose="020B0609020204030204" pitchFamily="49" charset="0"/>
+                  </a:rPr>
+                  <a:t>Run</a:t>
+                </a:r>
+                <a:endParaRPr lang="fa-IR" dirty="0">
+                  <a:latin typeface="Consolas" panose="020B0609020204030204" pitchFamily="49" charset="0"/>
+                </a:endParaRPr>
+              </a:p>
+            </p:txBody>
+          </p:sp>
+        </p:grpSp>
+      </p:grpSp>
+    </p:spTree>
+    <p:extLst>
+      <p:ext uri="{BB962C8B-B14F-4D97-AF65-F5344CB8AC3E}">
+        <p14:creationId xmlns:p14="http://schemas.microsoft.com/office/powerpoint/2010/main" val="1172040630"/>
+      </p:ext>
+    </p:extLst>
+  </p:cSld>
+  <p:clrMapOvr>
+    <a:masterClrMapping/>
+  </p:clrMapOvr>
+  <p:timing>
+    <p:tnLst>
+      <p:par>
+        <p:cTn id="1" dur="indefinite" restart="never" nodeType="tmRoot"/>
+      </p:par>
+    </p:tnLst>
+  </p:timing>
+</p:sld>
+</file>
+
+<file path=ppt/slides/slide14.xml><?xml version="1.0" encoding="utf-8"?>
+<p:sld xmlns:a="http://schemas.openxmlformats.org/drawingml/2006/main" xmlns:r="http://schemas.openxmlformats.org/officeDocument/2006/relationships" xmlns:p="http://schemas.openxmlformats.org/presentationml/2006/main">
+  <p:cSld>
+    <p:spTree>
+      <p:nvGrpSpPr>
+        <p:cNvPr id="1" name=""/>
+        <p:cNvGrpSpPr/>
+        <p:nvPr/>
+      </p:nvGrpSpPr>
+      <p:grpSpPr>
+        <a:xfrm>
+          <a:off x="0" y="0"/>
+          <a:ext cx="0" cy="0"/>
+          <a:chOff x="0" y="0"/>
+          <a:chExt cx="0" cy="0"/>
+        </a:xfrm>
+      </p:grpSpPr>
+      <p:sp>
+        <p:nvSpPr>
+          <p:cNvPr id="2" name="TextBox 1"/>
+          <p:cNvSpPr txBox="1"/>
+          <p:nvPr/>
+        </p:nvSpPr>
+        <p:spPr>
+          <a:xfrm>
+            <a:off x="557941" y="1053884"/>
+            <a:ext cx="4029557" cy="6001643"/>
+          </a:xfrm>
+          <a:prstGeom prst="rect">
+            <a:avLst/>
+          </a:prstGeom>
+          <a:noFill/>
+        </p:spPr>
+        <p:txBody>
+          <a:bodyPr wrap="square" rtlCol="1">
+            <a:spAutoFit/>
+          </a:bodyPr>
+          <a:lstStyle/>
+          <a:p>
+            <a:pPr marL="342900" indent="-342900">
+              <a:buFont typeface="Wingdings" panose="05000000000000000000" pitchFamily="2" charset="2"/>
+              <a:buChar char="q"/>
+            </a:pPr>
+            <a:r>
+              <a:rPr lang="en-US" sz="2400" dirty="0" smtClean="0">
+                <a:latin typeface="Bahnschrift" panose="020B0502040204020203" pitchFamily="34" charset="0"/>
+              </a:rPr>
+              <a:t>Start</a:t>
+            </a:r>
+          </a:p>
+          <a:p>
+            <a:pPr marL="342900" indent="-342900">
+              <a:buFont typeface="Wingdings" panose="05000000000000000000" pitchFamily="2" charset="2"/>
+              <a:buChar char="q"/>
+            </a:pPr>
+            <a:r>
+              <a:rPr lang="en-US" sz="2400" dirty="0" smtClean="0">
+                <a:solidFill>
+                  <a:schemeClr val="bg1">
+                    <a:lumMod val="75000"/>
+                  </a:schemeClr>
+                </a:solidFill>
+                <a:latin typeface="Bahnschrift" panose="020B0502040204020203" pitchFamily="34" charset="0"/>
+              </a:rPr>
+              <a:t>Comparison operators</a:t>
+            </a:r>
+          </a:p>
+          <a:p>
+            <a:pPr marL="342900" indent="-342900">
+              <a:buFont typeface="Wingdings" panose="05000000000000000000" pitchFamily="2" charset="2"/>
+              <a:buChar char="q"/>
+            </a:pPr>
+            <a:r>
+              <a:rPr lang="en-US" sz="2400" dirty="0" smtClean="0">
+                <a:solidFill>
+                  <a:schemeClr val="bg1">
+                    <a:lumMod val="75000"/>
+                  </a:schemeClr>
+                </a:solidFill>
+                <a:latin typeface="Bahnschrift" panose="020B0502040204020203" pitchFamily="34" charset="0"/>
+              </a:rPr>
+              <a:t>Logical operators</a:t>
+            </a:r>
+          </a:p>
+          <a:p>
+            <a:pPr marL="342900" indent="-342900">
+              <a:buFont typeface="Wingdings" panose="05000000000000000000" pitchFamily="2" charset="2"/>
+              <a:buChar char="q"/>
+            </a:pPr>
+            <a:r>
+              <a:rPr lang="en-US" sz="2400" dirty="0" smtClean="0">
+                <a:solidFill>
+                  <a:schemeClr val="bg1">
+                    <a:lumMod val="75000"/>
+                  </a:schemeClr>
+                </a:solidFill>
+                <a:latin typeface="Bahnschrift" panose="020B0502040204020203" pitchFamily="34" charset="0"/>
+              </a:rPr>
+              <a:t>Identity operators</a:t>
+            </a:r>
+          </a:p>
+          <a:p>
+            <a:pPr marL="342900" indent="-342900">
+              <a:buFont typeface="Wingdings" panose="05000000000000000000" pitchFamily="2" charset="2"/>
+              <a:buChar char="q"/>
+            </a:pPr>
+            <a:r>
+              <a:rPr lang="en-US" sz="2400" dirty="0" smtClean="0">
+                <a:solidFill>
+                  <a:schemeClr val="bg1">
+                    <a:lumMod val="75000"/>
+                  </a:schemeClr>
+                </a:solidFill>
+                <a:latin typeface="Bahnschrift" panose="020B0502040204020203" pitchFamily="34" charset="0"/>
+              </a:rPr>
+              <a:t>Membership operator</a:t>
+            </a:r>
+          </a:p>
+          <a:p>
+            <a:pPr marL="342900" indent="-342900">
+              <a:buFont typeface="Wingdings" panose="05000000000000000000" pitchFamily="2" charset="2"/>
+              <a:buChar char="q"/>
+            </a:pPr>
+            <a:r>
+              <a:rPr lang="en-US" sz="2400" dirty="0" smtClean="0">
+                <a:solidFill>
+                  <a:schemeClr val="bg1">
+                    <a:lumMod val="75000"/>
+                  </a:schemeClr>
+                </a:solidFill>
+                <a:latin typeface="Bahnschrift" panose="020B0502040204020203" pitchFamily="34" charset="0"/>
+              </a:rPr>
+              <a:t>Condition</a:t>
+            </a:r>
+          </a:p>
+          <a:p>
+            <a:pPr marL="342900" indent="-342900">
+              <a:buFont typeface="Wingdings" panose="05000000000000000000" pitchFamily="2" charset="2"/>
+              <a:buChar char="q"/>
+            </a:pPr>
+            <a:r>
+              <a:rPr lang="en-US" sz="2400" dirty="0" smtClean="0">
+                <a:solidFill>
+                  <a:schemeClr val="bg1">
+                    <a:lumMod val="75000"/>
+                  </a:schemeClr>
+                </a:solidFill>
+                <a:latin typeface="Bahnschrift" panose="020B0502040204020203" pitchFamily="34" charset="0"/>
+              </a:rPr>
+              <a:t>Loop</a:t>
+            </a:r>
+          </a:p>
+          <a:p>
+            <a:pPr marL="342900" indent="-342900">
+              <a:buFont typeface="Wingdings" panose="05000000000000000000" pitchFamily="2" charset="2"/>
+              <a:buChar char="q"/>
+            </a:pPr>
+            <a:r>
+              <a:rPr lang="en-US" sz="2400" dirty="0" smtClean="0">
+                <a:solidFill>
+                  <a:schemeClr val="bg1">
+                    <a:lumMod val="75000"/>
+                  </a:schemeClr>
+                </a:solidFill>
+                <a:latin typeface="Bahnschrift" panose="020B0502040204020203" pitchFamily="34" charset="0"/>
+              </a:rPr>
+              <a:t>Function </a:t>
+            </a:r>
+          </a:p>
+          <a:p>
+            <a:pPr marL="342900" indent="-342900">
+              <a:buFont typeface="Wingdings" panose="05000000000000000000" pitchFamily="2" charset="2"/>
+              <a:buChar char="q"/>
+            </a:pPr>
+            <a:r>
+              <a:rPr lang="en-US" sz="2400" dirty="0" smtClean="0">
+                <a:solidFill>
+                  <a:schemeClr val="bg1">
+                    <a:lumMod val="75000"/>
+                  </a:schemeClr>
+                </a:solidFill>
+                <a:latin typeface="Bahnschrift" panose="020B0502040204020203" pitchFamily="34" charset="0"/>
+              </a:rPr>
+              <a:t>Modules</a:t>
+            </a:r>
+          </a:p>
+          <a:p>
+            <a:pPr marL="342900" indent="-342900">
+              <a:buFont typeface="Wingdings" panose="05000000000000000000" pitchFamily="2" charset="2"/>
+              <a:buChar char="q"/>
+            </a:pPr>
+            <a:r>
+              <a:rPr lang="en-US" sz="2400" dirty="0" smtClean="0">
+                <a:solidFill>
+                  <a:schemeClr val="bg1">
+                    <a:lumMod val="75000"/>
+                  </a:schemeClr>
+                </a:solidFill>
+                <a:latin typeface="Bahnschrift" panose="020B0502040204020203" pitchFamily="34" charset="0"/>
+              </a:rPr>
+              <a:t>Method</a:t>
+            </a:r>
+          </a:p>
+          <a:p>
+            <a:pPr marL="342900" indent="-342900">
+              <a:buFont typeface="Wingdings" panose="05000000000000000000" pitchFamily="2" charset="2"/>
+              <a:buChar char="q"/>
+            </a:pPr>
+            <a:r>
+              <a:rPr lang="en-US" sz="2400" dirty="0" smtClean="0">
+                <a:solidFill>
+                  <a:schemeClr val="bg1">
+                    <a:lumMod val="75000"/>
+                  </a:schemeClr>
+                </a:solidFill>
+                <a:latin typeface="Bahnschrift" panose="020B0502040204020203" pitchFamily="34" charset="0"/>
+              </a:rPr>
+              <a:t>List slice </a:t>
+            </a:r>
+          </a:p>
+          <a:p>
+            <a:pPr marL="342900" indent="-342900">
+              <a:buFont typeface="Wingdings" panose="05000000000000000000" pitchFamily="2" charset="2"/>
+              <a:buChar char="q"/>
+            </a:pPr>
+            <a:r>
+              <a:rPr lang="en-US" sz="2400" dirty="0" smtClean="0">
+                <a:solidFill>
+                  <a:schemeClr val="bg1">
+                    <a:lumMod val="75000"/>
+                  </a:schemeClr>
+                </a:solidFill>
+                <a:latin typeface="Bahnschrift" panose="020B0502040204020203" pitchFamily="34" charset="0"/>
+              </a:rPr>
+              <a:t>String</a:t>
+            </a:r>
+          </a:p>
+          <a:p>
+            <a:pPr marL="342900" indent="-342900">
+              <a:buFont typeface="Wingdings" panose="05000000000000000000" pitchFamily="2" charset="2"/>
+              <a:buChar char="q"/>
+            </a:pPr>
+            <a:r>
+              <a:rPr lang="en-US" sz="2400" dirty="0" smtClean="0">
+                <a:solidFill>
+                  <a:schemeClr val="bg1">
+                    <a:lumMod val="75000"/>
+                  </a:schemeClr>
+                </a:solidFill>
+                <a:latin typeface="Bahnschrift" panose="020B0502040204020203" pitchFamily="34" charset="0"/>
+              </a:rPr>
+              <a:t>Encoding</a:t>
+            </a:r>
+          </a:p>
+          <a:p>
+            <a:pPr marL="342900" indent="-342900">
+              <a:buFont typeface="Wingdings" panose="05000000000000000000" pitchFamily="2" charset="2"/>
+              <a:buChar char="q"/>
+            </a:pPr>
+            <a:r>
+              <a:rPr lang="en-US" sz="2400" dirty="0" smtClean="0">
+                <a:solidFill>
+                  <a:schemeClr val="bg1">
+                    <a:lumMod val="75000"/>
+                  </a:schemeClr>
+                </a:solidFill>
+                <a:latin typeface="Bahnschrift" panose="020B0502040204020203" pitchFamily="34" charset="0"/>
+              </a:rPr>
+              <a:t>String Method</a:t>
+            </a:r>
+          </a:p>
+          <a:p>
+            <a:pPr marL="342900" indent="-342900">
+              <a:buFont typeface="Wingdings" panose="05000000000000000000" pitchFamily="2" charset="2"/>
+              <a:buChar char="q"/>
+            </a:pPr>
+            <a:endParaRPr lang="en-US" sz="2400" dirty="0" smtClean="0">
+              <a:latin typeface="Bahnschrift" panose="020B0502040204020203" pitchFamily="34" charset="0"/>
+            </a:endParaRPr>
+          </a:p>
+          <a:p>
+            <a:pPr marL="342900" indent="-342900">
+              <a:buFont typeface="Wingdings" panose="05000000000000000000" pitchFamily="2" charset="2"/>
+              <a:buChar char="q"/>
+            </a:pPr>
+            <a:endParaRPr lang="fa-IR" sz="2400" dirty="0">
+              <a:latin typeface="Bahnschrift" panose="020B0502040204020203" pitchFamily="34" charset="0"/>
+            </a:endParaRPr>
+          </a:p>
+        </p:txBody>
+      </p:sp>
+      <p:sp>
+        <p:nvSpPr>
+          <p:cNvPr id="3" name="Rectangle 2"/>
+          <p:cNvSpPr/>
+          <p:nvPr/>
+        </p:nvSpPr>
+        <p:spPr>
+          <a:xfrm>
+            <a:off x="294469" y="406240"/>
+            <a:ext cx="2494594" cy="461665"/>
+          </a:xfrm>
+          <a:prstGeom prst="rect">
+            <a:avLst/>
+          </a:prstGeom>
+        </p:spPr>
+        <p:txBody>
+          <a:bodyPr wrap="none">
+            <a:spAutoFit/>
+          </a:bodyPr>
+          <a:lstStyle/>
+          <a:p>
+            <a:r>
+              <a:rPr lang="fa-IR" sz="2400" dirty="0">
+                <a:latin typeface="Bahnschrift" panose="020B0502040204020203" pitchFamily="34" charset="0"/>
+              </a:rPr>
+              <a:t>Coding in Python</a:t>
+            </a:r>
+          </a:p>
+        </p:txBody>
+      </p:sp>
+    </p:spTree>
+    <p:extLst>
+      <p:ext uri="{BB962C8B-B14F-4D97-AF65-F5344CB8AC3E}">
+        <p14:creationId xmlns:p14="http://schemas.microsoft.com/office/powerpoint/2010/main" val="3905289012"/>
+      </p:ext>
+    </p:extLst>
+  </p:cSld>
+  <p:clrMapOvr>
+    <a:masterClrMapping/>
+  </p:clrMapOvr>
+  <p:timing>
+    <p:tnLst>
+      <p:par>
+        <p:cTn id="1" dur="indefinite" restart="never" nodeType="tmRoot"/>
+      </p:par>
+    </p:tnLst>
+  </p:timing>
+</p:sld>
+</file>
+
+<file path=ppt/slides/slide15.xml><?xml version="1.0" encoding="utf-8"?>
+<p:sld xmlns:a="http://schemas.openxmlformats.org/drawingml/2006/main" xmlns:r="http://schemas.openxmlformats.org/officeDocument/2006/relationships" xmlns:p="http://schemas.openxmlformats.org/presentationml/2006/main">
+  <p:cSld>
+    <p:spTree>
+      <p:nvGrpSpPr>
+        <p:cNvPr id="1" name=""/>
+        <p:cNvGrpSpPr/>
+        <p:nvPr/>
+      </p:nvGrpSpPr>
+      <p:grpSpPr>
+        <a:xfrm>
+          <a:off x="0" y="0"/>
+          <a:ext cx="0" cy="0"/>
+          <a:chOff x="0" y="0"/>
+          <a:chExt cx="0" cy="0"/>
+        </a:xfrm>
+      </p:grpSpPr>
+      <p:sp>
+        <p:nvSpPr>
+          <p:cNvPr id="2" name="TextBox 1"/>
+          <p:cNvSpPr txBox="1"/>
+          <p:nvPr/>
+        </p:nvSpPr>
+        <p:spPr>
+          <a:xfrm>
+            <a:off x="557941" y="1053884"/>
+            <a:ext cx="4029557" cy="6001643"/>
+          </a:xfrm>
+          <a:prstGeom prst="rect">
+            <a:avLst/>
+          </a:prstGeom>
+          <a:noFill/>
+        </p:spPr>
+        <p:txBody>
+          <a:bodyPr wrap="square" rtlCol="1">
+            <a:spAutoFit/>
+          </a:bodyPr>
+          <a:lstStyle/>
+          <a:p>
+            <a:pPr marL="342900" indent="-342900">
+              <a:buFont typeface="Wingdings" panose="05000000000000000000" pitchFamily="2" charset="2"/>
+              <a:buChar char="q"/>
+            </a:pPr>
+            <a:r>
+              <a:rPr lang="en-US" sz="2400" dirty="0" smtClean="0">
+                <a:latin typeface="Bahnschrift" panose="020B0502040204020203" pitchFamily="34" charset="0"/>
+              </a:rPr>
+              <a:t>Start</a:t>
+            </a:r>
+          </a:p>
+          <a:p>
+            <a:pPr marL="342900" indent="-342900">
+              <a:buFont typeface="Wingdings" panose="05000000000000000000" pitchFamily="2" charset="2"/>
+              <a:buChar char="q"/>
+            </a:pPr>
+            <a:r>
+              <a:rPr lang="en-US" sz="2400" dirty="0" smtClean="0">
+                <a:solidFill>
+                  <a:schemeClr val="bg1">
+                    <a:lumMod val="75000"/>
+                  </a:schemeClr>
+                </a:solidFill>
+                <a:latin typeface="Bahnschrift" panose="020B0502040204020203" pitchFamily="34" charset="0"/>
+              </a:rPr>
+              <a:t>Comparison operators</a:t>
+            </a:r>
+          </a:p>
+          <a:p>
+            <a:pPr marL="342900" indent="-342900">
+              <a:buFont typeface="Wingdings" panose="05000000000000000000" pitchFamily="2" charset="2"/>
+              <a:buChar char="q"/>
+            </a:pPr>
+            <a:r>
+              <a:rPr lang="en-US" sz="2400" dirty="0" smtClean="0">
+                <a:solidFill>
+                  <a:schemeClr val="bg1">
+                    <a:lumMod val="75000"/>
+                  </a:schemeClr>
+                </a:solidFill>
+                <a:latin typeface="Bahnschrift" panose="020B0502040204020203" pitchFamily="34" charset="0"/>
+              </a:rPr>
+              <a:t>Logical operators</a:t>
+            </a:r>
+          </a:p>
+          <a:p>
+            <a:pPr marL="342900" indent="-342900">
+              <a:buFont typeface="Wingdings" panose="05000000000000000000" pitchFamily="2" charset="2"/>
+              <a:buChar char="q"/>
+            </a:pPr>
+            <a:r>
+              <a:rPr lang="en-US" sz="2400" dirty="0" smtClean="0">
+                <a:solidFill>
+                  <a:schemeClr val="bg1">
+                    <a:lumMod val="75000"/>
+                  </a:schemeClr>
+                </a:solidFill>
+                <a:latin typeface="Bahnschrift" panose="020B0502040204020203" pitchFamily="34" charset="0"/>
+              </a:rPr>
+              <a:t>Identity operators</a:t>
+            </a:r>
+          </a:p>
+          <a:p>
+            <a:pPr marL="342900" indent="-342900">
+              <a:buFont typeface="Wingdings" panose="05000000000000000000" pitchFamily="2" charset="2"/>
+              <a:buChar char="q"/>
+            </a:pPr>
+            <a:r>
+              <a:rPr lang="en-US" sz="2400" dirty="0" smtClean="0">
+                <a:solidFill>
+                  <a:schemeClr val="bg1">
+                    <a:lumMod val="75000"/>
+                  </a:schemeClr>
+                </a:solidFill>
+                <a:latin typeface="Bahnschrift" panose="020B0502040204020203" pitchFamily="34" charset="0"/>
+              </a:rPr>
+              <a:t>Membership operator</a:t>
+            </a:r>
+          </a:p>
+          <a:p>
+            <a:pPr marL="342900" indent="-342900">
+              <a:buFont typeface="Wingdings" panose="05000000000000000000" pitchFamily="2" charset="2"/>
+              <a:buChar char="q"/>
+            </a:pPr>
+            <a:r>
+              <a:rPr lang="en-US" sz="2400" dirty="0" smtClean="0">
+                <a:solidFill>
+                  <a:schemeClr val="bg1">
+                    <a:lumMod val="75000"/>
+                  </a:schemeClr>
+                </a:solidFill>
+                <a:latin typeface="Bahnschrift" panose="020B0502040204020203" pitchFamily="34" charset="0"/>
+              </a:rPr>
+              <a:t>Condition</a:t>
+            </a:r>
+          </a:p>
+          <a:p>
+            <a:pPr marL="342900" indent="-342900">
+              <a:buFont typeface="Wingdings" panose="05000000000000000000" pitchFamily="2" charset="2"/>
+              <a:buChar char="q"/>
+            </a:pPr>
+            <a:r>
+              <a:rPr lang="en-US" sz="2400" dirty="0" smtClean="0">
+                <a:solidFill>
+                  <a:schemeClr val="bg1">
+                    <a:lumMod val="75000"/>
+                  </a:schemeClr>
+                </a:solidFill>
+                <a:latin typeface="Bahnschrift" panose="020B0502040204020203" pitchFamily="34" charset="0"/>
+              </a:rPr>
+              <a:t>Loop</a:t>
+            </a:r>
+          </a:p>
+          <a:p>
+            <a:pPr marL="342900" indent="-342900">
+              <a:buFont typeface="Wingdings" panose="05000000000000000000" pitchFamily="2" charset="2"/>
+              <a:buChar char="q"/>
+            </a:pPr>
+            <a:r>
+              <a:rPr lang="en-US" sz="2400" dirty="0" smtClean="0">
+                <a:solidFill>
+                  <a:schemeClr val="bg1">
+                    <a:lumMod val="75000"/>
+                  </a:schemeClr>
+                </a:solidFill>
+                <a:latin typeface="Bahnschrift" panose="020B0502040204020203" pitchFamily="34" charset="0"/>
+              </a:rPr>
+              <a:t>Function </a:t>
+            </a:r>
+          </a:p>
+          <a:p>
+            <a:pPr marL="342900" indent="-342900">
+              <a:buFont typeface="Wingdings" panose="05000000000000000000" pitchFamily="2" charset="2"/>
+              <a:buChar char="q"/>
+            </a:pPr>
+            <a:r>
+              <a:rPr lang="en-US" sz="2400" dirty="0" smtClean="0">
+                <a:solidFill>
+                  <a:schemeClr val="bg1">
+                    <a:lumMod val="75000"/>
+                  </a:schemeClr>
+                </a:solidFill>
+                <a:latin typeface="Bahnschrift" panose="020B0502040204020203" pitchFamily="34" charset="0"/>
+              </a:rPr>
+              <a:t>Modules</a:t>
+            </a:r>
+          </a:p>
+          <a:p>
+            <a:pPr marL="342900" indent="-342900">
+              <a:buFont typeface="Wingdings" panose="05000000000000000000" pitchFamily="2" charset="2"/>
+              <a:buChar char="q"/>
+            </a:pPr>
+            <a:r>
+              <a:rPr lang="en-US" sz="2400" dirty="0" smtClean="0">
+                <a:solidFill>
+                  <a:schemeClr val="bg1">
+                    <a:lumMod val="75000"/>
+                  </a:schemeClr>
+                </a:solidFill>
+                <a:latin typeface="Bahnschrift" panose="020B0502040204020203" pitchFamily="34" charset="0"/>
+              </a:rPr>
+              <a:t>Method</a:t>
+            </a:r>
+          </a:p>
+          <a:p>
+            <a:pPr marL="342900" indent="-342900">
+              <a:buFont typeface="Wingdings" panose="05000000000000000000" pitchFamily="2" charset="2"/>
+              <a:buChar char="q"/>
+            </a:pPr>
+            <a:r>
+              <a:rPr lang="en-US" sz="2400" dirty="0" smtClean="0">
+                <a:solidFill>
+                  <a:schemeClr val="bg1">
+                    <a:lumMod val="75000"/>
+                  </a:schemeClr>
+                </a:solidFill>
+                <a:latin typeface="Bahnschrift" panose="020B0502040204020203" pitchFamily="34" charset="0"/>
+              </a:rPr>
+              <a:t>List slice </a:t>
+            </a:r>
+          </a:p>
+          <a:p>
+            <a:pPr marL="342900" indent="-342900">
+              <a:buFont typeface="Wingdings" panose="05000000000000000000" pitchFamily="2" charset="2"/>
+              <a:buChar char="q"/>
+            </a:pPr>
+            <a:r>
+              <a:rPr lang="en-US" sz="2400" dirty="0" smtClean="0">
+                <a:solidFill>
+                  <a:schemeClr val="bg1">
+                    <a:lumMod val="75000"/>
+                  </a:schemeClr>
+                </a:solidFill>
+                <a:latin typeface="Bahnschrift" panose="020B0502040204020203" pitchFamily="34" charset="0"/>
+              </a:rPr>
+              <a:t>String</a:t>
+            </a:r>
+          </a:p>
+          <a:p>
+            <a:pPr marL="342900" indent="-342900">
+              <a:buFont typeface="Wingdings" panose="05000000000000000000" pitchFamily="2" charset="2"/>
+              <a:buChar char="q"/>
+            </a:pPr>
+            <a:r>
+              <a:rPr lang="en-US" sz="2400" dirty="0" smtClean="0">
+                <a:solidFill>
+                  <a:schemeClr val="bg1">
+                    <a:lumMod val="75000"/>
+                  </a:schemeClr>
+                </a:solidFill>
+                <a:latin typeface="Bahnschrift" panose="020B0502040204020203" pitchFamily="34" charset="0"/>
+              </a:rPr>
+              <a:t>Encoding</a:t>
+            </a:r>
+          </a:p>
+          <a:p>
+            <a:pPr marL="342900" indent="-342900">
+              <a:buFont typeface="Wingdings" panose="05000000000000000000" pitchFamily="2" charset="2"/>
+              <a:buChar char="q"/>
+            </a:pPr>
+            <a:r>
+              <a:rPr lang="en-US" sz="2400" dirty="0" smtClean="0">
+                <a:solidFill>
+                  <a:schemeClr val="bg1">
+                    <a:lumMod val="75000"/>
+                  </a:schemeClr>
+                </a:solidFill>
+                <a:latin typeface="Bahnschrift" panose="020B0502040204020203" pitchFamily="34" charset="0"/>
+              </a:rPr>
+              <a:t>String Method</a:t>
+            </a:r>
+          </a:p>
+          <a:p>
+            <a:pPr marL="342900" indent="-342900">
+              <a:buFont typeface="Wingdings" panose="05000000000000000000" pitchFamily="2" charset="2"/>
+              <a:buChar char="q"/>
+            </a:pPr>
+            <a:endParaRPr lang="en-US" sz="2400" dirty="0" smtClean="0">
+              <a:latin typeface="Bahnschrift" panose="020B0502040204020203" pitchFamily="34" charset="0"/>
+            </a:endParaRPr>
+          </a:p>
+          <a:p>
+            <a:pPr marL="342900" indent="-342900">
+              <a:buFont typeface="Wingdings" panose="05000000000000000000" pitchFamily="2" charset="2"/>
+              <a:buChar char="q"/>
+            </a:pPr>
+            <a:endParaRPr lang="fa-IR" sz="2400" dirty="0">
+              <a:latin typeface="Bahnschrift" panose="020B0502040204020203" pitchFamily="34" charset="0"/>
+            </a:endParaRPr>
+          </a:p>
+        </p:txBody>
+      </p:sp>
+      <p:sp>
+        <p:nvSpPr>
+          <p:cNvPr id="3" name="Rectangle 2"/>
+          <p:cNvSpPr/>
+          <p:nvPr/>
+        </p:nvSpPr>
+        <p:spPr>
+          <a:xfrm>
+            <a:off x="294469" y="406240"/>
+            <a:ext cx="2494594" cy="461665"/>
+          </a:xfrm>
+          <a:prstGeom prst="rect">
+            <a:avLst/>
+          </a:prstGeom>
+        </p:spPr>
+        <p:txBody>
+          <a:bodyPr wrap="none">
+            <a:spAutoFit/>
+          </a:bodyPr>
+          <a:lstStyle/>
+          <a:p>
+            <a:r>
+              <a:rPr lang="fa-IR" sz="2400" dirty="0">
+                <a:latin typeface="Bahnschrift" panose="020B0502040204020203" pitchFamily="34" charset="0"/>
+              </a:rPr>
+              <a:t>Coding in Python</a:t>
+            </a:r>
+          </a:p>
+        </p:txBody>
+      </p:sp>
+    </p:spTree>
+    <p:extLst>
+      <p:ext uri="{BB962C8B-B14F-4D97-AF65-F5344CB8AC3E}">
+        <p14:creationId xmlns:p14="http://schemas.microsoft.com/office/powerpoint/2010/main" val="2400551133"/>
+      </p:ext>
+    </p:extLst>
+  </p:cSld>
+  <p:clrMapOvr>
+    <a:masterClrMapping/>
+  </p:clrMapOvr>
+  <p:timing>
+    <p:tnLst>
+      <p:par>
+        <p:cTn id="1" dur="indefinite" restart="never" nodeType="tmRoot"/>
+      </p:par>
+    </p:tnLst>
+  </p:timing>
+</p:sld>
+</file>
+
+<file path=ppt/slides/slide16.xml><?xml version="1.0" encoding="utf-8"?>
+<p:sld xmlns:a="http://schemas.openxmlformats.org/drawingml/2006/main" xmlns:r="http://schemas.openxmlformats.org/officeDocument/2006/relationships" xmlns:p="http://schemas.openxmlformats.org/presentationml/2006/main">
+  <p:cSld>
+    <p:spTree>
+      <p:nvGrpSpPr>
+        <p:cNvPr id="1" name=""/>
+        <p:cNvGrpSpPr/>
+        <p:nvPr/>
+      </p:nvGrpSpPr>
+      <p:grpSpPr>
+        <a:xfrm>
+          <a:off x="0" y="0"/>
+          <a:ext cx="0" cy="0"/>
+          <a:chOff x="0" y="0"/>
+          <a:chExt cx="0" cy="0"/>
+        </a:xfrm>
+      </p:grpSpPr>
+      <p:sp>
+        <p:nvSpPr>
+          <p:cNvPr id="2" name="TextBox 1"/>
+          <p:cNvSpPr txBox="1"/>
+          <p:nvPr/>
+        </p:nvSpPr>
+        <p:spPr>
+          <a:xfrm>
+            <a:off x="557941" y="1053884"/>
+            <a:ext cx="4029557" cy="6001643"/>
+          </a:xfrm>
+          <a:prstGeom prst="rect">
+            <a:avLst/>
+          </a:prstGeom>
+          <a:noFill/>
+        </p:spPr>
+        <p:txBody>
+          <a:bodyPr wrap="square" rtlCol="1">
+            <a:spAutoFit/>
+          </a:bodyPr>
+          <a:lstStyle/>
+          <a:p>
+            <a:pPr marL="342900" indent="-342900">
+              <a:buFont typeface="Wingdings" panose="05000000000000000000" pitchFamily="2" charset="2"/>
+              <a:buChar char="q"/>
+            </a:pPr>
+            <a:r>
+              <a:rPr lang="en-US" sz="2400" dirty="0" smtClean="0">
+                <a:latin typeface="Bahnschrift" panose="020B0502040204020203" pitchFamily="34" charset="0"/>
+              </a:rPr>
+              <a:t>Start</a:t>
+            </a:r>
+          </a:p>
+          <a:p>
+            <a:pPr marL="342900" indent="-342900">
+              <a:buFont typeface="Wingdings" panose="05000000000000000000" pitchFamily="2" charset="2"/>
+              <a:buChar char="q"/>
+            </a:pPr>
+            <a:r>
+              <a:rPr lang="en-US" sz="2400" dirty="0" smtClean="0">
+                <a:solidFill>
+                  <a:schemeClr val="bg1">
+                    <a:lumMod val="75000"/>
+                  </a:schemeClr>
+                </a:solidFill>
+                <a:latin typeface="Bahnschrift" panose="020B0502040204020203" pitchFamily="34" charset="0"/>
+              </a:rPr>
+              <a:t>Comparison operators</a:t>
+            </a:r>
+          </a:p>
+          <a:p>
+            <a:pPr marL="342900" indent="-342900">
+              <a:buFont typeface="Wingdings" panose="05000000000000000000" pitchFamily="2" charset="2"/>
+              <a:buChar char="q"/>
+            </a:pPr>
+            <a:r>
+              <a:rPr lang="en-US" sz="2400" dirty="0" smtClean="0">
+                <a:solidFill>
+                  <a:schemeClr val="bg1">
+                    <a:lumMod val="75000"/>
+                  </a:schemeClr>
+                </a:solidFill>
+                <a:latin typeface="Bahnschrift" panose="020B0502040204020203" pitchFamily="34" charset="0"/>
+              </a:rPr>
+              <a:t>Logical operators</a:t>
+            </a:r>
+          </a:p>
+          <a:p>
+            <a:pPr marL="342900" indent="-342900">
+              <a:buFont typeface="Wingdings" panose="05000000000000000000" pitchFamily="2" charset="2"/>
+              <a:buChar char="q"/>
+            </a:pPr>
+            <a:r>
+              <a:rPr lang="en-US" sz="2400" dirty="0" smtClean="0">
+                <a:solidFill>
+                  <a:schemeClr val="bg1">
+                    <a:lumMod val="75000"/>
+                  </a:schemeClr>
+                </a:solidFill>
+                <a:latin typeface="Bahnschrift" panose="020B0502040204020203" pitchFamily="34" charset="0"/>
+              </a:rPr>
+              <a:t>Identity operators</a:t>
+            </a:r>
+          </a:p>
+          <a:p>
+            <a:pPr marL="342900" indent="-342900">
+              <a:buFont typeface="Wingdings" panose="05000000000000000000" pitchFamily="2" charset="2"/>
+              <a:buChar char="q"/>
+            </a:pPr>
+            <a:r>
+              <a:rPr lang="en-US" sz="2400" dirty="0" smtClean="0">
+                <a:solidFill>
+                  <a:schemeClr val="bg1">
+                    <a:lumMod val="75000"/>
+                  </a:schemeClr>
+                </a:solidFill>
+                <a:latin typeface="Bahnschrift" panose="020B0502040204020203" pitchFamily="34" charset="0"/>
+              </a:rPr>
+              <a:t>Membership operator</a:t>
+            </a:r>
+          </a:p>
+          <a:p>
+            <a:pPr marL="342900" indent="-342900">
+              <a:buFont typeface="Wingdings" panose="05000000000000000000" pitchFamily="2" charset="2"/>
+              <a:buChar char="q"/>
+            </a:pPr>
+            <a:r>
+              <a:rPr lang="en-US" sz="2400" dirty="0" smtClean="0">
+                <a:solidFill>
+                  <a:schemeClr val="bg1">
+                    <a:lumMod val="75000"/>
+                  </a:schemeClr>
+                </a:solidFill>
+                <a:latin typeface="Bahnschrift" panose="020B0502040204020203" pitchFamily="34" charset="0"/>
+              </a:rPr>
+              <a:t>Condition</a:t>
+            </a:r>
+          </a:p>
+          <a:p>
+            <a:pPr marL="342900" indent="-342900">
+              <a:buFont typeface="Wingdings" panose="05000000000000000000" pitchFamily="2" charset="2"/>
+              <a:buChar char="q"/>
+            </a:pPr>
+            <a:r>
+              <a:rPr lang="en-US" sz="2400" dirty="0" smtClean="0">
+                <a:solidFill>
+                  <a:schemeClr val="bg1">
+                    <a:lumMod val="75000"/>
+                  </a:schemeClr>
+                </a:solidFill>
+                <a:latin typeface="Bahnschrift" panose="020B0502040204020203" pitchFamily="34" charset="0"/>
+              </a:rPr>
+              <a:t>Loop</a:t>
+            </a:r>
+          </a:p>
+          <a:p>
+            <a:pPr marL="342900" indent="-342900">
+              <a:buFont typeface="Wingdings" panose="05000000000000000000" pitchFamily="2" charset="2"/>
+              <a:buChar char="q"/>
+            </a:pPr>
+            <a:r>
+              <a:rPr lang="en-US" sz="2400" dirty="0" smtClean="0">
+                <a:solidFill>
+                  <a:schemeClr val="bg1">
+                    <a:lumMod val="75000"/>
+                  </a:schemeClr>
+                </a:solidFill>
+                <a:latin typeface="Bahnschrift" panose="020B0502040204020203" pitchFamily="34" charset="0"/>
+              </a:rPr>
+              <a:t>Function </a:t>
+            </a:r>
+          </a:p>
+          <a:p>
+            <a:pPr marL="342900" indent="-342900">
+              <a:buFont typeface="Wingdings" panose="05000000000000000000" pitchFamily="2" charset="2"/>
+              <a:buChar char="q"/>
+            </a:pPr>
+            <a:r>
+              <a:rPr lang="en-US" sz="2400" dirty="0" smtClean="0">
+                <a:solidFill>
+                  <a:schemeClr val="bg1">
+                    <a:lumMod val="75000"/>
+                  </a:schemeClr>
+                </a:solidFill>
+                <a:latin typeface="Bahnschrift" panose="020B0502040204020203" pitchFamily="34" charset="0"/>
+              </a:rPr>
+              <a:t>Modules</a:t>
+            </a:r>
+          </a:p>
+          <a:p>
+            <a:pPr marL="342900" indent="-342900">
+              <a:buFont typeface="Wingdings" panose="05000000000000000000" pitchFamily="2" charset="2"/>
+              <a:buChar char="q"/>
+            </a:pPr>
+            <a:r>
+              <a:rPr lang="en-US" sz="2400" dirty="0" smtClean="0">
+                <a:solidFill>
+                  <a:schemeClr val="bg1">
+                    <a:lumMod val="75000"/>
+                  </a:schemeClr>
+                </a:solidFill>
+                <a:latin typeface="Bahnschrift" panose="020B0502040204020203" pitchFamily="34" charset="0"/>
+              </a:rPr>
+              <a:t>Method</a:t>
+            </a:r>
+          </a:p>
+          <a:p>
+            <a:pPr marL="342900" indent="-342900">
+              <a:buFont typeface="Wingdings" panose="05000000000000000000" pitchFamily="2" charset="2"/>
+              <a:buChar char="q"/>
+            </a:pPr>
+            <a:r>
+              <a:rPr lang="en-US" sz="2400" dirty="0" smtClean="0">
+                <a:solidFill>
+                  <a:schemeClr val="bg1">
+                    <a:lumMod val="75000"/>
+                  </a:schemeClr>
+                </a:solidFill>
+                <a:latin typeface="Bahnschrift" panose="020B0502040204020203" pitchFamily="34" charset="0"/>
+              </a:rPr>
+              <a:t>List slice </a:t>
+            </a:r>
+          </a:p>
+          <a:p>
+            <a:pPr marL="342900" indent="-342900">
+              <a:buFont typeface="Wingdings" panose="05000000000000000000" pitchFamily="2" charset="2"/>
+              <a:buChar char="q"/>
+            </a:pPr>
+            <a:r>
+              <a:rPr lang="en-US" sz="2400" dirty="0" smtClean="0">
+                <a:solidFill>
+                  <a:schemeClr val="bg1">
+                    <a:lumMod val="75000"/>
+                  </a:schemeClr>
+                </a:solidFill>
+                <a:latin typeface="Bahnschrift" panose="020B0502040204020203" pitchFamily="34" charset="0"/>
+              </a:rPr>
+              <a:t>String</a:t>
+            </a:r>
+          </a:p>
+          <a:p>
+            <a:pPr marL="342900" indent="-342900">
+              <a:buFont typeface="Wingdings" panose="05000000000000000000" pitchFamily="2" charset="2"/>
+              <a:buChar char="q"/>
+            </a:pPr>
+            <a:r>
+              <a:rPr lang="en-US" sz="2400" dirty="0" smtClean="0">
+                <a:solidFill>
+                  <a:schemeClr val="bg1">
+                    <a:lumMod val="75000"/>
+                  </a:schemeClr>
+                </a:solidFill>
+                <a:latin typeface="Bahnschrift" panose="020B0502040204020203" pitchFamily="34" charset="0"/>
+              </a:rPr>
+              <a:t>Encoding</a:t>
+            </a:r>
+          </a:p>
+          <a:p>
+            <a:pPr marL="342900" indent="-342900">
+              <a:buFont typeface="Wingdings" panose="05000000000000000000" pitchFamily="2" charset="2"/>
+              <a:buChar char="q"/>
+            </a:pPr>
+            <a:r>
+              <a:rPr lang="en-US" sz="2400" dirty="0" smtClean="0">
+                <a:solidFill>
+                  <a:schemeClr val="bg1">
+                    <a:lumMod val="75000"/>
+                  </a:schemeClr>
+                </a:solidFill>
+                <a:latin typeface="Bahnschrift" panose="020B0502040204020203" pitchFamily="34" charset="0"/>
+              </a:rPr>
+              <a:t>String Method</a:t>
+            </a:r>
+          </a:p>
+          <a:p>
+            <a:pPr marL="342900" indent="-342900">
+              <a:buFont typeface="Wingdings" panose="05000000000000000000" pitchFamily="2" charset="2"/>
+              <a:buChar char="q"/>
+            </a:pPr>
+            <a:endParaRPr lang="en-US" sz="2400" dirty="0" smtClean="0">
+              <a:latin typeface="Bahnschrift" panose="020B0502040204020203" pitchFamily="34" charset="0"/>
+            </a:endParaRPr>
+          </a:p>
+          <a:p>
+            <a:pPr marL="342900" indent="-342900">
+              <a:buFont typeface="Wingdings" panose="05000000000000000000" pitchFamily="2" charset="2"/>
+              <a:buChar char="q"/>
+            </a:pPr>
+            <a:endParaRPr lang="fa-IR" sz="2400" dirty="0">
+              <a:latin typeface="Bahnschrift" panose="020B0502040204020203" pitchFamily="34" charset="0"/>
+            </a:endParaRPr>
+          </a:p>
+        </p:txBody>
+      </p:sp>
+      <p:sp>
+        <p:nvSpPr>
+          <p:cNvPr id="3" name="Rectangle 2"/>
+          <p:cNvSpPr/>
+          <p:nvPr/>
+        </p:nvSpPr>
+        <p:spPr>
+          <a:xfrm>
+            <a:off x="294469" y="406240"/>
+            <a:ext cx="2494594" cy="461665"/>
+          </a:xfrm>
+          <a:prstGeom prst="rect">
+            <a:avLst/>
+          </a:prstGeom>
+        </p:spPr>
+        <p:txBody>
+          <a:bodyPr wrap="none">
+            <a:spAutoFit/>
+          </a:bodyPr>
+          <a:lstStyle/>
+          <a:p>
+            <a:r>
+              <a:rPr lang="fa-IR" sz="2400" dirty="0">
+                <a:latin typeface="Bahnschrift" panose="020B0502040204020203" pitchFamily="34" charset="0"/>
+              </a:rPr>
+              <a:t>Coding in Python</a:t>
+            </a:r>
+          </a:p>
+        </p:txBody>
+      </p:sp>
+    </p:spTree>
+    <p:extLst>
+      <p:ext uri="{BB962C8B-B14F-4D97-AF65-F5344CB8AC3E}">
+        <p14:creationId xmlns:p14="http://schemas.microsoft.com/office/powerpoint/2010/main" val="3345942087"/>
+      </p:ext>
+    </p:extLst>
+  </p:cSld>
+  <p:clrMapOvr>
+    <a:masterClrMapping/>
+  </p:clrMapOvr>
+  <p:timing>
+    <p:tnLst>
+      <p:par>
+        <p:cTn id="1" dur="indefinite" restart="never" nodeType="tmRoot"/>
+      </p:par>
+    </p:tnLst>
+  </p:timing>
+</p:sld>
+</file>
+
+<file path=ppt/slides/slide17.xml><?xml version="1.0" encoding="utf-8"?>
+<p:sld xmlns:a="http://schemas.openxmlformats.org/drawingml/2006/main" xmlns:r="http://schemas.openxmlformats.org/officeDocument/2006/relationships" xmlns:p="http://schemas.openxmlformats.org/presentationml/2006/main">
+  <p:cSld>
+    <p:spTree>
+      <p:nvGrpSpPr>
+        <p:cNvPr id="1" name=""/>
+        <p:cNvGrpSpPr/>
+        <p:nvPr/>
+      </p:nvGrpSpPr>
+      <p:grpSpPr>
+        <a:xfrm>
+          <a:off x="0" y="0"/>
+          <a:ext cx="0" cy="0"/>
+          <a:chOff x="0" y="0"/>
+          <a:chExt cx="0" cy="0"/>
+        </a:xfrm>
+      </p:grpSpPr>
+      <p:sp>
+        <p:nvSpPr>
+          <p:cNvPr id="2" name="TextBox 1"/>
+          <p:cNvSpPr txBox="1"/>
+          <p:nvPr/>
+        </p:nvSpPr>
+        <p:spPr>
+          <a:xfrm>
+            <a:off x="557941" y="1053884"/>
+            <a:ext cx="4029557" cy="6001643"/>
+          </a:xfrm>
+          <a:prstGeom prst="rect">
+            <a:avLst/>
+          </a:prstGeom>
+          <a:noFill/>
+        </p:spPr>
+        <p:txBody>
+          <a:bodyPr wrap="square" rtlCol="1">
+            <a:spAutoFit/>
+          </a:bodyPr>
+          <a:lstStyle/>
+          <a:p>
+            <a:pPr marL="342900" indent="-342900">
+              <a:buFont typeface="Wingdings" panose="05000000000000000000" pitchFamily="2" charset="2"/>
+              <a:buChar char="q"/>
+            </a:pPr>
+            <a:r>
+              <a:rPr lang="en-US" sz="2400" dirty="0" smtClean="0">
+                <a:latin typeface="Bahnschrift" panose="020B0502040204020203" pitchFamily="34" charset="0"/>
+              </a:rPr>
+              <a:t>Start</a:t>
+            </a:r>
+          </a:p>
+          <a:p>
+            <a:pPr marL="342900" indent="-342900">
+              <a:buFont typeface="Wingdings" panose="05000000000000000000" pitchFamily="2" charset="2"/>
+              <a:buChar char="q"/>
+            </a:pPr>
+            <a:r>
+              <a:rPr lang="en-US" sz="2400" dirty="0" smtClean="0">
+                <a:solidFill>
+                  <a:schemeClr val="bg1">
+                    <a:lumMod val="75000"/>
+                  </a:schemeClr>
+                </a:solidFill>
+                <a:latin typeface="Bahnschrift" panose="020B0502040204020203" pitchFamily="34" charset="0"/>
+              </a:rPr>
+              <a:t>Comparison operators</a:t>
+            </a:r>
+          </a:p>
+          <a:p>
+            <a:pPr marL="342900" indent="-342900">
+              <a:buFont typeface="Wingdings" panose="05000000000000000000" pitchFamily="2" charset="2"/>
+              <a:buChar char="q"/>
+            </a:pPr>
+            <a:r>
+              <a:rPr lang="en-US" sz="2400" dirty="0" smtClean="0">
+                <a:solidFill>
+                  <a:schemeClr val="bg1">
+                    <a:lumMod val="75000"/>
+                  </a:schemeClr>
+                </a:solidFill>
+                <a:latin typeface="Bahnschrift" panose="020B0502040204020203" pitchFamily="34" charset="0"/>
+              </a:rPr>
+              <a:t>Logical operators</a:t>
+            </a:r>
+          </a:p>
+          <a:p>
+            <a:pPr marL="342900" indent="-342900">
+              <a:buFont typeface="Wingdings" panose="05000000000000000000" pitchFamily="2" charset="2"/>
+              <a:buChar char="q"/>
+            </a:pPr>
+            <a:r>
+              <a:rPr lang="en-US" sz="2400" dirty="0" smtClean="0">
+                <a:solidFill>
+                  <a:schemeClr val="bg1">
+                    <a:lumMod val="75000"/>
+                  </a:schemeClr>
+                </a:solidFill>
+                <a:latin typeface="Bahnschrift" panose="020B0502040204020203" pitchFamily="34" charset="0"/>
+              </a:rPr>
+              <a:t>Identity operators</a:t>
+            </a:r>
+          </a:p>
+          <a:p>
+            <a:pPr marL="342900" indent="-342900">
+              <a:buFont typeface="Wingdings" panose="05000000000000000000" pitchFamily="2" charset="2"/>
+              <a:buChar char="q"/>
+            </a:pPr>
+            <a:r>
+              <a:rPr lang="en-US" sz="2400" dirty="0" smtClean="0">
+                <a:solidFill>
+                  <a:schemeClr val="bg1">
+                    <a:lumMod val="75000"/>
+                  </a:schemeClr>
+                </a:solidFill>
+                <a:latin typeface="Bahnschrift" panose="020B0502040204020203" pitchFamily="34" charset="0"/>
+              </a:rPr>
+              <a:t>Membership operator</a:t>
+            </a:r>
+          </a:p>
+          <a:p>
+            <a:pPr marL="342900" indent="-342900">
+              <a:buFont typeface="Wingdings" panose="05000000000000000000" pitchFamily="2" charset="2"/>
+              <a:buChar char="q"/>
+            </a:pPr>
+            <a:r>
+              <a:rPr lang="en-US" sz="2400" dirty="0" smtClean="0">
+                <a:solidFill>
+                  <a:schemeClr val="bg1">
+                    <a:lumMod val="75000"/>
+                  </a:schemeClr>
+                </a:solidFill>
+                <a:latin typeface="Bahnschrift" panose="020B0502040204020203" pitchFamily="34" charset="0"/>
+              </a:rPr>
+              <a:t>Condition</a:t>
+            </a:r>
+          </a:p>
+          <a:p>
+            <a:pPr marL="342900" indent="-342900">
+              <a:buFont typeface="Wingdings" panose="05000000000000000000" pitchFamily="2" charset="2"/>
+              <a:buChar char="q"/>
+            </a:pPr>
+            <a:r>
+              <a:rPr lang="en-US" sz="2400" dirty="0" smtClean="0">
+                <a:solidFill>
+                  <a:schemeClr val="bg1">
+                    <a:lumMod val="75000"/>
+                  </a:schemeClr>
+                </a:solidFill>
+                <a:latin typeface="Bahnschrift" panose="020B0502040204020203" pitchFamily="34" charset="0"/>
+              </a:rPr>
+              <a:t>Loop</a:t>
+            </a:r>
+          </a:p>
+          <a:p>
+            <a:pPr marL="342900" indent="-342900">
+              <a:buFont typeface="Wingdings" panose="05000000000000000000" pitchFamily="2" charset="2"/>
+              <a:buChar char="q"/>
+            </a:pPr>
+            <a:r>
+              <a:rPr lang="en-US" sz="2400" dirty="0" smtClean="0">
+                <a:solidFill>
+                  <a:schemeClr val="bg1">
+                    <a:lumMod val="75000"/>
+                  </a:schemeClr>
+                </a:solidFill>
+                <a:latin typeface="Bahnschrift" panose="020B0502040204020203" pitchFamily="34" charset="0"/>
+              </a:rPr>
+              <a:t>Function </a:t>
+            </a:r>
+          </a:p>
+          <a:p>
+            <a:pPr marL="342900" indent="-342900">
+              <a:buFont typeface="Wingdings" panose="05000000000000000000" pitchFamily="2" charset="2"/>
+              <a:buChar char="q"/>
+            </a:pPr>
+            <a:r>
+              <a:rPr lang="en-US" sz="2400" dirty="0" smtClean="0">
+                <a:solidFill>
+                  <a:schemeClr val="bg1">
+                    <a:lumMod val="75000"/>
+                  </a:schemeClr>
+                </a:solidFill>
+                <a:latin typeface="Bahnschrift" panose="020B0502040204020203" pitchFamily="34" charset="0"/>
+              </a:rPr>
+              <a:t>Modules</a:t>
+            </a:r>
+          </a:p>
+          <a:p>
+            <a:pPr marL="342900" indent="-342900">
+              <a:buFont typeface="Wingdings" panose="05000000000000000000" pitchFamily="2" charset="2"/>
+              <a:buChar char="q"/>
+            </a:pPr>
+            <a:r>
+              <a:rPr lang="en-US" sz="2400" dirty="0" smtClean="0">
+                <a:solidFill>
+                  <a:schemeClr val="bg1">
+                    <a:lumMod val="75000"/>
+                  </a:schemeClr>
+                </a:solidFill>
+                <a:latin typeface="Bahnschrift" panose="020B0502040204020203" pitchFamily="34" charset="0"/>
+              </a:rPr>
+              <a:t>Method</a:t>
+            </a:r>
+          </a:p>
+          <a:p>
+            <a:pPr marL="342900" indent="-342900">
+              <a:buFont typeface="Wingdings" panose="05000000000000000000" pitchFamily="2" charset="2"/>
+              <a:buChar char="q"/>
+            </a:pPr>
+            <a:r>
+              <a:rPr lang="en-US" sz="2400" dirty="0" smtClean="0">
+                <a:solidFill>
+                  <a:schemeClr val="bg1">
+                    <a:lumMod val="75000"/>
+                  </a:schemeClr>
+                </a:solidFill>
+                <a:latin typeface="Bahnschrift" panose="020B0502040204020203" pitchFamily="34" charset="0"/>
+              </a:rPr>
+              <a:t>List slice </a:t>
+            </a:r>
+          </a:p>
+          <a:p>
+            <a:pPr marL="342900" indent="-342900">
+              <a:buFont typeface="Wingdings" panose="05000000000000000000" pitchFamily="2" charset="2"/>
+              <a:buChar char="q"/>
+            </a:pPr>
+            <a:r>
+              <a:rPr lang="en-US" sz="2400" dirty="0" smtClean="0">
+                <a:solidFill>
+                  <a:schemeClr val="bg1">
+                    <a:lumMod val="75000"/>
+                  </a:schemeClr>
+                </a:solidFill>
+                <a:latin typeface="Bahnschrift" panose="020B0502040204020203" pitchFamily="34" charset="0"/>
+              </a:rPr>
+              <a:t>String</a:t>
+            </a:r>
+          </a:p>
+          <a:p>
+            <a:pPr marL="342900" indent="-342900">
+              <a:buFont typeface="Wingdings" panose="05000000000000000000" pitchFamily="2" charset="2"/>
+              <a:buChar char="q"/>
+            </a:pPr>
+            <a:r>
+              <a:rPr lang="en-US" sz="2400" dirty="0" smtClean="0">
+                <a:solidFill>
+                  <a:schemeClr val="bg1">
+                    <a:lumMod val="75000"/>
+                  </a:schemeClr>
+                </a:solidFill>
+                <a:latin typeface="Bahnschrift" panose="020B0502040204020203" pitchFamily="34" charset="0"/>
+              </a:rPr>
+              <a:t>Encoding</a:t>
+            </a:r>
+          </a:p>
+          <a:p>
+            <a:pPr marL="342900" indent="-342900">
+              <a:buFont typeface="Wingdings" panose="05000000000000000000" pitchFamily="2" charset="2"/>
+              <a:buChar char="q"/>
+            </a:pPr>
+            <a:r>
+              <a:rPr lang="en-US" sz="2400" dirty="0" smtClean="0">
+                <a:solidFill>
+                  <a:schemeClr val="bg1">
+                    <a:lumMod val="75000"/>
+                  </a:schemeClr>
+                </a:solidFill>
+                <a:latin typeface="Bahnschrift" panose="020B0502040204020203" pitchFamily="34" charset="0"/>
+              </a:rPr>
+              <a:t>String Method</a:t>
+            </a:r>
+          </a:p>
+          <a:p>
+            <a:pPr marL="342900" indent="-342900">
+              <a:buFont typeface="Wingdings" panose="05000000000000000000" pitchFamily="2" charset="2"/>
+              <a:buChar char="q"/>
+            </a:pPr>
+            <a:endParaRPr lang="en-US" sz="2400" dirty="0" smtClean="0">
+              <a:latin typeface="Bahnschrift" panose="020B0502040204020203" pitchFamily="34" charset="0"/>
+            </a:endParaRPr>
+          </a:p>
+          <a:p>
+            <a:pPr marL="342900" indent="-342900">
+              <a:buFont typeface="Wingdings" panose="05000000000000000000" pitchFamily="2" charset="2"/>
+              <a:buChar char="q"/>
+            </a:pPr>
+            <a:endParaRPr lang="fa-IR" sz="2400" dirty="0">
+              <a:latin typeface="Bahnschrift" panose="020B0502040204020203" pitchFamily="34" charset="0"/>
+            </a:endParaRPr>
+          </a:p>
+        </p:txBody>
+      </p:sp>
+      <p:sp>
+        <p:nvSpPr>
+          <p:cNvPr id="3" name="Rectangle 2"/>
+          <p:cNvSpPr/>
+          <p:nvPr/>
+        </p:nvSpPr>
+        <p:spPr>
+          <a:xfrm>
+            <a:off x="294469" y="406240"/>
+            <a:ext cx="2494594" cy="461665"/>
+          </a:xfrm>
+          <a:prstGeom prst="rect">
+            <a:avLst/>
+          </a:prstGeom>
+        </p:spPr>
+        <p:txBody>
+          <a:bodyPr wrap="none">
+            <a:spAutoFit/>
+          </a:bodyPr>
+          <a:lstStyle/>
+          <a:p>
+            <a:r>
+              <a:rPr lang="fa-IR" sz="2400" dirty="0">
+                <a:latin typeface="Bahnschrift" panose="020B0502040204020203" pitchFamily="34" charset="0"/>
+              </a:rPr>
+              <a:t>Coding in Python</a:t>
+            </a:r>
+          </a:p>
+        </p:txBody>
+      </p:sp>
+    </p:spTree>
+    <p:extLst>
+      <p:ext uri="{BB962C8B-B14F-4D97-AF65-F5344CB8AC3E}">
+        <p14:creationId xmlns:p14="http://schemas.microsoft.com/office/powerpoint/2010/main" val="806598177"/>
+      </p:ext>
+    </p:extLst>
+  </p:cSld>
+  <p:clrMapOvr>
+    <a:masterClrMapping/>
+  </p:clrMapOvr>
+  <p:timing>
+    <p:tnLst>
+      <p:par>
+        <p:cTn id="1" dur="indefinite" restart="never" nodeType="tmRoot"/>
+      </p:par>
+    </p:tnLst>
+  </p:timing>
+</p:sld>
+</file>
+
+<file path=ppt/slides/slide18.xml><?xml version="1.0" encoding="utf-8"?>
+<p:sld xmlns:a="http://schemas.openxmlformats.org/drawingml/2006/main" xmlns:r="http://schemas.openxmlformats.org/officeDocument/2006/relationships" xmlns:p="http://schemas.openxmlformats.org/presentationml/2006/main">
+  <p:cSld>
+    <p:spTree>
+      <p:nvGrpSpPr>
+        <p:cNvPr id="1" name=""/>
+        <p:cNvGrpSpPr/>
+        <p:nvPr/>
+      </p:nvGrpSpPr>
+      <p:grpSpPr>
+        <a:xfrm>
+          <a:off x="0" y="0"/>
+          <a:ext cx="0" cy="0"/>
+          <a:chOff x="0" y="0"/>
+          <a:chExt cx="0" cy="0"/>
+        </a:xfrm>
+      </p:grpSpPr>
+      <p:sp>
+        <p:nvSpPr>
+          <p:cNvPr id="2" name="TextBox 1"/>
+          <p:cNvSpPr txBox="1"/>
+          <p:nvPr/>
+        </p:nvSpPr>
+        <p:spPr>
+          <a:xfrm>
+            <a:off x="557941" y="1053884"/>
+            <a:ext cx="4029557" cy="6001643"/>
+          </a:xfrm>
+          <a:prstGeom prst="rect">
+            <a:avLst/>
+          </a:prstGeom>
+          <a:noFill/>
+        </p:spPr>
+        <p:txBody>
+          <a:bodyPr wrap="square" rtlCol="1">
+            <a:spAutoFit/>
+          </a:bodyPr>
+          <a:lstStyle/>
+          <a:p>
+            <a:pPr marL="342900" indent="-342900">
+              <a:buFont typeface="Wingdings" panose="05000000000000000000" pitchFamily="2" charset="2"/>
+              <a:buChar char="q"/>
+            </a:pPr>
+            <a:r>
+              <a:rPr lang="en-US" sz="2400" dirty="0" smtClean="0">
+                <a:latin typeface="Bahnschrift" panose="020B0502040204020203" pitchFamily="34" charset="0"/>
+              </a:rPr>
+              <a:t>Start</a:t>
+            </a:r>
+          </a:p>
+          <a:p>
+            <a:pPr marL="342900" indent="-342900">
+              <a:buFont typeface="Wingdings" panose="05000000000000000000" pitchFamily="2" charset="2"/>
+              <a:buChar char="q"/>
+            </a:pPr>
+            <a:r>
+              <a:rPr lang="en-US" sz="2400" dirty="0" smtClean="0">
+                <a:solidFill>
+                  <a:schemeClr val="bg1">
+                    <a:lumMod val="75000"/>
+                  </a:schemeClr>
+                </a:solidFill>
+                <a:latin typeface="Bahnschrift" panose="020B0502040204020203" pitchFamily="34" charset="0"/>
+              </a:rPr>
+              <a:t>Comparison operators</a:t>
+            </a:r>
+          </a:p>
+          <a:p>
+            <a:pPr marL="342900" indent="-342900">
+              <a:buFont typeface="Wingdings" panose="05000000000000000000" pitchFamily="2" charset="2"/>
+              <a:buChar char="q"/>
+            </a:pPr>
+            <a:r>
+              <a:rPr lang="en-US" sz="2400" dirty="0" smtClean="0">
+                <a:solidFill>
+                  <a:schemeClr val="bg1">
+                    <a:lumMod val="75000"/>
+                  </a:schemeClr>
+                </a:solidFill>
+                <a:latin typeface="Bahnschrift" panose="020B0502040204020203" pitchFamily="34" charset="0"/>
+              </a:rPr>
+              <a:t>Logical operators</a:t>
+            </a:r>
+          </a:p>
+          <a:p>
+            <a:pPr marL="342900" indent="-342900">
+              <a:buFont typeface="Wingdings" panose="05000000000000000000" pitchFamily="2" charset="2"/>
+              <a:buChar char="q"/>
+            </a:pPr>
+            <a:r>
+              <a:rPr lang="en-US" sz="2400" dirty="0" smtClean="0">
+                <a:solidFill>
+                  <a:schemeClr val="bg1">
+                    <a:lumMod val="75000"/>
+                  </a:schemeClr>
+                </a:solidFill>
+                <a:latin typeface="Bahnschrift" panose="020B0502040204020203" pitchFamily="34" charset="0"/>
+              </a:rPr>
+              <a:t>Identity operators</a:t>
+            </a:r>
+          </a:p>
+          <a:p>
+            <a:pPr marL="342900" indent="-342900">
+              <a:buFont typeface="Wingdings" panose="05000000000000000000" pitchFamily="2" charset="2"/>
+              <a:buChar char="q"/>
+            </a:pPr>
+            <a:r>
+              <a:rPr lang="en-US" sz="2400" dirty="0" smtClean="0">
+                <a:solidFill>
+                  <a:schemeClr val="bg1">
+                    <a:lumMod val="75000"/>
+                  </a:schemeClr>
+                </a:solidFill>
+                <a:latin typeface="Bahnschrift" panose="020B0502040204020203" pitchFamily="34" charset="0"/>
+              </a:rPr>
+              <a:t>Membership operator</a:t>
+            </a:r>
+          </a:p>
+          <a:p>
+            <a:pPr marL="342900" indent="-342900">
+              <a:buFont typeface="Wingdings" panose="05000000000000000000" pitchFamily="2" charset="2"/>
+              <a:buChar char="q"/>
+            </a:pPr>
+            <a:r>
+              <a:rPr lang="en-US" sz="2400" dirty="0" smtClean="0">
+                <a:solidFill>
+                  <a:schemeClr val="bg1">
+                    <a:lumMod val="75000"/>
+                  </a:schemeClr>
+                </a:solidFill>
+                <a:latin typeface="Bahnschrift" panose="020B0502040204020203" pitchFamily="34" charset="0"/>
+              </a:rPr>
+              <a:t>Condition</a:t>
+            </a:r>
+          </a:p>
+          <a:p>
+            <a:pPr marL="342900" indent="-342900">
+              <a:buFont typeface="Wingdings" panose="05000000000000000000" pitchFamily="2" charset="2"/>
+              <a:buChar char="q"/>
+            </a:pPr>
+            <a:r>
+              <a:rPr lang="en-US" sz="2400" dirty="0" smtClean="0">
+                <a:solidFill>
+                  <a:schemeClr val="bg1">
+                    <a:lumMod val="75000"/>
+                  </a:schemeClr>
+                </a:solidFill>
+                <a:latin typeface="Bahnschrift" panose="020B0502040204020203" pitchFamily="34" charset="0"/>
+              </a:rPr>
+              <a:t>Loop</a:t>
+            </a:r>
+          </a:p>
+          <a:p>
+            <a:pPr marL="342900" indent="-342900">
+              <a:buFont typeface="Wingdings" panose="05000000000000000000" pitchFamily="2" charset="2"/>
+              <a:buChar char="q"/>
+            </a:pPr>
+            <a:r>
+              <a:rPr lang="en-US" sz="2400" dirty="0" smtClean="0">
+                <a:solidFill>
+                  <a:schemeClr val="bg1">
+                    <a:lumMod val="75000"/>
+                  </a:schemeClr>
+                </a:solidFill>
+                <a:latin typeface="Bahnschrift" panose="020B0502040204020203" pitchFamily="34" charset="0"/>
+              </a:rPr>
+              <a:t>Function </a:t>
+            </a:r>
+          </a:p>
+          <a:p>
+            <a:pPr marL="342900" indent="-342900">
+              <a:buFont typeface="Wingdings" panose="05000000000000000000" pitchFamily="2" charset="2"/>
+              <a:buChar char="q"/>
+            </a:pPr>
+            <a:r>
+              <a:rPr lang="en-US" sz="2400" dirty="0" smtClean="0">
+                <a:solidFill>
+                  <a:schemeClr val="bg1">
+                    <a:lumMod val="75000"/>
+                  </a:schemeClr>
+                </a:solidFill>
+                <a:latin typeface="Bahnschrift" panose="020B0502040204020203" pitchFamily="34" charset="0"/>
+              </a:rPr>
+              <a:t>Modules</a:t>
+            </a:r>
+          </a:p>
+          <a:p>
+            <a:pPr marL="342900" indent="-342900">
+              <a:buFont typeface="Wingdings" panose="05000000000000000000" pitchFamily="2" charset="2"/>
+              <a:buChar char="q"/>
+            </a:pPr>
+            <a:r>
+              <a:rPr lang="en-US" sz="2400" dirty="0" smtClean="0">
+                <a:solidFill>
+                  <a:schemeClr val="bg1">
+                    <a:lumMod val="75000"/>
+                  </a:schemeClr>
+                </a:solidFill>
+                <a:latin typeface="Bahnschrift" panose="020B0502040204020203" pitchFamily="34" charset="0"/>
+              </a:rPr>
+              <a:t>Method</a:t>
+            </a:r>
+          </a:p>
+          <a:p>
+            <a:pPr marL="342900" indent="-342900">
+              <a:buFont typeface="Wingdings" panose="05000000000000000000" pitchFamily="2" charset="2"/>
+              <a:buChar char="q"/>
+            </a:pPr>
+            <a:r>
+              <a:rPr lang="en-US" sz="2400" dirty="0" smtClean="0">
+                <a:solidFill>
+                  <a:schemeClr val="bg1">
+                    <a:lumMod val="75000"/>
+                  </a:schemeClr>
+                </a:solidFill>
+                <a:latin typeface="Bahnschrift" panose="020B0502040204020203" pitchFamily="34" charset="0"/>
+              </a:rPr>
+              <a:t>List slice </a:t>
+            </a:r>
+          </a:p>
+          <a:p>
+            <a:pPr marL="342900" indent="-342900">
+              <a:buFont typeface="Wingdings" panose="05000000000000000000" pitchFamily="2" charset="2"/>
+              <a:buChar char="q"/>
+            </a:pPr>
+            <a:r>
+              <a:rPr lang="en-US" sz="2400" dirty="0" smtClean="0">
+                <a:solidFill>
+                  <a:schemeClr val="bg1">
+                    <a:lumMod val="75000"/>
+                  </a:schemeClr>
+                </a:solidFill>
+                <a:latin typeface="Bahnschrift" panose="020B0502040204020203" pitchFamily="34" charset="0"/>
+              </a:rPr>
+              <a:t>String</a:t>
+            </a:r>
+          </a:p>
+          <a:p>
+            <a:pPr marL="342900" indent="-342900">
+              <a:buFont typeface="Wingdings" panose="05000000000000000000" pitchFamily="2" charset="2"/>
+              <a:buChar char="q"/>
+            </a:pPr>
+            <a:r>
+              <a:rPr lang="en-US" sz="2400" dirty="0" smtClean="0">
+                <a:solidFill>
+                  <a:schemeClr val="bg1">
+                    <a:lumMod val="75000"/>
+                  </a:schemeClr>
+                </a:solidFill>
+                <a:latin typeface="Bahnschrift" panose="020B0502040204020203" pitchFamily="34" charset="0"/>
+              </a:rPr>
+              <a:t>Encoding</a:t>
+            </a:r>
+          </a:p>
+          <a:p>
+            <a:pPr marL="342900" indent="-342900">
+              <a:buFont typeface="Wingdings" panose="05000000000000000000" pitchFamily="2" charset="2"/>
+              <a:buChar char="q"/>
+            </a:pPr>
+            <a:r>
+              <a:rPr lang="en-US" sz="2400" dirty="0" smtClean="0">
+                <a:solidFill>
+                  <a:schemeClr val="bg1">
+                    <a:lumMod val="75000"/>
+                  </a:schemeClr>
+                </a:solidFill>
+                <a:latin typeface="Bahnschrift" panose="020B0502040204020203" pitchFamily="34" charset="0"/>
+              </a:rPr>
+              <a:t>String Method</a:t>
+            </a:r>
+          </a:p>
+          <a:p>
+            <a:pPr marL="342900" indent="-342900">
+              <a:buFont typeface="Wingdings" panose="05000000000000000000" pitchFamily="2" charset="2"/>
+              <a:buChar char="q"/>
+            </a:pPr>
+            <a:endParaRPr lang="en-US" sz="2400" dirty="0" smtClean="0">
+              <a:latin typeface="Bahnschrift" panose="020B0502040204020203" pitchFamily="34" charset="0"/>
+            </a:endParaRPr>
+          </a:p>
+          <a:p>
+            <a:pPr marL="342900" indent="-342900">
+              <a:buFont typeface="Wingdings" panose="05000000000000000000" pitchFamily="2" charset="2"/>
+              <a:buChar char="q"/>
+            </a:pPr>
+            <a:endParaRPr lang="fa-IR" sz="2400" dirty="0">
+              <a:latin typeface="Bahnschrift" panose="020B0502040204020203" pitchFamily="34" charset="0"/>
+            </a:endParaRPr>
+          </a:p>
+        </p:txBody>
+      </p:sp>
+      <p:sp>
+        <p:nvSpPr>
+          <p:cNvPr id="3" name="Rectangle 2"/>
+          <p:cNvSpPr/>
+          <p:nvPr/>
+        </p:nvSpPr>
+        <p:spPr>
+          <a:xfrm>
+            <a:off x="294469" y="406240"/>
+            <a:ext cx="2494594" cy="461665"/>
+          </a:xfrm>
+          <a:prstGeom prst="rect">
+            <a:avLst/>
+          </a:prstGeom>
+        </p:spPr>
+        <p:txBody>
+          <a:bodyPr wrap="none">
+            <a:spAutoFit/>
+          </a:bodyPr>
+          <a:lstStyle/>
+          <a:p>
+            <a:r>
+              <a:rPr lang="fa-IR" sz="2400" dirty="0">
+                <a:latin typeface="Bahnschrift" panose="020B0502040204020203" pitchFamily="34" charset="0"/>
+              </a:rPr>
+              <a:t>Coding in Python</a:t>
+            </a:r>
+          </a:p>
+        </p:txBody>
+      </p:sp>
+    </p:spTree>
+    <p:extLst>
+      <p:ext uri="{BB962C8B-B14F-4D97-AF65-F5344CB8AC3E}">
+        <p14:creationId xmlns:p14="http://schemas.microsoft.com/office/powerpoint/2010/main" val="4085829043"/>
+      </p:ext>
+    </p:extLst>
+  </p:cSld>
+  <p:clrMapOvr>
+    <a:masterClrMapping/>
+  </p:clrMapOvr>
+  <p:timing>
+    <p:tnLst>
+      <p:par>
+        <p:cTn id="1" dur="indefinite" restart="never" nodeType="tmRoot"/>
+      </p:par>
+    </p:tnLst>
+  </p:timing>
+</p:sld>
+</file>
+
+<file path=ppt/slides/slide19.xml><?xml version="1.0" encoding="utf-8"?>
+<p:sld xmlns:a="http://schemas.openxmlformats.org/drawingml/2006/main" xmlns:r="http://schemas.openxmlformats.org/officeDocument/2006/relationships" xmlns:p="http://schemas.openxmlformats.org/presentationml/2006/main">
+  <p:cSld>
+    <p:spTree>
+      <p:nvGrpSpPr>
+        <p:cNvPr id="1" name=""/>
+        <p:cNvGrpSpPr/>
+        <p:nvPr/>
+      </p:nvGrpSpPr>
+      <p:grpSpPr>
+        <a:xfrm>
+          <a:off x="0" y="0"/>
+          <a:ext cx="0" cy="0"/>
+          <a:chOff x="0" y="0"/>
+          <a:chExt cx="0" cy="0"/>
+        </a:xfrm>
+      </p:grpSpPr>
+      <p:sp>
+        <p:nvSpPr>
+          <p:cNvPr id="2" name="TextBox 1"/>
+          <p:cNvSpPr txBox="1"/>
+          <p:nvPr/>
+        </p:nvSpPr>
+        <p:spPr>
+          <a:xfrm>
+            <a:off x="557941" y="1053884"/>
+            <a:ext cx="4029557" cy="6001643"/>
+          </a:xfrm>
+          <a:prstGeom prst="rect">
+            <a:avLst/>
+          </a:prstGeom>
+          <a:noFill/>
+        </p:spPr>
+        <p:txBody>
+          <a:bodyPr wrap="square" rtlCol="1">
+            <a:spAutoFit/>
+          </a:bodyPr>
+          <a:lstStyle/>
+          <a:p>
+            <a:pPr marL="342900" indent="-342900">
+              <a:buFont typeface="Wingdings" panose="05000000000000000000" pitchFamily="2" charset="2"/>
+              <a:buChar char="q"/>
+            </a:pPr>
+            <a:r>
+              <a:rPr lang="en-US" sz="2400" dirty="0" smtClean="0">
+                <a:latin typeface="Bahnschrift" panose="020B0502040204020203" pitchFamily="34" charset="0"/>
+              </a:rPr>
+              <a:t>Start</a:t>
+            </a:r>
+          </a:p>
+          <a:p>
+            <a:pPr marL="342900" indent="-342900">
+              <a:buFont typeface="Wingdings" panose="05000000000000000000" pitchFamily="2" charset="2"/>
+              <a:buChar char="q"/>
+            </a:pPr>
+            <a:r>
+              <a:rPr lang="en-US" sz="2400" dirty="0" smtClean="0">
+                <a:solidFill>
+                  <a:schemeClr val="bg1">
+                    <a:lumMod val="75000"/>
+                  </a:schemeClr>
+                </a:solidFill>
+                <a:latin typeface="Bahnschrift" panose="020B0502040204020203" pitchFamily="34" charset="0"/>
+              </a:rPr>
+              <a:t>Comparison operators</a:t>
+            </a:r>
+          </a:p>
+          <a:p>
+            <a:pPr marL="342900" indent="-342900">
+              <a:buFont typeface="Wingdings" panose="05000000000000000000" pitchFamily="2" charset="2"/>
+              <a:buChar char="q"/>
+            </a:pPr>
+            <a:r>
+              <a:rPr lang="en-US" sz="2400" dirty="0" smtClean="0">
+                <a:solidFill>
+                  <a:schemeClr val="bg1">
+                    <a:lumMod val="75000"/>
+                  </a:schemeClr>
+                </a:solidFill>
+                <a:latin typeface="Bahnschrift" panose="020B0502040204020203" pitchFamily="34" charset="0"/>
+              </a:rPr>
+              <a:t>Logical operators</a:t>
+            </a:r>
+          </a:p>
+          <a:p>
+            <a:pPr marL="342900" indent="-342900">
+              <a:buFont typeface="Wingdings" panose="05000000000000000000" pitchFamily="2" charset="2"/>
+              <a:buChar char="q"/>
+            </a:pPr>
+            <a:r>
+              <a:rPr lang="en-US" sz="2400" dirty="0" smtClean="0">
+                <a:solidFill>
+                  <a:schemeClr val="bg1">
+                    <a:lumMod val="75000"/>
+                  </a:schemeClr>
+                </a:solidFill>
+                <a:latin typeface="Bahnschrift" panose="020B0502040204020203" pitchFamily="34" charset="0"/>
+              </a:rPr>
+              <a:t>Identity operators</a:t>
+            </a:r>
+          </a:p>
+          <a:p>
+            <a:pPr marL="342900" indent="-342900">
+              <a:buFont typeface="Wingdings" panose="05000000000000000000" pitchFamily="2" charset="2"/>
+              <a:buChar char="q"/>
+            </a:pPr>
+            <a:r>
+              <a:rPr lang="en-US" sz="2400" dirty="0" smtClean="0">
+                <a:solidFill>
+                  <a:schemeClr val="bg1">
+                    <a:lumMod val="75000"/>
+                  </a:schemeClr>
+                </a:solidFill>
+                <a:latin typeface="Bahnschrift" panose="020B0502040204020203" pitchFamily="34" charset="0"/>
+              </a:rPr>
+              <a:t>Membership operator</a:t>
+            </a:r>
+          </a:p>
+          <a:p>
+            <a:pPr marL="342900" indent="-342900">
+              <a:buFont typeface="Wingdings" panose="05000000000000000000" pitchFamily="2" charset="2"/>
+              <a:buChar char="q"/>
+            </a:pPr>
+            <a:r>
+              <a:rPr lang="en-US" sz="2400" dirty="0" smtClean="0">
+                <a:solidFill>
+                  <a:schemeClr val="bg1">
+                    <a:lumMod val="75000"/>
+                  </a:schemeClr>
+                </a:solidFill>
+                <a:latin typeface="Bahnschrift" panose="020B0502040204020203" pitchFamily="34" charset="0"/>
+              </a:rPr>
+              <a:t>Condition</a:t>
+            </a:r>
+          </a:p>
+          <a:p>
+            <a:pPr marL="342900" indent="-342900">
+              <a:buFont typeface="Wingdings" panose="05000000000000000000" pitchFamily="2" charset="2"/>
+              <a:buChar char="q"/>
+            </a:pPr>
+            <a:r>
+              <a:rPr lang="en-US" sz="2400" dirty="0" smtClean="0">
+                <a:solidFill>
+                  <a:schemeClr val="bg1">
+                    <a:lumMod val="75000"/>
+                  </a:schemeClr>
+                </a:solidFill>
+                <a:latin typeface="Bahnschrift" panose="020B0502040204020203" pitchFamily="34" charset="0"/>
+              </a:rPr>
+              <a:t>Loop</a:t>
+            </a:r>
+          </a:p>
+          <a:p>
+            <a:pPr marL="342900" indent="-342900">
+              <a:buFont typeface="Wingdings" panose="05000000000000000000" pitchFamily="2" charset="2"/>
+              <a:buChar char="q"/>
+            </a:pPr>
+            <a:r>
+              <a:rPr lang="en-US" sz="2400" dirty="0" smtClean="0">
+                <a:solidFill>
+                  <a:schemeClr val="bg1">
+                    <a:lumMod val="75000"/>
+                  </a:schemeClr>
+                </a:solidFill>
+                <a:latin typeface="Bahnschrift" panose="020B0502040204020203" pitchFamily="34" charset="0"/>
+              </a:rPr>
+              <a:t>Function </a:t>
+            </a:r>
+          </a:p>
+          <a:p>
+            <a:pPr marL="342900" indent="-342900">
+              <a:buFont typeface="Wingdings" panose="05000000000000000000" pitchFamily="2" charset="2"/>
+              <a:buChar char="q"/>
+            </a:pPr>
+            <a:r>
+              <a:rPr lang="en-US" sz="2400" dirty="0" smtClean="0">
+                <a:solidFill>
+                  <a:schemeClr val="bg1">
+                    <a:lumMod val="75000"/>
+                  </a:schemeClr>
+                </a:solidFill>
+                <a:latin typeface="Bahnschrift" panose="020B0502040204020203" pitchFamily="34" charset="0"/>
+              </a:rPr>
+              <a:t>Modules</a:t>
+            </a:r>
+          </a:p>
+          <a:p>
+            <a:pPr marL="342900" indent="-342900">
+              <a:buFont typeface="Wingdings" panose="05000000000000000000" pitchFamily="2" charset="2"/>
+              <a:buChar char="q"/>
+            </a:pPr>
+            <a:r>
+              <a:rPr lang="en-US" sz="2400" dirty="0" smtClean="0">
+                <a:solidFill>
+                  <a:schemeClr val="bg1">
+                    <a:lumMod val="75000"/>
+                  </a:schemeClr>
+                </a:solidFill>
+                <a:latin typeface="Bahnschrift" panose="020B0502040204020203" pitchFamily="34" charset="0"/>
+              </a:rPr>
+              <a:t>Method</a:t>
+            </a:r>
+          </a:p>
+          <a:p>
+            <a:pPr marL="342900" indent="-342900">
+              <a:buFont typeface="Wingdings" panose="05000000000000000000" pitchFamily="2" charset="2"/>
+              <a:buChar char="q"/>
+            </a:pPr>
+            <a:r>
+              <a:rPr lang="en-US" sz="2400" dirty="0" smtClean="0">
+                <a:solidFill>
+                  <a:schemeClr val="bg1">
+                    <a:lumMod val="75000"/>
+                  </a:schemeClr>
+                </a:solidFill>
+                <a:latin typeface="Bahnschrift" panose="020B0502040204020203" pitchFamily="34" charset="0"/>
+              </a:rPr>
+              <a:t>List slice </a:t>
+            </a:r>
+          </a:p>
+          <a:p>
+            <a:pPr marL="342900" indent="-342900">
+              <a:buFont typeface="Wingdings" panose="05000000000000000000" pitchFamily="2" charset="2"/>
+              <a:buChar char="q"/>
+            </a:pPr>
+            <a:r>
+              <a:rPr lang="en-US" sz="2400" dirty="0" smtClean="0">
+                <a:solidFill>
+                  <a:schemeClr val="bg1">
+                    <a:lumMod val="75000"/>
+                  </a:schemeClr>
+                </a:solidFill>
+                <a:latin typeface="Bahnschrift" panose="020B0502040204020203" pitchFamily="34" charset="0"/>
+              </a:rPr>
+              <a:t>String</a:t>
+            </a:r>
+          </a:p>
+          <a:p>
+            <a:pPr marL="342900" indent="-342900">
+              <a:buFont typeface="Wingdings" panose="05000000000000000000" pitchFamily="2" charset="2"/>
+              <a:buChar char="q"/>
+            </a:pPr>
+            <a:r>
+              <a:rPr lang="en-US" sz="2400" dirty="0" smtClean="0">
+                <a:solidFill>
+                  <a:schemeClr val="bg1">
+                    <a:lumMod val="75000"/>
+                  </a:schemeClr>
+                </a:solidFill>
+                <a:latin typeface="Bahnschrift" panose="020B0502040204020203" pitchFamily="34" charset="0"/>
+              </a:rPr>
+              <a:t>Encoding</a:t>
+            </a:r>
+          </a:p>
+          <a:p>
+            <a:pPr marL="342900" indent="-342900">
+              <a:buFont typeface="Wingdings" panose="05000000000000000000" pitchFamily="2" charset="2"/>
+              <a:buChar char="q"/>
+            </a:pPr>
+            <a:r>
+              <a:rPr lang="en-US" sz="2400" dirty="0" smtClean="0">
+                <a:solidFill>
+                  <a:schemeClr val="bg1">
+                    <a:lumMod val="75000"/>
+                  </a:schemeClr>
+                </a:solidFill>
+                <a:latin typeface="Bahnschrift" panose="020B0502040204020203" pitchFamily="34" charset="0"/>
+              </a:rPr>
+              <a:t>String Method</a:t>
+            </a:r>
+          </a:p>
+          <a:p>
+            <a:pPr marL="342900" indent="-342900">
+              <a:buFont typeface="Wingdings" panose="05000000000000000000" pitchFamily="2" charset="2"/>
+              <a:buChar char="q"/>
+            </a:pPr>
+            <a:endParaRPr lang="en-US" sz="2400" dirty="0" smtClean="0">
+              <a:latin typeface="Bahnschrift" panose="020B0502040204020203" pitchFamily="34" charset="0"/>
+            </a:endParaRPr>
+          </a:p>
+          <a:p>
+            <a:pPr marL="342900" indent="-342900">
+              <a:buFont typeface="Wingdings" panose="05000000000000000000" pitchFamily="2" charset="2"/>
+              <a:buChar char="q"/>
+            </a:pPr>
+            <a:endParaRPr lang="fa-IR" sz="2400" dirty="0">
+              <a:latin typeface="Bahnschrift" panose="020B0502040204020203" pitchFamily="34" charset="0"/>
+            </a:endParaRPr>
+          </a:p>
+        </p:txBody>
+      </p:sp>
+      <p:sp>
+        <p:nvSpPr>
+          <p:cNvPr id="3" name="Rectangle 2"/>
+          <p:cNvSpPr/>
+          <p:nvPr/>
+        </p:nvSpPr>
+        <p:spPr>
+          <a:xfrm>
+            <a:off x="294469" y="406240"/>
+            <a:ext cx="2494594" cy="461665"/>
+          </a:xfrm>
+          <a:prstGeom prst="rect">
+            <a:avLst/>
+          </a:prstGeom>
+        </p:spPr>
+        <p:txBody>
+          <a:bodyPr wrap="none">
+            <a:spAutoFit/>
+          </a:bodyPr>
+          <a:lstStyle/>
+          <a:p>
+            <a:r>
+              <a:rPr lang="fa-IR" sz="2400" dirty="0">
+                <a:latin typeface="Bahnschrift" panose="020B0502040204020203" pitchFamily="34" charset="0"/>
+              </a:rPr>
+              <a:t>Coding in Python</a:t>
+            </a:r>
+          </a:p>
+        </p:txBody>
+      </p:sp>
+    </p:spTree>
+    <p:extLst>
+      <p:ext uri="{BB962C8B-B14F-4D97-AF65-F5344CB8AC3E}">
+        <p14:creationId xmlns:p14="http://schemas.microsoft.com/office/powerpoint/2010/main" val="4275991258"/>
       </p:ext>
     </p:extLst>
   </p:cSld>
@@ -4278,8 +11242,8 @@
         </p:blipFill>
         <p:spPr>
           <a:xfrm>
-            <a:off x="193709" y="1574809"/>
-            <a:ext cx="5070656" cy="4582902"/>
+            <a:off x="205502" y="1574809"/>
+            <a:ext cx="5301218" cy="4582902"/>
           </a:xfrm>
           <a:prstGeom prst="rect">
             <a:avLst/>
@@ -4340,14 +11304,11 @@
           <a:p>
             <a:pPr algn="ctr"/>
             <a:r>
-              <a:rPr lang="fa-IR" sz="2800" dirty="0" smtClean="0">
+              <a:rPr lang="fa-IR" sz="2800" dirty="0">
                 <a:cs typeface="B Traffic" panose="00000400000000000000" pitchFamily="2" charset="-78"/>
               </a:rPr>
               <a:t>نصب پایتون</a:t>
             </a:r>
-            <a:endParaRPr lang="fa-IR" sz="2800" dirty="0">
-              <a:cs typeface="B Traffic" panose="00000400000000000000" pitchFamily="2" charset="-78"/>
-            </a:endParaRPr>
           </a:p>
         </p:txBody>
       </p:sp>
@@ -4410,8 +11371,8 @@
         </p:blipFill>
         <p:spPr>
           <a:xfrm>
-            <a:off x="6429836" y="1574809"/>
-            <a:ext cx="5426368" cy="4582902"/>
+            <a:off x="6307909" y="1574809"/>
+            <a:ext cx="5548295" cy="4582902"/>
           </a:xfrm>
           <a:prstGeom prst="rect">
             <a:avLst/>
@@ -4639,6 +11600,910 @@
     <p:extLst>
       <p:ext uri="{BB962C8B-B14F-4D97-AF65-F5344CB8AC3E}">
         <p14:creationId xmlns:p14="http://schemas.microsoft.com/office/powerpoint/2010/main" val="2425735688"/>
+      </p:ext>
+    </p:extLst>
+  </p:cSld>
+  <p:clrMapOvr>
+    <a:masterClrMapping/>
+  </p:clrMapOvr>
+  <p:timing>
+    <p:tnLst>
+      <p:par>
+        <p:cTn id="1" dur="indefinite" restart="never" nodeType="tmRoot"/>
+      </p:par>
+    </p:tnLst>
+  </p:timing>
+</p:sld>
+</file>
+
+<file path=ppt/slides/slide20.xml><?xml version="1.0" encoding="utf-8"?>
+<p:sld xmlns:a="http://schemas.openxmlformats.org/drawingml/2006/main" xmlns:r="http://schemas.openxmlformats.org/officeDocument/2006/relationships" xmlns:p="http://schemas.openxmlformats.org/presentationml/2006/main">
+  <p:cSld>
+    <p:spTree>
+      <p:nvGrpSpPr>
+        <p:cNvPr id="1" name=""/>
+        <p:cNvGrpSpPr/>
+        <p:nvPr/>
+      </p:nvGrpSpPr>
+      <p:grpSpPr>
+        <a:xfrm>
+          <a:off x="0" y="0"/>
+          <a:ext cx="0" cy="0"/>
+          <a:chOff x="0" y="0"/>
+          <a:chExt cx="0" cy="0"/>
+        </a:xfrm>
+      </p:grpSpPr>
+      <p:sp>
+        <p:nvSpPr>
+          <p:cNvPr id="2" name="TextBox 1"/>
+          <p:cNvSpPr txBox="1"/>
+          <p:nvPr/>
+        </p:nvSpPr>
+        <p:spPr>
+          <a:xfrm>
+            <a:off x="557941" y="1053884"/>
+            <a:ext cx="4029557" cy="6001643"/>
+          </a:xfrm>
+          <a:prstGeom prst="rect">
+            <a:avLst/>
+          </a:prstGeom>
+          <a:noFill/>
+        </p:spPr>
+        <p:txBody>
+          <a:bodyPr wrap="square" rtlCol="1">
+            <a:spAutoFit/>
+          </a:bodyPr>
+          <a:lstStyle/>
+          <a:p>
+            <a:pPr marL="342900" indent="-342900">
+              <a:buFont typeface="Wingdings" panose="05000000000000000000" pitchFamily="2" charset="2"/>
+              <a:buChar char="q"/>
+            </a:pPr>
+            <a:r>
+              <a:rPr lang="en-US" sz="2400" dirty="0" smtClean="0">
+                <a:latin typeface="Bahnschrift" panose="020B0502040204020203" pitchFamily="34" charset="0"/>
+              </a:rPr>
+              <a:t>Start</a:t>
+            </a:r>
+          </a:p>
+          <a:p>
+            <a:pPr marL="342900" indent="-342900">
+              <a:buFont typeface="Wingdings" panose="05000000000000000000" pitchFamily="2" charset="2"/>
+              <a:buChar char="q"/>
+            </a:pPr>
+            <a:r>
+              <a:rPr lang="en-US" sz="2400" dirty="0" smtClean="0">
+                <a:solidFill>
+                  <a:schemeClr val="bg1">
+                    <a:lumMod val="75000"/>
+                  </a:schemeClr>
+                </a:solidFill>
+                <a:latin typeface="Bahnschrift" panose="020B0502040204020203" pitchFamily="34" charset="0"/>
+              </a:rPr>
+              <a:t>Comparison operators</a:t>
+            </a:r>
+          </a:p>
+          <a:p>
+            <a:pPr marL="342900" indent="-342900">
+              <a:buFont typeface="Wingdings" panose="05000000000000000000" pitchFamily="2" charset="2"/>
+              <a:buChar char="q"/>
+            </a:pPr>
+            <a:r>
+              <a:rPr lang="en-US" sz="2400" dirty="0" smtClean="0">
+                <a:solidFill>
+                  <a:schemeClr val="bg1">
+                    <a:lumMod val="75000"/>
+                  </a:schemeClr>
+                </a:solidFill>
+                <a:latin typeface="Bahnschrift" panose="020B0502040204020203" pitchFamily="34" charset="0"/>
+              </a:rPr>
+              <a:t>Logical operators</a:t>
+            </a:r>
+          </a:p>
+          <a:p>
+            <a:pPr marL="342900" indent="-342900">
+              <a:buFont typeface="Wingdings" panose="05000000000000000000" pitchFamily="2" charset="2"/>
+              <a:buChar char="q"/>
+            </a:pPr>
+            <a:r>
+              <a:rPr lang="en-US" sz="2400" dirty="0" smtClean="0">
+                <a:solidFill>
+                  <a:schemeClr val="bg1">
+                    <a:lumMod val="75000"/>
+                  </a:schemeClr>
+                </a:solidFill>
+                <a:latin typeface="Bahnschrift" panose="020B0502040204020203" pitchFamily="34" charset="0"/>
+              </a:rPr>
+              <a:t>Identity operators</a:t>
+            </a:r>
+          </a:p>
+          <a:p>
+            <a:pPr marL="342900" indent="-342900">
+              <a:buFont typeface="Wingdings" panose="05000000000000000000" pitchFamily="2" charset="2"/>
+              <a:buChar char="q"/>
+            </a:pPr>
+            <a:r>
+              <a:rPr lang="en-US" sz="2400" dirty="0" smtClean="0">
+                <a:solidFill>
+                  <a:schemeClr val="bg1">
+                    <a:lumMod val="75000"/>
+                  </a:schemeClr>
+                </a:solidFill>
+                <a:latin typeface="Bahnschrift" panose="020B0502040204020203" pitchFamily="34" charset="0"/>
+              </a:rPr>
+              <a:t>Membership operator</a:t>
+            </a:r>
+          </a:p>
+          <a:p>
+            <a:pPr marL="342900" indent="-342900">
+              <a:buFont typeface="Wingdings" panose="05000000000000000000" pitchFamily="2" charset="2"/>
+              <a:buChar char="q"/>
+            </a:pPr>
+            <a:r>
+              <a:rPr lang="en-US" sz="2400" dirty="0" smtClean="0">
+                <a:solidFill>
+                  <a:schemeClr val="bg1">
+                    <a:lumMod val="75000"/>
+                  </a:schemeClr>
+                </a:solidFill>
+                <a:latin typeface="Bahnschrift" panose="020B0502040204020203" pitchFamily="34" charset="0"/>
+              </a:rPr>
+              <a:t>Condition</a:t>
+            </a:r>
+          </a:p>
+          <a:p>
+            <a:pPr marL="342900" indent="-342900">
+              <a:buFont typeface="Wingdings" panose="05000000000000000000" pitchFamily="2" charset="2"/>
+              <a:buChar char="q"/>
+            </a:pPr>
+            <a:r>
+              <a:rPr lang="en-US" sz="2400" dirty="0" smtClean="0">
+                <a:solidFill>
+                  <a:schemeClr val="bg1">
+                    <a:lumMod val="75000"/>
+                  </a:schemeClr>
+                </a:solidFill>
+                <a:latin typeface="Bahnschrift" panose="020B0502040204020203" pitchFamily="34" charset="0"/>
+              </a:rPr>
+              <a:t>Loop</a:t>
+            </a:r>
+          </a:p>
+          <a:p>
+            <a:pPr marL="342900" indent="-342900">
+              <a:buFont typeface="Wingdings" panose="05000000000000000000" pitchFamily="2" charset="2"/>
+              <a:buChar char="q"/>
+            </a:pPr>
+            <a:r>
+              <a:rPr lang="en-US" sz="2400" dirty="0" smtClean="0">
+                <a:solidFill>
+                  <a:schemeClr val="bg1">
+                    <a:lumMod val="75000"/>
+                  </a:schemeClr>
+                </a:solidFill>
+                <a:latin typeface="Bahnschrift" panose="020B0502040204020203" pitchFamily="34" charset="0"/>
+              </a:rPr>
+              <a:t>Function </a:t>
+            </a:r>
+          </a:p>
+          <a:p>
+            <a:pPr marL="342900" indent="-342900">
+              <a:buFont typeface="Wingdings" panose="05000000000000000000" pitchFamily="2" charset="2"/>
+              <a:buChar char="q"/>
+            </a:pPr>
+            <a:r>
+              <a:rPr lang="en-US" sz="2400" dirty="0" smtClean="0">
+                <a:solidFill>
+                  <a:schemeClr val="bg1">
+                    <a:lumMod val="75000"/>
+                  </a:schemeClr>
+                </a:solidFill>
+                <a:latin typeface="Bahnschrift" panose="020B0502040204020203" pitchFamily="34" charset="0"/>
+              </a:rPr>
+              <a:t>Modules</a:t>
+            </a:r>
+          </a:p>
+          <a:p>
+            <a:pPr marL="342900" indent="-342900">
+              <a:buFont typeface="Wingdings" panose="05000000000000000000" pitchFamily="2" charset="2"/>
+              <a:buChar char="q"/>
+            </a:pPr>
+            <a:r>
+              <a:rPr lang="en-US" sz="2400" dirty="0" smtClean="0">
+                <a:solidFill>
+                  <a:schemeClr val="bg1">
+                    <a:lumMod val="75000"/>
+                  </a:schemeClr>
+                </a:solidFill>
+                <a:latin typeface="Bahnschrift" panose="020B0502040204020203" pitchFamily="34" charset="0"/>
+              </a:rPr>
+              <a:t>Method</a:t>
+            </a:r>
+          </a:p>
+          <a:p>
+            <a:pPr marL="342900" indent="-342900">
+              <a:buFont typeface="Wingdings" panose="05000000000000000000" pitchFamily="2" charset="2"/>
+              <a:buChar char="q"/>
+            </a:pPr>
+            <a:r>
+              <a:rPr lang="en-US" sz="2400" dirty="0" smtClean="0">
+                <a:solidFill>
+                  <a:schemeClr val="bg1">
+                    <a:lumMod val="75000"/>
+                  </a:schemeClr>
+                </a:solidFill>
+                <a:latin typeface="Bahnschrift" panose="020B0502040204020203" pitchFamily="34" charset="0"/>
+              </a:rPr>
+              <a:t>List slice </a:t>
+            </a:r>
+          </a:p>
+          <a:p>
+            <a:pPr marL="342900" indent="-342900">
+              <a:buFont typeface="Wingdings" panose="05000000000000000000" pitchFamily="2" charset="2"/>
+              <a:buChar char="q"/>
+            </a:pPr>
+            <a:r>
+              <a:rPr lang="en-US" sz="2400" dirty="0" smtClean="0">
+                <a:solidFill>
+                  <a:schemeClr val="bg1">
+                    <a:lumMod val="75000"/>
+                  </a:schemeClr>
+                </a:solidFill>
+                <a:latin typeface="Bahnschrift" panose="020B0502040204020203" pitchFamily="34" charset="0"/>
+              </a:rPr>
+              <a:t>String</a:t>
+            </a:r>
+          </a:p>
+          <a:p>
+            <a:pPr marL="342900" indent="-342900">
+              <a:buFont typeface="Wingdings" panose="05000000000000000000" pitchFamily="2" charset="2"/>
+              <a:buChar char="q"/>
+            </a:pPr>
+            <a:r>
+              <a:rPr lang="en-US" sz="2400" dirty="0" smtClean="0">
+                <a:solidFill>
+                  <a:schemeClr val="bg1">
+                    <a:lumMod val="75000"/>
+                  </a:schemeClr>
+                </a:solidFill>
+                <a:latin typeface="Bahnschrift" panose="020B0502040204020203" pitchFamily="34" charset="0"/>
+              </a:rPr>
+              <a:t>Encoding</a:t>
+            </a:r>
+          </a:p>
+          <a:p>
+            <a:pPr marL="342900" indent="-342900">
+              <a:buFont typeface="Wingdings" panose="05000000000000000000" pitchFamily="2" charset="2"/>
+              <a:buChar char="q"/>
+            </a:pPr>
+            <a:r>
+              <a:rPr lang="en-US" sz="2400" dirty="0" smtClean="0">
+                <a:solidFill>
+                  <a:schemeClr val="bg1">
+                    <a:lumMod val="75000"/>
+                  </a:schemeClr>
+                </a:solidFill>
+                <a:latin typeface="Bahnschrift" panose="020B0502040204020203" pitchFamily="34" charset="0"/>
+              </a:rPr>
+              <a:t>String Method</a:t>
+            </a:r>
+          </a:p>
+          <a:p>
+            <a:pPr marL="342900" indent="-342900">
+              <a:buFont typeface="Wingdings" panose="05000000000000000000" pitchFamily="2" charset="2"/>
+              <a:buChar char="q"/>
+            </a:pPr>
+            <a:endParaRPr lang="en-US" sz="2400" dirty="0" smtClean="0">
+              <a:latin typeface="Bahnschrift" panose="020B0502040204020203" pitchFamily="34" charset="0"/>
+            </a:endParaRPr>
+          </a:p>
+          <a:p>
+            <a:pPr marL="342900" indent="-342900">
+              <a:buFont typeface="Wingdings" panose="05000000000000000000" pitchFamily="2" charset="2"/>
+              <a:buChar char="q"/>
+            </a:pPr>
+            <a:endParaRPr lang="fa-IR" sz="2400" dirty="0">
+              <a:latin typeface="Bahnschrift" panose="020B0502040204020203" pitchFamily="34" charset="0"/>
+            </a:endParaRPr>
+          </a:p>
+        </p:txBody>
+      </p:sp>
+      <p:sp>
+        <p:nvSpPr>
+          <p:cNvPr id="3" name="Rectangle 2"/>
+          <p:cNvSpPr/>
+          <p:nvPr/>
+        </p:nvSpPr>
+        <p:spPr>
+          <a:xfrm>
+            <a:off x="294469" y="406240"/>
+            <a:ext cx="2494594" cy="461665"/>
+          </a:xfrm>
+          <a:prstGeom prst="rect">
+            <a:avLst/>
+          </a:prstGeom>
+        </p:spPr>
+        <p:txBody>
+          <a:bodyPr wrap="none">
+            <a:spAutoFit/>
+          </a:bodyPr>
+          <a:lstStyle/>
+          <a:p>
+            <a:r>
+              <a:rPr lang="fa-IR" sz="2400" dirty="0">
+                <a:latin typeface="Bahnschrift" panose="020B0502040204020203" pitchFamily="34" charset="0"/>
+              </a:rPr>
+              <a:t>Coding in Python</a:t>
+            </a:r>
+          </a:p>
+        </p:txBody>
+      </p:sp>
+    </p:spTree>
+    <p:extLst>
+      <p:ext uri="{BB962C8B-B14F-4D97-AF65-F5344CB8AC3E}">
+        <p14:creationId xmlns:p14="http://schemas.microsoft.com/office/powerpoint/2010/main" val="405612195"/>
+      </p:ext>
+    </p:extLst>
+  </p:cSld>
+  <p:clrMapOvr>
+    <a:masterClrMapping/>
+  </p:clrMapOvr>
+  <p:timing>
+    <p:tnLst>
+      <p:par>
+        <p:cTn id="1" dur="indefinite" restart="never" nodeType="tmRoot"/>
+      </p:par>
+    </p:tnLst>
+  </p:timing>
+</p:sld>
+</file>
+
+<file path=ppt/slides/slide21.xml><?xml version="1.0" encoding="utf-8"?>
+<p:sld xmlns:a="http://schemas.openxmlformats.org/drawingml/2006/main" xmlns:r="http://schemas.openxmlformats.org/officeDocument/2006/relationships" xmlns:p="http://schemas.openxmlformats.org/presentationml/2006/main">
+  <p:cSld>
+    <p:spTree>
+      <p:nvGrpSpPr>
+        <p:cNvPr id="1" name=""/>
+        <p:cNvGrpSpPr/>
+        <p:nvPr/>
+      </p:nvGrpSpPr>
+      <p:grpSpPr>
+        <a:xfrm>
+          <a:off x="0" y="0"/>
+          <a:ext cx="0" cy="0"/>
+          <a:chOff x="0" y="0"/>
+          <a:chExt cx="0" cy="0"/>
+        </a:xfrm>
+      </p:grpSpPr>
+      <p:sp>
+        <p:nvSpPr>
+          <p:cNvPr id="2" name="TextBox 1"/>
+          <p:cNvSpPr txBox="1"/>
+          <p:nvPr/>
+        </p:nvSpPr>
+        <p:spPr>
+          <a:xfrm>
+            <a:off x="557941" y="1053884"/>
+            <a:ext cx="4029557" cy="6001643"/>
+          </a:xfrm>
+          <a:prstGeom prst="rect">
+            <a:avLst/>
+          </a:prstGeom>
+          <a:noFill/>
+        </p:spPr>
+        <p:txBody>
+          <a:bodyPr wrap="square" rtlCol="1">
+            <a:spAutoFit/>
+          </a:bodyPr>
+          <a:lstStyle/>
+          <a:p>
+            <a:pPr marL="342900" indent="-342900">
+              <a:buFont typeface="Wingdings" panose="05000000000000000000" pitchFamily="2" charset="2"/>
+              <a:buChar char="q"/>
+            </a:pPr>
+            <a:r>
+              <a:rPr lang="en-US" sz="2400" dirty="0" smtClean="0">
+                <a:latin typeface="Bahnschrift" panose="020B0502040204020203" pitchFamily="34" charset="0"/>
+              </a:rPr>
+              <a:t>Start</a:t>
+            </a:r>
+          </a:p>
+          <a:p>
+            <a:pPr marL="342900" indent="-342900">
+              <a:buFont typeface="Wingdings" panose="05000000000000000000" pitchFamily="2" charset="2"/>
+              <a:buChar char="q"/>
+            </a:pPr>
+            <a:r>
+              <a:rPr lang="en-US" sz="2400" dirty="0" smtClean="0">
+                <a:solidFill>
+                  <a:schemeClr val="bg1">
+                    <a:lumMod val="75000"/>
+                  </a:schemeClr>
+                </a:solidFill>
+                <a:latin typeface="Bahnschrift" panose="020B0502040204020203" pitchFamily="34" charset="0"/>
+              </a:rPr>
+              <a:t>Comparison operators</a:t>
+            </a:r>
+          </a:p>
+          <a:p>
+            <a:pPr marL="342900" indent="-342900">
+              <a:buFont typeface="Wingdings" panose="05000000000000000000" pitchFamily="2" charset="2"/>
+              <a:buChar char="q"/>
+            </a:pPr>
+            <a:r>
+              <a:rPr lang="en-US" sz="2400" dirty="0" smtClean="0">
+                <a:solidFill>
+                  <a:schemeClr val="bg1">
+                    <a:lumMod val="75000"/>
+                  </a:schemeClr>
+                </a:solidFill>
+                <a:latin typeface="Bahnschrift" panose="020B0502040204020203" pitchFamily="34" charset="0"/>
+              </a:rPr>
+              <a:t>Logical operators</a:t>
+            </a:r>
+          </a:p>
+          <a:p>
+            <a:pPr marL="342900" indent="-342900">
+              <a:buFont typeface="Wingdings" panose="05000000000000000000" pitchFamily="2" charset="2"/>
+              <a:buChar char="q"/>
+            </a:pPr>
+            <a:r>
+              <a:rPr lang="en-US" sz="2400" dirty="0" smtClean="0">
+                <a:solidFill>
+                  <a:schemeClr val="bg1">
+                    <a:lumMod val="75000"/>
+                  </a:schemeClr>
+                </a:solidFill>
+                <a:latin typeface="Bahnschrift" panose="020B0502040204020203" pitchFamily="34" charset="0"/>
+              </a:rPr>
+              <a:t>Identity operators</a:t>
+            </a:r>
+          </a:p>
+          <a:p>
+            <a:pPr marL="342900" indent="-342900">
+              <a:buFont typeface="Wingdings" panose="05000000000000000000" pitchFamily="2" charset="2"/>
+              <a:buChar char="q"/>
+            </a:pPr>
+            <a:r>
+              <a:rPr lang="en-US" sz="2400" dirty="0" smtClean="0">
+                <a:solidFill>
+                  <a:schemeClr val="bg1">
+                    <a:lumMod val="75000"/>
+                  </a:schemeClr>
+                </a:solidFill>
+                <a:latin typeface="Bahnschrift" panose="020B0502040204020203" pitchFamily="34" charset="0"/>
+              </a:rPr>
+              <a:t>Membership operator</a:t>
+            </a:r>
+          </a:p>
+          <a:p>
+            <a:pPr marL="342900" indent="-342900">
+              <a:buFont typeface="Wingdings" panose="05000000000000000000" pitchFamily="2" charset="2"/>
+              <a:buChar char="q"/>
+            </a:pPr>
+            <a:r>
+              <a:rPr lang="en-US" sz="2400" dirty="0" smtClean="0">
+                <a:solidFill>
+                  <a:schemeClr val="bg1">
+                    <a:lumMod val="75000"/>
+                  </a:schemeClr>
+                </a:solidFill>
+                <a:latin typeface="Bahnschrift" panose="020B0502040204020203" pitchFamily="34" charset="0"/>
+              </a:rPr>
+              <a:t>Condition</a:t>
+            </a:r>
+          </a:p>
+          <a:p>
+            <a:pPr marL="342900" indent="-342900">
+              <a:buFont typeface="Wingdings" panose="05000000000000000000" pitchFamily="2" charset="2"/>
+              <a:buChar char="q"/>
+            </a:pPr>
+            <a:r>
+              <a:rPr lang="en-US" sz="2400" dirty="0" smtClean="0">
+                <a:solidFill>
+                  <a:schemeClr val="bg1">
+                    <a:lumMod val="75000"/>
+                  </a:schemeClr>
+                </a:solidFill>
+                <a:latin typeface="Bahnschrift" panose="020B0502040204020203" pitchFamily="34" charset="0"/>
+              </a:rPr>
+              <a:t>Loop</a:t>
+            </a:r>
+          </a:p>
+          <a:p>
+            <a:pPr marL="342900" indent="-342900">
+              <a:buFont typeface="Wingdings" panose="05000000000000000000" pitchFamily="2" charset="2"/>
+              <a:buChar char="q"/>
+            </a:pPr>
+            <a:r>
+              <a:rPr lang="en-US" sz="2400" dirty="0" smtClean="0">
+                <a:solidFill>
+                  <a:schemeClr val="bg1">
+                    <a:lumMod val="75000"/>
+                  </a:schemeClr>
+                </a:solidFill>
+                <a:latin typeface="Bahnschrift" panose="020B0502040204020203" pitchFamily="34" charset="0"/>
+              </a:rPr>
+              <a:t>Function </a:t>
+            </a:r>
+          </a:p>
+          <a:p>
+            <a:pPr marL="342900" indent="-342900">
+              <a:buFont typeface="Wingdings" panose="05000000000000000000" pitchFamily="2" charset="2"/>
+              <a:buChar char="q"/>
+            </a:pPr>
+            <a:r>
+              <a:rPr lang="en-US" sz="2400" dirty="0" smtClean="0">
+                <a:solidFill>
+                  <a:schemeClr val="bg1">
+                    <a:lumMod val="75000"/>
+                  </a:schemeClr>
+                </a:solidFill>
+                <a:latin typeface="Bahnschrift" panose="020B0502040204020203" pitchFamily="34" charset="0"/>
+              </a:rPr>
+              <a:t>Modules</a:t>
+            </a:r>
+          </a:p>
+          <a:p>
+            <a:pPr marL="342900" indent="-342900">
+              <a:buFont typeface="Wingdings" panose="05000000000000000000" pitchFamily="2" charset="2"/>
+              <a:buChar char="q"/>
+            </a:pPr>
+            <a:r>
+              <a:rPr lang="en-US" sz="2400" dirty="0" smtClean="0">
+                <a:solidFill>
+                  <a:schemeClr val="bg1">
+                    <a:lumMod val="75000"/>
+                  </a:schemeClr>
+                </a:solidFill>
+                <a:latin typeface="Bahnschrift" panose="020B0502040204020203" pitchFamily="34" charset="0"/>
+              </a:rPr>
+              <a:t>Method</a:t>
+            </a:r>
+          </a:p>
+          <a:p>
+            <a:pPr marL="342900" indent="-342900">
+              <a:buFont typeface="Wingdings" panose="05000000000000000000" pitchFamily="2" charset="2"/>
+              <a:buChar char="q"/>
+            </a:pPr>
+            <a:r>
+              <a:rPr lang="en-US" sz="2400" dirty="0" smtClean="0">
+                <a:solidFill>
+                  <a:schemeClr val="bg1">
+                    <a:lumMod val="75000"/>
+                  </a:schemeClr>
+                </a:solidFill>
+                <a:latin typeface="Bahnschrift" panose="020B0502040204020203" pitchFamily="34" charset="0"/>
+              </a:rPr>
+              <a:t>List slice </a:t>
+            </a:r>
+          </a:p>
+          <a:p>
+            <a:pPr marL="342900" indent="-342900">
+              <a:buFont typeface="Wingdings" panose="05000000000000000000" pitchFamily="2" charset="2"/>
+              <a:buChar char="q"/>
+            </a:pPr>
+            <a:r>
+              <a:rPr lang="en-US" sz="2400" dirty="0" smtClean="0">
+                <a:solidFill>
+                  <a:schemeClr val="bg1">
+                    <a:lumMod val="75000"/>
+                  </a:schemeClr>
+                </a:solidFill>
+                <a:latin typeface="Bahnschrift" panose="020B0502040204020203" pitchFamily="34" charset="0"/>
+              </a:rPr>
+              <a:t>String</a:t>
+            </a:r>
+          </a:p>
+          <a:p>
+            <a:pPr marL="342900" indent="-342900">
+              <a:buFont typeface="Wingdings" panose="05000000000000000000" pitchFamily="2" charset="2"/>
+              <a:buChar char="q"/>
+            </a:pPr>
+            <a:r>
+              <a:rPr lang="en-US" sz="2400" dirty="0" smtClean="0">
+                <a:solidFill>
+                  <a:schemeClr val="bg1">
+                    <a:lumMod val="75000"/>
+                  </a:schemeClr>
+                </a:solidFill>
+                <a:latin typeface="Bahnschrift" panose="020B0502040204020203" pitchFamily="34" charset="0"/>
+              </a:rPr>
+              <a:t>Encoding</a:t>
+            </a:r>
+          </a:p>
+          <a:p>
+            <a:pPr marL="342900" indent="-342900">
+              <a:buFont typeface="Wingdings" panose="05000000000000000000" pitchFamily="2" charset="2"/>
+              <a:buChar char="q"/>
+            </a:pPr>
+            <a:r>
+              <a:rPr lang="en-US" sz="2400" dirty="0" smtClean="0">
+                <a:solidFill>
+                  <a:schemeClr val="bg1">
+                    <a:lumMod val="75000"/>
+                  </a:schemeClr>
+                </a:solidFill>
+                <a:latin typeface="Bahnschrift" panose="020B0502040204020203" pitchFamily="34" charset="0"/>
+              </a:rPr>
+              <a:t>String Method</a:t>
+            </a:r>
+          </a:p>
+          <a:p>
+            <a:pPr marL="342900" indent="-342900">
+              <a:buFont typeface="Wingdings" panose="05000000000000000000" pitchFamily="2" charset="2"/>
+              <a:buChar char="q"/>
+            </a:pPr>
+            <a:endParaRPr lang="en-US" sz="2400" dirty="0" smtClean="0">
+              <a:latin typeface="Bahnschrift" panose="020B0502040204020203" pitchFamily="34" charset="0"/>
+            </a:endParaRPr>
+          </a:p>
+          <a:p>
+            <a:pPr marL="342900" indent="-342900">
+              <a:buFont typeface="Wingdings" panose="05000000000000000000" pitchFamily="2" charset="2"/>
+              <a:buChar char="q"/>
+            </a:pPr>
+            <a:endParaRPr lang="fa-IR" sz="2400" dirty="0">
+              <a:latin typeface="Bahnschrift" panose="020B0502040204020203" pitchFamily="34" charset="0"/>
+            </a:endParaRPr>
+          </a:p>
+        </p:txBody>
+      </p:sp>
+      <p:sp>
+        <p:nvSpPr>
+          <p:cNvPr id="3" name="Rectangle 2"/>
+          <p:cNvSpPr/>
+          <p:nvPr/>
+        </p:nvSpPr>
+        <p:spPr>
+          <a:xfrm>
+            <a:off x="294469" y="406240"/>
+            <a:ext cx="2494594" cy="461665"/>
+          </a:xfrm>
+          <a:prstGeom prst="rect">
+            <a:avLst/>
+          </a:prstGeom>
+        </p:spPr>
+        <p:txBody>
+          <a:bodyPr wrap="none">
+            <a:spAutoFit/>
+          </a:bodyPr>
+          <a:lstStyle/>
+          <a:p>
+            <a:r>
+              <a:rPr lang="fa-IR" sz="2400" dirty="0">
+                <a:latin typeface="Bahnschrift" panose="020B0502040204020203" pitchFamily="34" charset="0"/>
+              </a:rPr>
+              <a:t>Coding in Python</a:t>
+            </a:r>
+          </a:p>
+        </p:txBody>
+      </p:sp>
+    </p:spTree>
+    <p:extLst>
+      <p:ext uri="{BB962C8B-B14F-4D97-AF65-F5344CB8AC3E}">
+        <p14:creationId xmlns:p14="http://schemas.microsoft.com/office/powerpoint/2010/main" val="1536782622"/>
+      </p:ext>
+    </p:extLst>
+  </p:cSld>
+  <p:clrMapOvr>
+    <a:masterClrMapping/>
+  </p:clrMapOvr>
+  <p:timing>
+    <p:tnLst>
+      <p:par>
+        <p:cTn id="1" dur="indefinite" restart="never" nodeType="tmRoot"/>
+      </p:par>
+    </p:tnLst>
+  </p:timing>
+</p:sld>
+</file>
+
+<file path=ppt/slides/slide22.xml><?xml version="1.0" encoding="utf-8"?>
+<p:sld xmlns:a="http://schemas.openxmlformats.org/drawingml/2006/main" xmlns:r="http://schemas.openxmlformats.org/officeDocument/2006/relationships" xmlns:p="http://schemas.openxmlformats.org/presentationml/2006/main">
+  <p:cSld>
+    <p:spTree>
+      <p:nvGrpSpPr>
+        <p:cNvPr id="1" name=""/>
+        <p:cNvGrpSpPr/>
+        <p:nvPr/>
+      </p:nvGrpSpPr>
+      <p:grpSpPr>
+        <a:xfrm>
+          <a:off x="0" y="0"/>
+          <a:ext cx="0" cy="0"/>
+          <a:chOff x="0" y="0"/>
+          <a:chExt cx="0" cy="0"/>
+        </a:xfrm>
+      </p:grpSpPr>
+    </p:spTree>
+    <p:extLst>
+      <p:ext uri="{BB962C8B-B14F-4D97-AF65-F5344CB8AC3E}">
+        <p14:creationId xmlns:p14="http://schemas.microsoft.com/office/powerpoint/2010/main" val="4225096058"/>
+      </p:ext>
+    </p:extLst>
+  </p:cSld>
+  <p:clrMapOvr>
+    <a:masterClrMapping/>
+  </p:clrMapOvr>
+  <p:timing>
+    <p:tnLst>
+      <p:par>
+        <p:cTn id="1" dur="indefinite" restart="never" nodeType="tmRoot"/>
+      </p:par>
+    </p:tnLst>
+  </p:timing>
+</p:sld>
+</file>
+
+<file path=ppt/slides/slide23.xml><?xml version="1.0" encoding="utf-8"?>
+<p:sld xmlns:a="http://schemas.openxmlformats.org/drawingml/2006/main" xmlns:r="http://schemas.openxmlformats.org/officeDocument/2006/relationships" xmlns:p="http://schemas.openxmlformats.org/presentationml/2006/main">
+  <p:cSld>
+    <p:spTree>
+      <p:nvGrpSpPr>
+        <p:cNvPr id="1" name=""/>
+        <p:cNvGrpSpPr/>
+        <p:nvPr/>
+      </p:nvGrpSpPr>
+      <p:grpSpPr>
+        <a:xfrm>
+          <a:off x="0" y="0"/>
+          <a:ext cx="0" cy="0"/>
+          <a:chOff x="0" y="0"/>
+          <a:chExt cx="0" cy="0"/>
+        </a:xfrm>
+      </p:grpSpPr>
+    </p:spTree>
+    <p:extLst>
+      <p:ext uri="{BB962C8B-B14F-4D97-AF65-F5344CB8AC3E}">
+        <p14:creationId xmlns:p14="http://schemas.microsoft.com/office/powerpoint/2010/main" val="2398551278"/>
+      </p:ext>
+    </p:extLst>
+  </p:cSld>
+  <p:clrMapOvr>
+    <a:masterClrMapping/>
+  </p:clrMapOvr>
+  <p:timing>
+    <p:tnLst>
+      <p:par>
+        <p:cTn id="1" dur="indefinite" restart="never" nodeType="tmRoot"/>
+      </p:par>
+    </p:tnLst>
+  </p:timing>
+</p:sld>
+</file>
+
+<file path=ppt/slides/slide24.xml><?xml version="1.0" encoding="utf-8"?>
+<p:sld xmlns:a="http://schemas.openxmlformats.org/drawingml/2006/main" xmlns:r="http://schemas.openxmlformats.org/officeDocument/2006/relationships" xmlns:p="http://schemas.openxmlformats.org/presentationml/2006/main">
+  <p:cSld>
+    <p:spTree>
+      <p:nvGrpSpPr>
+        <p:cNvPr id="1" name=""/>
+        <p:cNvGrpSpPr/>
+        <p:nvPr/>
+      </p:nvGrpSpPr>
+      <p:grpSpPr>
+        <a:xfrm>
+          <a:off x="0" y="0"/>
+          <a:ext cx="0" cy="0"/>
+          <a:chOff x="0" y="0"/>
+          <a:chExt cx="0" cy="0"/>
+        </a:xfrm>
+      </p:grpSpPr>
+    </p:spTree>
+    <p:extLst>
+      <p:ext uri="{BB962C8B-B14F-4D97-AF65-F5344CB8AC3E}">
+        <p14:creationId xmlns:p14="http://schemas.microsoft.com/office/powerpoint/2010/main" val="652349991"/>
+      </p:ext>
+    </p:extLst>
+  </p:cSld>
+  <p:clrMapOvr>
+    <a:masterClrMapping/>
+  </p:clrMapOvr>
+  <p:timing>
+    <p:tnLst>
+      <p:par>
+        <p:cTn id="1" dur="indefinite" restart="never" nodeType="tmRoot"/>
+      </p:par>
+    </p:tnLst>
+  </p:timing>
+</p:sld>
+</file>
+
+<file path=ppt/slides/slide25.xml><?xml version="1.0" encoding="utf-8"?>
+<p:sld xmlns:a="http://schemas.openxmlformats.org/drawingml/2006/main" xmlns:r="http://schemas.openxmlformats.org/officeDocument/2006/relationships" xmlns:p="http://schemas.openxmlformats.org/presentationml/2006/main">
+  <p:cSld>
+    <p:spTree>
+      <p:nvGrpSpPr>
+        <p:cNvPr id="1" name=""/>
+        <p:cNvGrpSpPr/>
+        <p:nvPr/>
+      </p:nvGrpSpPr>
+      <p:grpSpPr>
+        <a:xfrm>
+          <a:off x="0" y="0"/>
+          <a:ext cx="0" cy="0"/>
+          <a:chOff x="0" y="0"/>
+          <a:chExt cx="0" cy="0"/>
+        </a:xfrm>
+      </p:grpSpPr>
+    </p:spTree>
+    <p:extLst>
+      <p:ext uri="{BB962C8B-B14F-4D97-AF65-F5344CB8AC3E}">
+        <p14:creationId xmlns:p14="http://schemas.microsoft.com/office/powerpoint/2010/main" val="183845290"/>
+      </p:ext>
+    </p:extLst>
+  </p:cSld>
+  <p:clrMapOvr>
+    <a:masterClrMapping/>
+  </p:clrMapOvr>
+  <p:timing>
+    <p:tnLst>
+      <p:par>
+        <p:cTn id="1" dur="indefinite" restart="never" nodeType="tmRoot"/>
+      </p:par>
+    </p:tnLst>
+  </p:timing>
+</p:sld>
+</file>
+
+<file path=ppt/slides/slide26.xml><?xml version="1.0" encoding="utf-8"?>
+<p:sld xmlns:a="http://schemas.openxmlformats.org/drawingml/2006/main" xmlns:r="http://schemas.openxmlformats.org/officeDocument/2006/relationships" xmlns:p="http://schemas.openxmlformats.org/presentationml/2006/main">
+  <p:cSld>
+    <p:spTree>
+      <p:nvGrpSpPr>
+        <p:cNvPr id="1" name=""/>
+        <p:cNvGrpSpPr/>
+        <p:nvPr/>
+      </p:nvGrpSpPr>
+      <p:grpSpPr>
+        <a:xfrm>
+          <a:off x="0" y="0"/>
+          <a:ext cx="0" cy="0"/>
+          <a:chOff x="0" y="0"/>
+          <a:chExt cx="0" cy="0"/>
+        </a:xfrm>
+      </p:grpSpPr>
+    </p:spTree>
+    <p:extLst>
+      <p:ext uri="{BB962C8B-B14F-4D97-AF65-F5344CB8AC3E}">
+        <p14:creationId xmlns:p14="http://schemas.microsoft.com/office/powerpoint/2010/main" val="3317835479"/>
+      </p:ext>
+    </p:extLst>
+  </p:cSld>
+  <p:clrMapOvr>
+    <a:masterClrMapping/>
+  </p:clrMapOvr>
+  <p:timing>
+    <p:tnLst>
+      <p:par>
+        <p:cTn id="1" dur="indefinite" restart="never" nodeType="tmRoot"/>
+      </p:par>
+    </p:tnLst>
+  </p:timing>
+</p:sld>
+</file>
+
+<file path=ppt/slides/slide27.xml><?xml version="1.0" encoding="utf-8"?>
+<p:sld xmlns:a="http://schemas.openxmlformats.org/drawingml/2006/main" xmlns:r="http://schemas.openxmlformats.org/officeDocument/2006/relationships" xmlns:p="http://schemas.openxmlformats.org/presentationml/2006/main">
+  <p:cSld>
+    <p:spTree>
+      <p:nvGrpSpPr>
+        <p:cNvPr id="1" name=""/>
+        <p:cNvGrpSpPr/>
+        <p:nvPr/>
+      </p:nvGrpSpPr>
+      <p:grpSpPr>
+        <a:xfrm>
+          <a:off x="0" y="0"/>
+          <a:ext cx="0" cy="0"/>
+          <a:chOff x="0" y="0"/>
+          <a:chExt cx="0" cy="0"/>
+        </a:xfrm>
+      </p:grpSpPr>
+    </p:spTree>
+    <p:extLst>
+      <p:ext uri="{BB962C8B-B14F-4D97-AF65-F5344CB8AC3E}">
+        <p14:creationId xmlns:p14="http://schemas.microsoft.com/office/powerpoint/2010/main" val="1337121556"/>
       </p:ext>
     </p:extLst>
   </p:cSld>
@@ -4688,7 +12553,7 @@
         <p:spPr>
           <a:xfrm>
             <a:off x="201478" y="1534363"/>
-            <a:ext cx="5169413" cy="4587465"/>
+            <a:ext cx="5386522" cy="4587465"/>
           </a:xfrm>
           <a:prstGeom prst="rect">
             <a:avLst/>
@@ -4846,14 +12711,11 @@
           <a:p>
             <a:pPr algn="ctr"/>
             <a:r>
-              <a:rPr lang="fa-IR" sz="2800" dirty="0" smtClean="0">
+              <a:rPr lang="fa-IR" sz="2800" dirty="0">
                 <a:cs typeface="B Traffic" panose="00000400000000000000" pitchFamily="2" charset="-78"/>
               </a:rPr>
               <a:t>نصب پایتون</a:t>
             </a:r>
-            <a:endParaRPr lang="fa-IR" sz="2800" dirty="0">
-              <a:cs typeface="B Traffic" panose="00000400000000000000" pitchFamily="2" charset="-78"/>
-            </a:endParaRPr>
           </a:p>
         </p:txBody>
       </p:sp>
@@ -4872,8 +12734,8 @@
         </p:blipFill>
         <p:spPr>
           <a:xfrm>
-            <a:off x="6485842" y="1588569"/>
-            <a:ext cx="5277372" cy="4510009"/>
+            <a:off x="6383713" y="1542081"/>
+            <a:ext cx="5386522" cy="4510009"/>
           </a:xfrm>
           <a:prstGeom prst="rect">
             <a:avLst/>
@@ -4983,14 +12845,11 @@
           <a:p>
             <a:pPr algn="ctr"/>
             <a:r>
-              <a:rPr lang="fa-IR" sz="3600" dirty="0" smtClean="0">
+              <a:rPr lang="fa-IR" sz="3600" dirty="0">
                 <a:cs typeface="B Yekan" panose="00000400000000000000" pitchFamily="2" charset="-78"/>
               </a:rPr>
               <a:t>4</a:t>
             </a:r>
-            <a:endParaRPr lang="fa-IR" sz="3600" dirty="0">
-              <a:cs typeface="B Yekan" panose="00000400000000000000" pitchFamily="2" charset="-78"/>
-            </a:endParaRPr>
           </a:p>
         </p:txBody>
       </p:sp>
@@ -5002,7 +12861,7 @@
         </p:nvSpPr>
         <p:spPr>
           <a:xfrm>
-            <a:off x="5631543" y="3265714"/>
+            <a:off x="5706159" y="3429000"/>
             <a:ext cx="551543" cy="566057"/>
           </a:xfrm>
           <a:prstGeom prst="rightArrow">
@@ -5283,14 +13142,11 @@
           <a:p>
             <a:pPr algn="ctr"/>
             <a:r>
-              <a:rPr lang="fa-IR" sz="2800" dirty="0" smtClean="0">
+              <a:rPr lang="fa-IR" sz="2800" dirty="0">
                 <a:cs typeface="B Traffic" panose="00000400000000000000" pitchFamily="2" charset="-78"/>
               </a:rPr>
               <a:t>نصب پایتون</a:t>
             </a:r>
-            <a:endParaRPr lang="fa-IR" sz="2800" dirty="0">
-              <a:cs typeface="B Traffic" panose="00000400000000000000" pitchFamily="2" charset="-78"/>
-            </a:endParaRPr>
           </a:p>
         </p:txBody>
       </p:sp>
@@ -5339,14 +13195,11 @@
           <a:p>
             <a:pPr algn="ctr"/>
             <a:r>
-              <a:rPr lang="fa-IR" sz="3600" dirty="0" smtClean="0">
+              <a:rPr lang="fa-IR" sz="3600" dirty="0">
                 <a:cs typeface="B Yekan" panose="00000400000000000000" pitchFamily="2" charset="-78"/>
               </a:rPr>
               <a:t>5</a:t>
             </a:r>
-            <a:endParaRPr lang="fa-IR" sz="3600" dirty="0">
-              <a:cs typeface="B Yekan" panose="00000400000000000000" pitchFamily="2" charset="-78"/>
-            </a:endParaRPr>
           </a:p>
         </p:txBody>
       </p:sp>
@@ -5395,14 +13248,11 @@
           <a:p>
             <a:pPr algn="ctr"/>
             <a:r>
-              <a:rPr lang="fa-IR" sz="3600" dirty="0" smtClean="0">
+              <a:rPr lang="fa-IR" sz="3600" dirty="0">
                 <a:cs typeface="B Yekan" panose="00000400000000000000" pitchFamily="2" charset="-78"/>
               </a:rPr>
               <a:t>6</a:t>
             </a:r>
-            <a:endParaRPr lang="fa-IR" sz="3600" dirty="0">
-              <a:cs typeface="B Yekan" panose="00000400000000000000" pitchFamily="2" charset="-78"/>
-            </a:endParaRPr>
           </a:p>
         </p:txBody>
       </p:sp>
@@ -5614,14 +13464,11 @@
           <a:p>
             <a:pPr algn="ctr"/>
             <a:r>
-              <a:rPr lang="fa-IR" sz="2800" dirty="0" smtClean="0">
+              <a:rPr lang="fa-IR" sz="2800" dirty="0">
                 <a:cs typeface="B Traffic" panose="00000400000000000000" pitchFamily="2" charset="-78"/>
               </a:rPr>
               <a:t>نصب پایتون</a:t>
             </a:r>
-            <a:endParaRPr lang="fa-IR" sz="2800" dirty="0">
-              <a:cs typeface="B Traffic" panose="00000400000000000000" pitchFamily="2" charset="-78"/>
-            </a:endParaRPr>
           </a:p>
         </p:txBody>
       </p:sp>
@@ -5715,7 +13562,7 @@
                 <a:t>I</a:t>
               </a:r>
               <a:r>
-                <a:rPr lang="fa-IR" sz="2000" dirty="0" smtClean="0">
+                <a:rPr lang="fa-IR" sz="2000" dirty="0">
                   <a:solidFill>
                     <a:schemeClr val="bg1"/>
                   </a:solidFill>
@@ -5733,7 +13580,7 @@
                 <a:t>D</a:t>
               </a:r>
               <a:r>
-                <a:rPr lang="fa-IR" sz="2000" dirty="0" smtClean="0">
+                <a:rPr lang="fa-IR" sz="2000" dirty="0">
                   <a:solidFill>
                     <a:schemeClr val="bg1"/>
                   </a:solidFill>
@@ -5751,7 +13598,7 @@
                 <a:t>E</a:t>
               </a:r>
               <a:r>
-                <a:rPr lang="fa-IR" sz="2000" dirty="0" smtClean="0">
+                <a:rPr lang="fa-IR" sz="2000" dirty="0">
                   <a:solidFill>
                     <a:schemeClr val="bg1"/>
                   </a:solidFill>
@@ -5760,7 +13607,7 @@
                 <a:t>nvironment</a:t>
               </a:r>
               <a:r>
-                <a:rPr lang="en-US" sz="2000" dirty="0" smtClean="0">
+                <a:rPr lang="en-US" sz="2000" dirty="0">
                   <a:solidFill>
                     <a:schemeClr val="bg1"/>
                   </a:solidFill>
@@ -5812,10 +13659,1596 @@
           </p:txBody>
         </p:sp>
       </p:grpSp>
+      <p:pic>
+        <p:nvPicPr>
+          <p:cNvPr id="1026" name="Picture 2">
+            <a:extLst>
+              <a:ext uri="{FF2B5EF4-FFF2-40B4-BE49-F238E27FC236}">
+                <a16:creationId xmlns:a16="http://schemas.microsoft.com/office/drawing/2014/main" id="{8A5817A1-D6B3-424C-BBF9-830A80093CFA}"/>
+              </a:ext>
+            </a:extLst>
+          </p:cNvPr>
+          <p:cNvPicPr>
+            <a:picLocks noChangeAspect="1" noChangeArrowheads="1"/>
+          </p:cNvPicPr>
+          <p:nvPr/>
+        </p:nvPicPr>
+        <p:blipFill>
+          <a:blip r:embed="rId3" cstate="print">
+            <a:extLst>
+              <a:ext uri="{28A0092B-C50C-407E-A947-70E740481C1C}">
+                <a14:useLocalDpi xmlns:a14="http://schemas.microsoft.com/office/drawing/2010/main" val="0"/>
+              </a:ext>
+            </a:extLst>
+          </a:blip>
+          <a:srcRect/>
+          <a:stretch>
+            <a:fillRect/>
+          </a:stretch>
+        </p:blipFill>
+        <p:spPr bwMode="auto">
+          <a:xfrm>
+            <a:off x="7662981" y="1743503"/>
+            <a:ext cx="1325880" cy="1325880"/>
+          </a:xfrm>
+          <a:prstGeom prst="rect">
+            <a:avLst/>
+          </a:prstGeom>
+          <a:noFill/>
+          <a:extLst>
+            <a:ext uri="{909E8E84-426E-40DD-AFC4-6F175D3DCCD1}">
+              <a14:hiddenFill xmlns:a14="http://schemas.microsoft.com/office/drawing/2010/main">
+                <a:solidFill>
+                  <a:srgbClr val="FFFFFF"/>
+                </a:solidFill>
+              </a14:hiddenFill>
+            </a:ext>
+          </a:extLst>
+        </p:spPr>
+      </p:pic>
+      <p:pic>
+        <p:nvPicPr>
+          <p:cNvPr id="1028" name="Picture 4">
+            <a:extLst>
+              <a:ext uri="{FF2B5EF4-FFF2-40B4-BE49-F238E27FC236}">
+                <a16:creationId xmlns:a16="http://schemas.microsoft.com/office/drawing/2014/main" id="{28DC5501-E818-4BC8-9C00-3AF24DADAA5D}"/>
+              </a:ext>
+            </a:extLst>
+          </p:cNvPr>
+          <p:cNvPicPr>
+            <a:picLocks noChangeAspect="1" noChangeArrowheads="1"/>
+          </p:cNvPicPr>
+          <p:nvPr/>
+        </p:nvPicPr>
+        <p:blipFill>
+          <a:blip r:embed="rId4">
+            <a:extLst>
+              <a:ext uri="{28A0092B-C50C-407E-A947-70E740481C1C}">
+                <a14:useLocalDpi xmlns:a14="http://schemas.microsoft.com/office/drawing/2010/main" val="0"/>
+              </a:ext>
+            </a:extLst>
+          </a:blip>
+          <a:srcRect/>
+          <a:stretch>
+            <a:fillRect/>
+          </a:stretch>
+        </p:blipFill>
+        <p:spPr bwMode="auto">
+          <a:xfrm>
+            <a:off x="9956409" y="1155429"/>
+            <a:ext cx="1325880" cy="1321460"/>
+          </a:xfrm>
+          <a:prstGeom prst="rect">
+            <a:avLst/>
+          </a:prstGeom>
+          <a:noFill/>
+          <a:extLst>
+            <a:ext uri="{909E8E84-426E-40DD-AFC4-6F175D3DCCD1}">
+              <a14:hiddenFill xmlns:a14="http://schemas.microsoft.com/office/drawing/2010/main">
+                <a:solidFill>
+                  <a:srgbClr val="FFFFFF"/>
+                </a:solidFill>
+              </a14:hiddenFill>
+            </a:ext>
+          </a:extLst>
+        </p:spPr>
+      </p:pic>
+      <p:pic>
+        <p:nvPicPr>
+          <p:cNvPr id="1030" name="Picture 6">
+            <a:extLst>
+              <a:ext uri="{FF2B5EF4-FFF2-40B4-BE49-F238E27FC236}">
+                <a16:creationId xmlns:a16="http://schemas.microsoft.com/office/drawing/2014/main" id="{746F281C-4E41-4A2A-9E85-9CC851C79632}"/>
+              </a:ext>
+            </a:extLst>
+          </p:cNvPr>
+          <p:cNvPicPr>
+            <a:picLocks noChangeAspect="1" noChangeArrowheads="1"/>
+          </p:cNvPicPr>
+          <p:nvPr/>
+        </p:nvPicPr>
+        <p:blipFill>
+          <a:blip r:embed="rId5" cstate="print">
+            <a:extLst>
+              <a:ext uri="{28A0092B-C50C-407E-A947-70E740481C1C}">
+                <a14:useLocalDpi xmlns:a14="http://schemas.microsoft.com/office/drawing/2010/main" val="0"/>
+              </a:ext>
+            </a:extLst>
+          </a:blip>
+          <a:srcRect/>
+          <a:stretch>
+            <a:fillRect/>
+          </a:stretch>
+        </p:blipFill>
+        <p:spPr bwMode="auto">
+          <a:xfrm>
+            <a:off x="9269195" y="2586910"/>
+            <a:ext cx="1346274" cy="1232967"/>
+          </a:xfrm>
+          <a:prstGeom prst="rect">
+            <a:avLst/>
+          </a:prstGeom>
+          <a:noFill/>
+          <a:extLst>
+            <a:ext uri="{909E8E84-426E-40DD-AFC4-6F175D3DCCD1}">
+              <a14:hiddenFill xmlns:a14="http://schemas.microsoft.com/office/drawing/2010/main">
+                <a:solidFill>
+                  <a:srgbClr val="FFFFFF"/>
+                </a:solidFill>
+              </a14:hiddenFill>
+            </a:ext>
+          </a:extLst>
+        </p:spPr>
+      </p:pic>
+      <p:pic>
+        <p:nvPicPr>
+          <p:cNvPr id="1034" name="Picture 10" descr="Spyder IDE logo and wordmark">
+            <a:extLst>
+              <a:ext uri="{FF2B5EF4-FFF2-40B4-BE49-F238E27FC236}">
+                <a16:creationId xmlns:a16="http://schemas.microsoft.com/office/drawing/2014/main" id="{343C675E-6D04-4DD1-B9F5-9F97B8B4C7EB}"/>
+              </a:ext>
+            </a:extLst>
+          </p:cNvPr>
+          <p:cNvPicPr>
+            <a:picLocks noChangeAspect="1" noChangeArrowheads="1"/>
+          </p:cNvPicPr>
+          <p:nvPr/>
+        </p:nvPicPr>
+        <p:blipFill>
+          <a:blip r:embed="rId6" cstate="print">
+            <a:extLst>
+              <a:ext uri="{28A0092B-C50C-407E-A947-70E740481C1C}">
+                <a14:useLocalDpi xmlns:a14="http://schemas.microsoft.com/office/drawing/2010/main" val="0"/>
+              </a:ext>
+            </a:extLst>
+          </a:blip>
+          <a:srcRect/>
+          <a:stretch>
+            <a:fillRect/>
+          </a:stretch>
+        </p:blipFill>
+        <p:spPr bwMode="auto">
+          <a:xfrm>
+            <a:off x="6700099" y="3466601"/>
+            <a:ext cx="3431596" cy="1715798"/>
+          </a:xfrm>
+          <a:prstGeom prst="rect">
+            <a:avLst/>
+          </a:prstGeom>
+          <a:noFill/>
+          <a:extLst>
+            <a:ext uri="{909E8E84-426E-40DD-AFC4-6F175D3DCCD1}">
+              <a14:hiddenFill xmlns:a14="http://schemas.microsoft.com/office/drawing/2010/main">
+                <a:solidFill>
+                  <a:srgbClr val="FFFFFF"/>
+                </a:solidFill>
+              </a14:hiddenFill>
+            </a:ext>
+          </a:extLst>
+        </p:spPr>
+      </p:pic>
+      <p:pic>
+        <p:nvPicPr>
+          <p:cNvPr id="1036" name="Picture 12">
+            <a:extLst>
+              <a:ext uri="{FF2B5EF4-FFF2-40B4-BE49-F238E27FC236}">
+                <a16:creationId xmlns:a16="http://schemas.microsoft.com/office/drawing/2014/main" id="{8922C0CA-B697-48EC-9784-2E545F0F34EB}"/>
+              </a:ext>
+            </a:extLst>
+          </p:cNvPr>
+          <p:cNvPicPr>
+            <a:picLocks noChangeAspect="1" noChangeArrowheads="1"/>
+          </p:cNvPicPr>
+          <p:nvPr/>
+        </p:nvPicPr>
+        <p:blipFill>
+          <a:blip r:embed="rId7">
+            <a:extLst>
+              <a:ext uri="{28A0092B-C50C-407E-A947-70E740481C1C}">
+                <a14:useLocalDpi xmlns:a14="http://schemas.microsoft.com/office/drawing/2010/main" val="0"/>
+              </a:ext>
+            </a:extLst>
+          </a:blip>
+          <a:srcRect/>
+          <a:stretch>
+            <a:fillRect/>
+          </a:stretch>
+        </p:blipFill>
+        <p:spPr bwMode="auto">
+          <a:xfrm>
+            <a:off x="9733698" y="4147285"/>
+            <a:ext cx="1763542" cy="1763542"/>
+          </a:xfrm>
+          <a:prstGeom prst="rect">
+            <a:avLst/>
+          </a:prstGeom>
+          <a:noFill/>
+          <a:extLst>
+            <a:ext uri="{909E8E84-426E-40DD-AFC4-6F175D3DCCD1}">
+              <a14:hiddenFill xmlns:a14="http://schemas.microsoft.com/office/drawing/2010/main">
+                <a:solidFill>
+                  <a:srgbClr val="FFFFFF"/>
+                </a:solidFill>
+              </a14:hiddenFill>
+            </a:ext>
+          </a:extLst>
+        </p:spPr>
+      </p:pic>
     </p:spTree>
     <p:extLst>
       <p:ext uri="{BB962C8B-B14F-4D97-AF65-F5344CB8AC3E}">
         <p14:creationId xmlns:p14="http://schemas.microsoft.com/office/powerpoint/2010/main" val="4284425210"/>
+      </p:ext>
+    </p:extLst>
+  </p:cSld>
+  <p:clrMapOvr>
+    <a:masterClrMapping/>
+  </p:clrMapOvr>
+  <p:timing>
+    <p:tnLst>
+      <p:par>
+        <p:cTn id="1" dur="indefinite" restart="never" nodeType="tmRoot"/>
+      </p:par>
+    </p:tnLst>
+  </p:timing>
+</p:sld>
+</file>
+
+<file path=ppt/slides/slide6.xml><?xml version="1.0" encoding="utf-8"?>
+<p:sld xmlns:a="http://schemas.openxmlformats.org/drawingml/2006/main" xmlns:r="http://schemas.openxmlformats.org/officeDocument/2006/relationships" xmlns:p="http://schemas.openxmlformats.org/presentationml/2006/main">
+  <p:cSld>
+    <p:spTree>
+      <p:nvGrpSpPr>
+        <p:cNvPr id="1" name=""/>
+        <p:cNvGrpSpPr/>
+        <p:nvPr/>
+      </p:nvGrpSpPr>
+      <p:grpSpPr>
+        <a:xfrm>
+          <a:off x="0" y="0"/>
+          <a:ext cx="0" cy="0"/>
+          <a:chOff x="0" y="0"/>
+          <a:chExt cx="0" cy="0"/>
+        </a:xfrm>
+      </p:grpSpPr>
+      <p:pic>
+        <p:nvPicPr>
+          <p:cNvPr id="5" name="Picture 4">
+            <a:extLst>
+              <a:ext uri="{FF2B5EF4-FFF2-40B4-BE49-F238E27FC236}">
+                <a16:creationId xmlns:a16="http://schemas.microsoft.com/office/drawing/2014/main" id="{9134E04A-17A2-4893-90BC-890320A26BDF}"/>
+              </a:ext>
+            </a:extLst>
+          </p:cNvPr>
+          <p:cNvPicPr>
+            <a:picLocks noChangeAspect="1"/>
+          </p:cNvPicPr>
+          <p:nvPr/>
+        </p:nvPicPr>
+        <p:blipFill rotWithShape="1">
+          <a:blip r:embed="rId2"/>
+          <a:srcRect l="24750" t="21925" r="26083" b="6520"/>
+          <a:stretch/>
+        </p:blipFill>
+        <p:spPr>
+          <a:xfrm>
+            <a:off x="2415368" y="907298"/>
+            <a:ext cx="7091680" cy="5805562"/>
+          </a:xfrm>
+          <a:prstGeom prst="rect">
+            <a:avLst/>
+          </a:prstGeom>
+        </p:spPr>
+      </p:pic>
+      <p:sp>
+        <p:nvSpPr>
+          <p:cNvPr id="10" name="Rounded Rectangle 2">
+            <a:extLst>
+              <a:ext uri="{FF2B5EF4-FFF2-40B4-BE49-F238E27FC236}">
+                <a16:creationId xmlns:a16="http://schemas.microsoft.com/office/drawing/2014/main" id="{F0744AAA-6676-44AB-BF83-4A81F44D63BF}"/>
+              </a:ext>
+            </a:extLst>
+          </p:cNvPr>
+          <p:cNvSpPr/>
+          <p:nvPr/>
+        </p:nvSpPr>
+        <p:spPr>
+          <a:xfrm>
+            <a:off x="4068736" y="238441"/>
+            <a:ext cx="3790367" cy="608437"/>
+          </a:xfrm>
+          <a:prstGeom prst="roundRect">
+            <a:avLst/>
+          </a:prstGeom>
+          <a:solidFill>
+            <a:srgbClr val="A84554"/>
+          </a:solidFill>
+        </p:spPr>
+        <p:style>
+          <a:lnRef idx="2">
+            <a:schemeClr val="accent1">
+              <a:shade val="50000"/>
+            </a:schemeClr>
+          </a:lnRef>
+          <a:fillRef idx="1">
+            <a:schemeClr val="accent1"/>
+          </a:fillRef>
+          <a:effectRef idx="0">
+            <a:schemeClr val="accent1"/>
+          </a:effectRef>
+          <a:fontRef idx="minor">
+            <a:schemeClr val="lt1"/>
+          </a:fontRef>
+        </p:style>
+        <p:txBody>
+          <a:bodyPr rtlCol="1" anchor="ctr"/>
+          <a:lstStyle/>
+          <a:p>
+            <a:pPr algn="ctr"/>
+            <a:endParaRPr lang="fa-IR" sz="2800" dirty="0">
+              <a:cs typeface="B Traffic" panose="00000400000000000000" pitchFamily="2" charset="-78"/>
+            </a:endParaRPr>
+          </a:p>
+        </p:txBody>
+      </p:sp>
+      <p:sp>
+        <p:nvSpPr>
+          <p:cNvPr id="11" name="TextBox 10">
+            <a:extLst>
+              <a:ext uri="{FF2B5EF4-FFF2-40B4-BE49-F238E27FC236}">
+                <a16:creationId xmlns:a16="http://schemas.microsoft.com/office/drawing/2014/main" id="{FFF6E35C-04BC-4C99-9942-CD5BAC223413}"/>
+              </a:ext>
+            </a:extLst>
+          </p:cNvPr>
+          <p:cNvSpPr txBox="1"/>
+          <p:nvPr/>
+        </p:nvSpPr>
+        <p:spPr>
+          <a:xfrm>
+            <a:off x="4160177" y="301666"/>
+            <a:ext cx="3602063" cy="461665"/>
+          </a:xfrm>
+          <a:prstGeom prst="rect">
+            <a:avLst/>
+          </a:prstGeom>
+          <a:noFill/>
+        </p:spPr>
+        <p:txBody>
+          <a:bodyPr wrap="square">
+            <a:spAutoFit/>
+          </a:bodyPr>
+          <a:lstStyle/>
+          <a:p>
+            <a:r>
+              <a:rPr lang="en-US" sz="2400" b="0" i="0" dirty="0">
+                <a:solidFill>
+                  <a:schemeClr val="bg1"/>
+                </a:solidFill>
+                <a:effectLst/>
+                <a:latin typeface="Bahnschrift" panose="020B0502040204020203" pitchFamily="34" charset="0"/>
+              </a:rPr>
+              <a:t>Python IDE for beginners</a:t>
+            </a:r>
+            <a:endParaRPr lang="en-US" sz="2400" dirty="0">
+              <a:solidFill>
+                <a:schemeClr val="bg1"/>
+              </a:solidFill>
+              <a:latin typeface="Bahnschrift" panose="020B0502040204020203" pitchFamily="34" charset="0"/>
+            </a:endParaRPr>
+          </a:p>
+        </p:txBody>
+      </p:sp>
+    </p:spTree>
+    <p:extLst>
+      <p:ext uri="{BB962C8B-B14F-4D97-AF65-F5344CB8AC3E}">
+        <p14:creationId xmlns:p14="http://schemas.microsoft.com/office/powerpoint/2010/main" val="2995899634"/>
+      </p:ext>
+    </p:extLst>
+  </p:cSld>
+  <p:clrMapOvr>
+    <a:masterClrMapping/>
+  </p:clrMapOvr>
+  <p:timing>
+    <p:tnLst>
+      <p:par>
+        <p:cTn id="1" dur="indefinite" restart="never" nodeType="tmRoot"/>
+      </p:par>
+    </p:tnLst>
+  </p:timing>
+</p:sld>
+</file>
+
+<file path=ppt/slides/slide7.xml><?xml version="1.0" encoding="utf-8"?>
+<p:sld xmlns:a="http://schemas.openxmlformats.org/drawingml/2006/main" xmlns:r="http://schemas.openxmlformats.org/officeDocument/2006/relationships" xmlns:p="http://schemas.openxmlformats.org/presentationml/2006/main">
+  <p:cSld>
+    <p:spTree>
+      <p:nvGrpSpPr>
+        <p:cNvPr id="1" name=""/>
+        <p:cNvGrpSpPr/>
+        <p:nvPr/>
+      </p:nvGrpSpPr>
+      <p:grpSpPr>
+        <a:xfrm>
+          <a:off x="0" y="0"/>
+          <a:ext cx="0" cy="0"/>
+          <a:chOff x="0" y="0"/>
+          <a:chExt cx="0" cy="0"/>
+        </a:xfrm>
+      </p:grpSpPr>
+      <p:pic>
+        <p:nvPicPr>
+          <p:cNvPr id="6148" name="Picture 4" descr="How to Install Pip on Windows - ActiveState">
+            <a:extLst>
+              <a:ext uri="{FF2B5EF4-FFF2-40B4-BE49-F238E27FC236}">
+                <a16:creationId xmlns:a16="http://schemas.microsoft.com/office/drawing/2014/main" id="{498102D4-9D0F-4620-A6F4-5E4174CC1DE4}"/>
+              </a:ext>
+            </a:extLst>
+          </p:cNvPr>
+          <p:cNvPicPr>
+            <a:picLocks noChangeAspect="1" noChangeArrowheads="1"/>
+          </p:cNvPicPr>
+          <p:nvPr/>
+        </p:nvPicPr>
+        <p:blipFill>
+          <a:blip r:embed="rId2">
+            <a:extLst>
+              <a:ext uri="{28A0092B-C50C-407E-A947-70E740481C1C}">
+                <a14:useLocalDpi xmlns:a14="http://schemas.microsoft.com/office/drawing/2010/main" val="0"/>
+              </a:ext>
+            </a:extLst>
+          </a:blip>
+          <a:srcRect/>
+          <a:stretch>
+            <a:fillRect/>
+          </a:stretch>
+        </p:blipFill>
+        <p:spPr bwMode="auto">
+          <a:xfrm>
+            <a:off x="2373568" y="1132114"/>
+            <a:ext cx="7588553" cy="4075883"/>
+          </a:xfrm>
+          <a:prstGeom prst="rect">
+            <a:avLst/>
+          </a:prstGeom>
+          <a:noFill/>
+          <a:extLst>
+            <a:ext uri="{909E8E84-426E-40DD-AFC4-6F175D3DCCD1}">
+              <a14:hiddenFill xmlns:a14="http://schemas.microsoft.com/office/drawing/2010/main">
+                <a:solidFill>
+                  <a:srgbClr val="FFFFFF"/>
+                </a:solidFill>
+              </a14:hiddenFill>
+            </a:ext>
+          </a:extLst>
+        </p:spPr>
+      </p:pic>
+      <p:sp>
+        <p:nvSpPr>
+          <p:cNvPr id="8" name="Rounded Rectangle 2">
+            <a:extLst>
+              <a:ext uri="{FF2B5EF4-FFF2-40B4-BE49-F238E27FC236}">
+                <a16:creationId xmlns:a16="http://schemas.microsoft.com/office/drawing/2014/main" id="{7184B851-9CB0-4515-BF05-4B33A88AA105}"/>
+              </a:ext>
+            </a:extLst>
+          </p:cNvPr>
+          <p:cNvSpPr/>
+          <p:nvPr/>
+        </p:nvSpPr>
+        <p:spPr>
+          <a:xfrm>
+            <a:off x="721360" y="5793313"/>
+            <a:ext cx="10789920" cy="516047"/>
+          </a:xfrm>
+          <a:prstGeom prst="roundRect">
+            <a:avLst/>
+          </a:prstGeom>
+          <a:solidFill>
+            <a:srgbClr val="A84554"/>
+          </a:solidFill>
+        </p:spPr>
+        <p:style>
+          <a:lnRef idx="2">
+            <a:schemeClr val="accent1">
+              <a:shade val="50000"/>
+            </a:schemeClr>
+          </a:lnRef>
+          <a:fillRef idx="1">
+            <a:schemeClr val="accent1"/>
+          </a:fillRef>
+          <a:effectRef idx="0">
+            <a:schemeClr val="accent1"/>
+          </a:effectRef>
+          <a:fontRef idx="minor">
+            <a:schemeClr val="lt1"/>
+          </a:fontRef>
+        </p:style>
+        <p:txBody>
+          <a:bodyPr rtlCol="1" anchor="ctr"/>
+          <a:lstStyle/>
+          <a:p>
+            <a:pPr algn="ctr"/>
+            <a:endParaRPr lang="fa-IR" sz="2800" dirty="0">
+              <a:cs typeface="B Traffic" panose="00000400000000000000" pitchFamily="2" charset="-78"/>
+            </a:endParaRPr>
+          </a:p>
+        </p:txBody>
+      </p:sp>
+      <p:sp>
+        <p:nvSpPr>
+          <p:cNvPr id="9" name="TextBox 8">
+            <a:extLst>
+              <a:ext uri="{FF2B5EF4-FFF2-40B4-BE49-F238E27FC236}">
+                <a16:creationId xmlns:a16="http://schemas.microsoft.com/office/drawing/2014/main" id="{350F50E0-DD5C-429E-9016-C96886B30912}"/>
+              </a:ext>
+            </a:extLst>
+          </p:cNvPr>
+          <p:cNvSpPr txBox="1"/>
+          <p:nvPr/>
+        </p:nvSpPr>
+        <p:spPr>
+          <a:xfrm>
+            <a:off x="780869" y="5854273"/>
+            <a:ext cx="10773953" cy="369332"/>
+          </a:xfrm>
+          <a:prstGeom prst="rect">
+            <a:avLst/>
+          </a:prstGeom>
+          <a:noFill/>
+        </p:spPr>
+        <p:txBody>
+          <a:bodyPr wrap="square">
+            <a:spAutoFit/>
+          </a:bodyPr>
+          <a:lstStyle/>
+          <a:p>
+            <a:r>
+              <a:rPr lang="en-US" dirty="0">
+                <a:solidFill>
+                  <a:schemeClr val="bg1"/>
+                </a:solidFill>
+                <a:latin typeface="Bahnschrift" panose="020B0502040204020203" pitchFamily="34" charset="0"/>
+              </a:rPr>
+              <a:t>pip is a package-management system written in Python used to install and manage software packages</a:t>
+            </a:r>
+          </a:p>
+        </p:txBody>
+      </p:sp>
+    </p:spTree>
+    <p:extLst>
+      <p:ext uri="{BB962C8B-B14F-4D97-AF65-F5344CB8AC3E}">
+        <p14:creationId xmlns:p14="http://schemas.microsoft.com/office/powerpoint/2010/main" val="77796953"/>
+      </p:ext>
+    </p:extLst>
+  </p:cSld>
+  <p:clrMapOvr>
+    <a:masterClrMapping/>
+  </p:clrMapOvr>
+  <p:timing>
+    <p:tnLst>
+      <p:par>
+        <p:cTn id="1" dur="indefinite" restart="never" nodeType="tmRoot"/>
+      </p:par>
+    </p:tnLst>
+  </p:timing>
+</p:sld>
+</file>
+
+<file path=ppt/slides/slide8.xml><?xml version="1.0" encoding="utf-8"?>
+<p:sld xmlns:a="http://schemas.openxmlformats.org/drawingml/2006/main" xmlns:r="http://schemas.openxmlformats.org/officeDocument/2006/relationships" xmlns:p="http://schemas.openxmlformats.org/presentationml/2006/main">
+  <p:cSld>
+    <p:spTree>
+      <p:nvGrpSpPr>
+        <p:cNvPr id="1" name=""/>
+        <p:cNvGrpSpPr/>
+        <p:nvPr/>
+      </p:nvGrpSpPr>
+      <p:grpSpPr>
+        <a:xfrm>
+          <a:off x="0" y="0"/>
+          <a:ext cx="0" cy="0"/>
+          <a:chOff x="0" y="0"/>
+          <a:chExt cx="0" cy="0"/>
+        </a:xfrm>
+      </p:grpSpPr>
+      <p:pic>
+        <p:nvPicPr>
+          <p:cNvPr id="2" name="Picture 1"/>
+          <p:cNvPicPr>
+            <a:picLocks noChangeAspect="1"/>
+          </p:cNvPicPr>
+          <p:nvPr/>
+        </p:nvPicPr>
+        <p:blipFill rotWithShape="1">
+          <a:blip r:embed="rId2"/>
+          <a:srcRect l="2367" t="9326" r="69047" b="-198"/>
+          <a:stretch/>
+        </p:blipFill>
+        <p:spPr>
+          <a:xfrm>
+            <a:off x="493484" y="914401"/>
+            <a:ext cx="3207657" cy="5225143"/>
+          </a:xfrm>
+          <a:prstGeom prst="rect">
+            <a:avLst/>
+          </a:prstGeom>
+          <a:ln w="38100" cap="sq">
+            <a:solidFill>
+              <a:srgbClr val="000000"/>
+            </a:solidFill>
+            <a:prstDash val="solid"/>
+            <a:miter lim="800000"/>
+          </a:ln>
+          <a:effectLst>
+            <a:outerShdw blurRad="50800" dist="38100" dir="2700000" algn="tl" rotWithShape="0">
+              <a:srgbClr val="000000">
+                <a:alpha val="43000"/>
+              </a:srgbClr>
+            </a:outerShdw>
+          </a:effectLst>
+        </p:spPr>
+      </p:pic>
+      <p:sp>
+        <p:nvSpPr>
+          <p:cNvPr id="3" name="Rounded Rectangle 2">
+            <a:extLst>
+              <a:ext uri="{FF2B5EF4-FFF2-40B4-BE49-F238E27FC236}">
+                <a16:creationId xmlns:a16="http://schemas.microsoft.com/office/drawing/2014/main" id="{7184B851-9CB0-4515-BF05-4B33A88AA105}"/>
+              </a:ext>
+            </a:extLst>
+          </p:cNvPr>
+          <p:cNvSpPr/>
+          <p:nvPr/>
+        </p:nvSpPr>
+        <p:spPr>
+          <a:xfrm>
+            <a:off x="5075647" y="132740"/>
+            <a:ext cx="2043197" cy="516047"/>
+          </a:xfrm>
+          <a:prstGeom prst="roundRect">
+            <a:avLst/>
+          </a:prstGeom>
+          <a:solidFill>
+            <a:srgbClr val="A84554"/>
+          </a:solidFill>
+        </p:spPr>
+        <p:style>
+          <a:lnRef idx="2">
+            <a:schemeClr val="accent1">
+              <a:shade val="50000"/>
+            </a:schemeClr>
+          </a:lnRef>
+          <a:fillRef idx="1">
+            <a:schemeClr val="accent1"/>
+          </a:fillRef>
+          <a:effectRef idx="0">
+            <a:schemeClr val="accent1"/>
+          </a:effectRef>
+          <a:fontRef idx="minor">
+            <a:schemeClr val="lt1"/>
+          </a:fontRef>
+        </p:style>
+        <p:txBody>
+          <a:bodyPr rtlCol="1" anchor="ctr"/>
+          <a:lstStyle/>
+          <a:p>
+            <a:pPr algn="ctr"/>
+            <a:r>
+              <a:rPr lang="en-US" sz="2800" dirty="0" smtClean="0">
+                <a:cs typeface="B Traffic" panose="00000400000000000000" pitchFamily="2" charset="-78"/>
+              </a:rPr>
+              <a:t>PIP</a:t>
+            </a:r>
+            <a:endParaRPr lang="fa-IR" sz="2800" dirty="0">
+              <a:cs typeface="B Traffic" panose="00000400000000000000" pitchFamily="2" charset="-78"/>
+            </a:endParaRPr>
+          </a:p>
+        </p:txBody>
+      </p:sp>
+      <p:sp>
+        <p:nvSpPr>
+          <p:cNvPr id="4" name="Rectangle 3"/>
+          <p:cNvSpPr/>
+          <p:nvPr/>
+        </p:nvSpPr>
+        <p:spPr>
+          <a:xfrm>
+            <a:off x="653141" y="1611086"/>
+            <a:ext cx="2844800" cy="551543"/>
+          </a:xfrm>
+          <a:prstGeom prst="rect">
+            <a:avLst/>
+          </a:prstGeom>
+          <a:noFill/>
+          <a:ln w="28575">
+            <a:solidFill>
+              <a:srgbClr val="FF0000"/>
+            </a:solidFill>
+          </a:ln>
+        </p:spPr>
+        <p:style>
+          <a:lnRef idx="2">
+            <a:schemeClr val="accent1">
+              <a:shade val="50000"/>
+            </a:schemeClr>
+          </a:lnRef>
+          <a:fillRef idx="1">
+            <a:schemeClr val="accent1"/>
+          </a:fillRef>
+          <a:effectRef idx="0">
+            <a:schemeClr val="accent1"/>
+          </a:effectRef>
+          <a:fontRef idx="minor">
+            <a:schemeClr val="lt1"/>
+          </a:fontRef>
+        </p:style>
+        <p:txBody>
+          <a:bodyPr rtlCol="1" anchor="ctr"/>
+          <a:lstStyle/>
+          <a:p>
+            <a:pPr algn="ctr"/>
+            <a:endParaRPr lang="fa-IR"/>
+          </a:p>
+        </p:txBody>
+      </p:sp>
+      <p:sp>
+        <p:nvSpPr>
+          <p:cNvPr id="5" name="Rounded Rectangle 4"/>
+          <p:cNvSpPr/>
+          <p:nvPr/>
+        </p:nvSpPr>
+        <p:spPr>
+          <a:xfrm>
+            <a:off x="4310742" y="1553698"/>
+            <a:ext cx="4412344" cy="609600"/>
+          </a:xfrm>
+          <a:prstGeom prst="roundRect">
+            <a:avLst/>
+          </a:prstGeom>
+        </p:spPr>
+        <p:style>
+          <a:lnRef idx="2">
+            <a:schemeClr val="dk1">
+              <a:shade val="50000"/>
+            </a:schemeClr>
+          </a:lnRef>
+          <a:fillRef idx="1">
+            <a:schemeClr val="dk1"/>
+          </a:fillRef>
+          <a:effectRef idx="0">
+            <a:schemeClr val="dk1"/>
+          </a:effectRef>
+          <a:fontRef idx="minor">
+            <a:schemeClr val="lt1"/>
+          </a:fontRef>
+        </p:style>
+        <p:txBody>
+          <a:bodyPr rtlCol="1" anchor="ctr"/>
+          <a:lstStyle/>
+          <a:p>
+            <a:pPr algn="ctr"/>
+            <a:r>
+              <a:rPr lang="en-US" sz="2400" dirty="0">
+                <a:solidFill>
+                  <a:schemeClr val="bg1"/>
+                </a:solidFill>
+                <a:latin typeface="Bahnschrift" panose="020B0502040204020203" pitchFamily="34" charset="0"/>
+              </a:rPr>
+              <a:t>&gt;</a:t>
+            </a:r>
+            <a:r>
+              <a:rPr lang="en-US" sz="2400" dirty="0" smtClean="0">
+                <a:solidFill>
+                  <a:schemeClr val="bg1"/>
+                </a:solidFill>
+                <a:latin typeface="Bahnschrift" panose="020B0502040204020203" pitchFamily="34" charset="0"/>
+              </a:rPr>
+              <a:t> python </a:t>
+            </a:r>
+            <a:r>
+              <a:rPr lang="en-US" sz="2400" dirty="0">
+                <a:solidFill>
+                  <a:schemeClr val="bg1"/>
+                </a:solidFill>
+                <a:latin typeface="Bahnschrift" panose="020B0502040204020203" pitchFamily="34" charset="0"/>
+              </a:rPr>
+              <a:t>-m pip --version</a:t>
+            </a:r>
+            <a:endParaRPr lang="fa-IR" sz="2400" dirty="0">
+              <a:solidFill>
+                <a:schemeClr val="bg1"/>
+              </a:solidFill>
+              <a:latin typeface="Bahnschrift" panose="020B0502040204020203" pitchFamily="34" charset="0"/>
+            </a:endParaRPr>
+          </a:p>
+        </p:txBody>
+      </p:sp>
+      <p:sp>
+        <p:nvSpPr>
+          <p:cNvPr id="6" name="TextBox 5"/>
+          <p:cNvSpPr txBox="1"/>
+          <p:nvPr/>
+        </p:nvSpPr>
+        <p:spPr>
+          <a:xfrm>
+            <a:off x="5075647" y="2468988"/>
+            <a:ext cx="6869610" cy="523220"/>
+          </a:xfrm>
+          <a:prstGeom prst="rect">
+            <a:avLst/>
+          </a:prstGeom>
+          <a:noFill/>
+        </p:spPr>
+        <p:txBody>
+          <a:bodyPr wrap="square" rtlCol="1">
+            <a:spAutoFit/>
+          </a:bodyPr>
+          <a:lstStyle/>
+          <a:p>
+            <a:pPr algn="r"/>
+            <a:r>
+              <a:rPr lang="fa-IR" sz="2800" dirty="0">
+                <a:cs typeface="B Traffic" panose="00000400000000000000" pitchFamily="2" charset="-78"/>
+              </a:rPr>
+              <a:t>ورژن پیپ که نصب شده چنده؟ اصلا نصب هست؟؟</a:t>
+            </a:r>
+          </a:p>
+        </p:txBody>
+      </p:sp>
+      <p:sp>
+        <p:nvSpPr>
+          <p:cNvPr id="8" name="Rounded Rectangle 7"/>
+          <p:cNvSpPr/>
+          <p:nvPr/>
+        </p:nvSpPr>
+        <p:spPr>
+          <a:xfrm>
+            <a:off x="4310742" y="3677808"/>
+            <a:ext cx="7097486" cy="609600"/>
+          </a:xfrm>
+          <a:prstGeom prst="roundRect">
+            <a:avLst/>
+          </a:prstGeom>
+        </p:spPr>
+        <p:style>
+          <a:lnRef idx="2">
+            <a:schemeClr val="dk1">
+              <a:shade val="50000"/>
+            </a:schemeClr>
+          </a:lnRef>
+          <a:fillRef idx="1">
+            <a:schemeClr val="dk1"/>
+          </a:fillRef>
+          <a:effectRef idx="0">
+            <a:schemeClr val="dk1"/>
+          </a:effectRef>
+          <a:fontRef idx="minor">
+            <a:schemeClr val="lt1"/>
+          </a:fontRef>
+        </p:style>
+        <p:txBody>
+          <a:bodyPr rtlCol="1" anchor="ctr"/>
+          <a:lstStyle/>
+          <a:p>
+            <a:r>
+              <a:rPr lang="fa-IR" sz="2400" dirty="0" smtClean="0">
+                <a:solidFill>
+                  <a:schemeClr val="bg1"/>
+                </a:solidFill>
+                <a:latin typeface="Bahnschrift" panose="020B0502040204020203" pitchFamily="34" charset="0"/>
+              </a:rPr>
+              <a:t>   </a:t>
+            </a:r>
+            <a:r>
+              <a:rPr lang="en-US" sz="2400" dirty="0" smtClean="0">
+                <a:solidFill>
+                  <a:schemeClr val="bg1"/>
+                </a:solidFill>
+                <a:latin typeface="Bahnschrift" panose="020B0502040204020203" pitchFamily="34" charset="0"/>
+              </a:rPr>
+              <a:t>&gt; </a:t>
+            </a:r>
+            <a:r>
+              <a:rPr lang="fa-IR" sz="2400" dirty="0" smtClean="0">
+                <a:solidFill>
+                  <a:schemeClr val="bg1"/>
+                </a:solidFill>
+                <a:latin typeface="Bahnschrift" panose="020B0502040204020203" pitchFamily="34" charset="0"/>
+              </a:rPr>
+              <a:t>python </a:t>
+            </a:r>
+            <a:r>
+              <a:rPr lang="fa-IR" sz="2400" dirty="0">
+                <a:solidFill>
+                  <a:schemeClr val="bg1"/>
+                </a:solidFill>
+                <a:latin typeface="Bahnschrift" panose="020B0502040204020203" pitchFamily="34" charset="0"/>
+              </a:rPr>
+              <a:t>-m pip install --upgrade --user pip </a:t>
+            </a:r>
+          </a:p>
+        </p:txBody>
+      </p:sp>
+      <p:sp>
+        <p:nvSpPr>
+          <p:cNvPr id="9" name="TextBox 8"/>
+          <p:cNvSpPr txBox="1"/>
+          <p:nvPr/>
+        </p:nvSpPr>
+        <p:spPr>
+          <a:xfrm>
+            <a:off x="5075647" y="4711398"/>
+            <a:ext cx="6869610" cy="523220"/>
+          </a:xfrm>
+          <a:prstGeom prst="rect">
+            <a:avLst/>
+          </a:prstGeom>
+          <a:noFill/>
+        </p:spPr>
+        <p:txBody>
+          <a:bodyPr wrap="square" rtlCol="1">
+            <a:spAutoFit/>
+          </a:bodyPr>
+          <a:lstStyle/>
+          <a:p>
+            <a:pPr algn="r" rtl="1"/>
+            <a:r>
+              <a:rPr lang="fa-IR" sz="2800" dirty="0" smtClean="0">
+                <a:cs typeface="B Traffic" panose="00000400000000000000" pitchFamily="2" charset="-78"/>
+              </a:rPr>
+              <a:t>نصب و بروز رسانی </a:t>
+            </a:r>
+            <a:r>
+              <a:rPr lang="en-US" sz="2800" dirty="0" smtClean="0">
+                <a:cs typeface="B Traffic" panose="00000400000000000000" pitchFamily="2" charset="-78"/>
+              </a:rPr>
+              <a:t>PIP</a:t>
+            </a:r>
+            <a:endParaRPr lang="fa-IR" sz="2800" dirty="0">
+              <a:cs typeface="B Traffic" panose="00000400000000000000" pitchFamily="2" charset="-78"/>
+            </a:endParaRPr>
+          </a:p>
+        </p:txBody>
+      </p:sp>
+    </p:spTree>
+    <p:extLst>
+      <p:ext uri="{BB962C8B-B14F-4D97-AF65-F5344CB8AC3E}">
+        <p14:creationId xmlns:p14="http://schemas.microsoft.com/office/powerpoint/2010/main" val="464249355"/>
+      </p:ext>
+    </p:extLst>
+  </p:cSld>
+  <p:clrMapOvr>
+    <a:masterClrMapping/>
+  </p:clrMapOvr>
+  <p:timing>
+    <p:tnLst>
+      <p:par>
+        <p:cTn id="1" dur="indefinite" restart="never" nodeType="tmRoot"/>
+      </p:par>
+    </p:tnLst>
+  </p:timing>
+</p:sld>
+</file>
+
+<file path=ppt/slides/slide9.xml><?xml version="1.0" encoding="utf-8"?>
+<p:sld xmlns:a="http://schemas.openxmlformats.org/drawingml/2006/main" xmlns:r="http://schemas.openxmlformats.org/officeDocument/2006/relationships" xmlns:p="http://schemas.openxmlformats.org/presentationml/2006/main">
+  <p:cSld>
+    <p:spTree>
+      <p:nvGrpSpPr>
+        <p:cNvPr id="1" name=""/>
+        <p:cNvGrpSpPr/>
+        <p:nvPr/>
+      </p:nvGrpSpPr>
+      <p:grpSpPr>
+        <a:xfrm>
+          <a:off x="0" y="0"/>
+          <a:ext cx="0" cy="0"/>
+          <a:chOff x="0" y="0"/>
+          <a:chExt cx="0" cy="0"/>
+        </a:xfrm>
+      </p:grpSpPr>
+      <p:pic>
+        <p:nvPicPr>
+          <p:cNvPr id="1026" name="Picture 2" descr="File:Jupyter logo.svg - Wikimedia Commons"/>
+          <p:cNvPicPr>
+            <a:picLocks noChangeAspect="1" noChangeArrowheads="1"/>
+          </p:cNvPicPr>
+          <p:nvPr/>
+        </p:nvPicPr>
+        <p:blipFill>
+          <a:blip r:embed="rId2" cstate="print">
+            <a:extLst>
+              <a:ext uri="{28A0092B-C50C-407E-A947-70E740481C1C}">
+                <a14:useLocalDpi xmlns:a14="http://schemas.microsoft.com/office/drawing/2010/main" val="0"/>
+              </a:ext>
+            </a:extLst>
+          </a:blip>
+          <a:srcRect/>
+          <a:stretch>
+            <a:fillRect/>
+          </a:stretch>
+        </p:blipFill>
+        <p:spPr bwMode="auto">
+          <a:xfrm>
+            <a:off x="4535713" y="632272"/>
+            <a:ext cx="3047999" cy="3533139"/>
+          </a:xfrm>
+          <a:prstGeom prst="rect">
+            <a:avLst/>
+          </a:prstGeom>
+          <a:noFill/>
+          <a:extLst>
+            <a:ext uri="{909E8E84-426E-40DD-AFC4-6F175D3DCCD1}">
+              <a14:hiddenFill xmlns:a14="http://schemas.microsoft.com/office/drawing/2010/main">
+                <a:solidFill>
+                  <a:srgbClr val="FFFFFF"/>
+                </a:solidFill>
+              </a14:hiddenFill>
+            </a:ext>
+          </a:extLst>
+        </p:spPr>
+      </p:pic>
+      <p:sp>
+        <p:nvSpPr>
+          <p:cNvPr id="2" name="Rectangle 1"/>
+          <p:cNvSpPr/>
+          <p:nvPr/>
+        </p:nvSpPr>
+        <p:spPr>
+          <a:xfrm>
+            <a:off x="1573256" y="4680423"/>
+            <a:ext cx="8880957" cy="461665"/>
+          </a:xfrm>
+          <a:prstGeom prst="rect">
+            <a:avLst/>
+          </a:prstGeom>
+          <a:noFill/>
+        </p:spPr>
+        <p:txBody>
+          <a:bodyPr wrap="square" rtlCol="1">
+            <a:spAutoFit/>
+          </a:bodyPr>
+          <a:lstStyle/>
+          <a:p>
+            <a:pPr algn="r"/>
+            <a:r>
+              <a:rPr lang="fa-IR" sz="2400" dirty="0">
+                <a:cs typeface="B Traffic" panose="00000400000000000000" pitchFamily="2" charset="-78"/>
+              </a:rPr>
+              <a:t>نام ژوپیتر به سه زبان برنامه‌نویسی که مورد پشتیبانی این پروژه هستند برمیگردد</a:t>
+            </a:r>
+          </a:p>
+        </p:txBody>
+      </p:sp>
+      <p:sp>
+        <p:nvSpPr>
+          <p:cNvPr id="3" name="Freeform 2"/>
+          <p:cNvSpPr/>
+          <p:nvPr/>
+        </p:nvSpPr>
+        <p:spPr>
+          <a:xfrm>
+            <a:off x="7678057" y="1216496"/>
+            <a:ext cx="1799790" cy="771961"/>
+          </a:xfrm>
+          <a:custGeom>
+            <a:avLst/>
+            <a:gdLst>
+              <a:gd name="connsiteX0" fmla="*/ 0 w 1453101"/>
+              <a:gd name="connsiteY0" fmla="*/ 771961 h 771961"/>
+              <a:gd name="connsiteX1" fmla="*/ 769257 w 1453101"/>
+              <a:gd name="connsiteY1" fmla="*/ 2704 h 771961"/>
+              <a:gd name="connsiteX2" fmla="*/ 1393372 w 1453101"/>
+              <a:gd name="connsiteY2" fmla="*/ 510704 h 771961"/>
+              <a:gd name="connsiteX3" fmla="*/ 1306286 w 1453101"/>
+              <a:gd name="connsiteY3" fmla="*/ 336533 h 771961"/>
+              <a:gd name="connsiteX4" fmla="*/ 1451429 w 1453101"/>
+              <a:gd name="connsiteY4" fmla="*/ 525218 h 771961"/>
+              <a:gd name="connsiteX5" fmla="*/ 1190172 w 1453101"/>
+              <a:gd name="connsiteY5" fmla="*/ 525218 h 771961"/>
+            </a:gdLst>
+            <a:ahLst/>
+            <a:cxnLst>
+              <a:cxn ang="0">
+                <a:pos x="connsiteX0" y="connsiteY0"/>
+              </a:cxn>
+              <a:cxn ang="0">
+                <a:pos x="connsiteX1" y="connsiteY1"/>
+              </a:cxn>
+              <a:cxn ang="0">
+                <a:pos x="connsiteX2" y="connsiteY2"/>
+              </a:cxn>
+              <a:cxn ang="0">
+                <a:pos x="connsiteX3" y="connsiteY3"/>
+              </a:cxn>
+              <a:cxn ang="0">
+                <a:pos x="connsiteX4" y="connsiteY4"/>
+              </a:cxn>
+              <a:cxn ang="0">
+                <a:pos x="connsiteX5" y="connsiteY5"/>
+              </a:cxn>
+            </a:cxnLst>
+            <a:rect l="l" t="t" r="r" b="b"/>
+            <a:pathLst>
+              <a:path w="1453101" h="771961">
+                <a:moveTo>
+                  <a:pt x="0" y="771961"/>
+                </a:moveTo>
+                <a:cubicBezTo>
+                  <a:pt x="268514" y="409104"/>
+                  <a:pt x="537028" y="46247"/>
+                  <a:pt x="769257" y="2704"/>
+                </a:cubicBezTo>
+                <a:cubicBezTo>
+                  <a:pt x="1001486" y="-40839"/>
+                  <a:pt x="1303867" y="455066"/>
+                  <a:pt x="1393372" y="510704"/>
+                </a:cubicBezTo>
+                <a:cubicBezTo>
+                  <a:pt x="1482877" y="566342"/>
+                  <a:pt x="1296610" y="334114"/>
+                  <a:pt x="1306286" y="336533"/>
+                </a:cubicBezTo>
+                <a:cubicBezTo>
+                  <a:pt x="1315962" y="338952"/>
+                  <a:pt x="1470781" y="493771"/>
+                  <a:pt x="1451429" y="525218"/>
+                </a:cubicBezTo>
+                <a:cubicBezTo>
+                  <a:pt x="1432077" y="556665"/>
+                  <a:pt x="1311124" y="540941"/>
+                  <a:pt x="1190172" y="525218"/>
+                </a:cubicBezTo>
+              </a:path>
+            </a:pathLst>
+          </a:custGeom>
+          <a:ln w="38100">
+            <a:solidFill>
+              <a:srgbClr val="F37726"/>
+            </a:solidFill>
+          </a:ln>
+        </p:spPr>
+        <p:style>
+          <a:lnRef idx="3">
+            <a:schemeClr val="dk1"/>
+          </a:lnRef>
+          <a:fillRef idx="0">
+            <a:schemeClr val="dk1"/>
+          </a:fillRef>
+          <a:effectRef idx="2">
+            <a:schemeClr val="dk1"/>
+          </a:effectRef>
+          <a:fontRef idx="minor">
+            <a:schemeClr val="tx1"/>
+          </a:fontRef>
+        </p:style>
+        <p:txBody>
+          <a:bodyPr rtlCol="1" anchor="ctr"/>
+          <a:lstStyle/>
+          <a:p>
+            <a:pPr algn="ctr"/>
+            <a:endParaRPr lang="fa-IR"/>
+          </a:p>
+        </p:txBody>
+      </p:sp>
+      <p:sp>
+        <p:nvSpPr>
+          <p:cNvPr id="4" name="Freeform 3"/>
+          <p:cNvSpPr/>
+          <p:nvPr/>
+        </p:nvSpPr>
+        <p:spPr>
+          <a:xfrm>
+            <a:off x="2641578" y="1079549"/>
+            <a:ext cx="2119086" cy="579630"/>
+          </a:xfrm>
+          <a:custGeom>
+            <a:avLst/>
+            <a:gdLst>
+              <a:gd name="connsiteX0" fmla="*/ 2338576 w 2338576"/>
+              <a:gd name="connsiteY0" fmla="*/ 537184 h 579630"/>
+              <a:gd name="connsiteX1" fmla="*/ 1337090 w 2338576"/>
+              <a:gd name="connsiteY1" fmla="*/ 155 h 579630"/>
+              <a:gd name="connsiteX2" fmla="*/ 74347 w 2338576"/>
+              <a:gd name="connsiteY2" fmla="*/ 479126 h 579630"/>
+              <a:gd name="connsiteX3" fmla="*/ 321090 w 2338576"/>
+              <a:gd name="connsiteY3" fmla="*/ 261412 h 579630"/>
+              <a:gd name="connsiteX4" fmla="*/ 1776 w 2338576"/>
+              <a:gd name="connsiteY4" fmla="*/ 551698 h 579630"/>
+              <a:gd name="connsiteX5" fmla="*/ 495261 w 2338576"/>
+              <a:gd name="connsiteY5" fmla="*/ 551698 h 579630"/>
+            </a:gdLst>
+            <a:ahLst/>
+            <a:cxnLst>
+              <a:cxn ang="0">
+                <a:pos x="connsiteX0" y="connsiteY0"/>
+              </a:cxn>
+              <a:cxn ang="0">
+                <a:pos x="connsiteX1" y="connsiteY1"/>
+              </a:cxn>
+              <a:cxn ang="0">
+                <a:pos x="connsiteX2" y="connsiteY2"/>
+              </a:cxn>
+              <a:cxn ang="0">
+                <a:pos x="connsiteX3" y="connsiteY3"/>
+              </a:cxn>
+              <a:cxn ang="0">
+                <a:pos x="connsiteX4" y="connsiteY4"/>
+              </a:cxn>
+              <a:cxn ang="0">
+                <a:pos x="connsiteX5" y="connsiteY5"/>
+              </a:cxn>
+            </a:cxnLst>
+            <a:rect l="l" t="t" r="r" b="b"/>
+            <a:pathLst>
+              <a:path w="2338576" h="579630">
+                <a:moveTo>
+                  <a:pt x="2338576" y="537184"/>
+                </a:moveTo>
+                <a:cubicBezTo>
+                  <a:pt x="2026518" y="273507"/>
+                  <a:pt x="1714461" y="9831"/>
+                  <a:pt x="1337090" y="155"/>
+                </a:cubicBezTo>
+                <a:cubicBezTo>
+                  <a:pt x="959719" y="-9521"/>
+                  <a:pt x="243680" y="435583"/>
+                  <a:pt x="74347" y="479126"/>
+                </a:cubicBezTo>
+                <a:cubicBezTo>
+                  <a:pt x="-94986" y="522669"/>
+                  <a:pt x="333185" y="249317"/>
+                  <a:pt x="321090" y="261412"/>
+                </a:cubicBezTo>
+                <a:cubicBezTo>
+                  <a:pt x="308995" y="273507"/>
+                  <a:pt x="-27252" y="503317"/>
+                  <a:pt x="1776" y="551698"/>
+                </a:cubicBezTo>
+                <a:cubicBezTo>
+                  <a:pt x="30804" y="600079"/>
+                  <a:pt x="263032" y="575888"/>
+                  <a:pt x="495261" y="551698"/>
+                </a:cubicBezTo>
+              </a:path>
+            </a:pathLst>
+          </a:custGeom>
+          <a:ln w="38100">
+            <a:solidFill>
+              <a:srgbClr val="F37726"/>
+            </a:solidFill>
+          </a:ln>
+        </p:spPr>
+        <p:style>
+          <a:lnRef idx="3">
+            <a:schemeClr val="dk1"/>
+          </a:lnRef>
+          <a:fillRef idx="0">
+            <a:schemeClr val="dk1"/>
+          </a:fillRef>
+          <a:effectRef idx="2">
+            <a:schemeClr val="dk1"/>
+          </a:effectRef>
+          <a:fontRef idx="minor">
+            <a:schemeClr val="tx1"/>
+          </a:fontRef>
+        </p:style>
+        <p:txBody>
+          <a:bodyPr rtlCol="1" anchor="ctr"/>
+          <a:lstStyle/>
+          <a:p>
+            <a:pPr algn="ctr"/>
+            <a:endParaRPr lang="fa-IR"/>
+          </a:p>
+        </p:txBody>
+      </p:sp>
+      <p:sp>
+        <p:nvSpPr>
+          <p:cNvPr id="8" name="Freeform 7"/>
+          <p:cNvSpPr/>
+          <p:nvPr/>
+        </p:nvSpPr>
+        <p:spPr>
+          <a:xfrm>
+            <a:off x="2641578" y="3265715"/>
+            <a:ext cx="2235222" cy="696685"/>
+          </a:xfrm>
+          <a:custGeom>
+            <a:avLst/>
+            <a:gdLst>
+              <a:gd name="connsiteX0" fmla="*/ 2235222 w 2235222"/>
+              <a:gd name="connsiteY0" fmla="*/ 0 h 696685"/>
+              <a:gd name="connsiteX1" fmla="*/ 1349850 w 2235222"/>
+              <a:gd name="connsiteY1" fmla="*/ 667657 h 696685"/>
+              <a:gd name="connsiteX2" fmla="*/ 29050 w 2235222"/>
+              <a:gd name="connsiteY2" fmla="*/ 420914 h 696685"/>
+              <a:gd name="connsiteX3" fmla="*/ 406422 w 2235222"/>
+              <a:gd name="connsiteY3" fmla="*/ 348343 h 696685"/>
+              <a:gd name="connsiteX4" fmla="*/ 43565 w 2235222"/>
+              <a:gd name="connsiteY4" fmla="*/ 391885 h 696685"/>
+              <a:gd name="connsiteX5" fmla="*/ 203222 w 2235222"/>
+              <a:gd name="connsiteY5" fmla="*/ 696685 h 696685"/>
+            </a:gdLst>
+            <a:ahLst/>
+            <a:cxnLst>
+              <a:cxn ang="0">
+                <a:pos x="connsiteX0" y="connsiteY0"/>
+              </a:cxn>
+              <a:cxn ang="0">
+                <a:pos x="connsiteX1" y="connsiteY1"/>
+              </a:cxn>
+              <a:cxn ang="0">
+                <a:pos x="connsiteX2" y="connsiteY2"/>
+              </a:cxn>
+              <a:cxn ang="0">
+                <a:pos x="connsiteX3" y="connsiteY3"/>
+              </a:cxn>
+              <a:cxn ang="0">
+                <a:pos x="connsiteX4" y="connsiteY4"/>
+              </a:cxn>
+              <a:cxn ang="0">
+                <a:pos x="connsiteX5" y="connsiteY5"/>
+              </a:cxn>
+            </a:cxnLst>
+            <a:rect l="l" t="t" r="r" b="b"/>
+            <a:pathLst>
+              <a:path w="2235222" h="696685">
+                <a:moveTo>
+                  <a:pt x="2235222" y="0"/>
+                </a:moveTo>
+                <a:cubicBezTo>
+                  <a:pt x="1976383" y="298752"/>
+                  <a:pt x="1717545" y="597505"/>
+                  <a:pt x="1349850" y="667657"/>
+                </a:cubicBezTo>
+                <a:cubicBezTo>
+                  <a:pt x="982155" y="737809"/>
+                  <a:pt x="186288" y="474133"/>
+                  <a:pt x="29050" y="420914"/>
+                </a:cubicBezTo>
+                <a:cubicBezTo>
+                  <a:pt x="-128188" y="367695"/>
+                  <a:pt x="404003" y="353181"/>
+                  <a:pt x="406422" y="348343"/>
+                </a:cubicBezTo>
+                <a:cubicBezTo>
+                  <a:pt x="408841" y="343505"/>
+                  <a:pt x="77432" y="333828"/>
+                  <a:pt x="43565" y="391885"/>
+                </a:cubicBezTo>
+                <a:cubicBezTo>
+                  <a:pt x="9698" y="449942"/>
+                  <a:pt x="106460" y="573313"/>
+                  <a:pt x="203222" y="696685"/>
+                </a:cubicBezTo>
+              </a:path>
+            </a:pathLst>
+          </a:custGeom>
+          <a:ln w="38100">
+            <a:solidFill>
+              <a:srgbClr val="F37726"/>
+            </a:solidFill>
+          </a:ln>
+        </p:spPr>
+        <p:style>
+          <a:lnRef idx="3">
+            <a:schemeClr val="dk1"/>
+          </a:lnRef>
+          <a:fillRef idx="0">
+            <a:schemeClr val="dk1"/>
+          </a:fillRef>
+          <a:effectRef idx="2">
+            <a:schemeClr val="dk1"/>
+          </a:effectRef>
+          <a:fontRef idx="minor">
+            <a:schemeClr val="tx1"/>
+          </a:fontRef>
+        </p:style>
+        <p:txBody>
+          <a:bodyPr rtlCol="1" anchor="ctr"/>
+          <a:lstStyle/>
+          <a:p>
+            <a:pPr algn="ctr"/>
+            <a:endParaRPr lang="fa-IR">
+              <a:solidFill>
+                <a:schemeClr val="tx1"/>
+              </a:solidFill>
+            </a:endParaRPr>
+          </a:p>
+        </p:txBody>
+      </p:sp>
+      <p:pic>
+        <p:nvPicPr>
+          <p:cNvPr id="1028" name="Picture 4" descr="R (programming language) - Wikipedia"/>
+          <p:cNvPicPr>
+            <a:picLocks noChangeAspect="1" noChangeArrowheads="1"/>
+          </p:cNvPicPr>
+          <p:nvPr/>
+        </p:nvPicPr>
+        <p:blipFill>
+          <a:blip r:embed="rId3" cstate="print">
+            <a:extLst>
+              <a:ext uri="{28A0092B-C50C-407E-A947-70E740481C1C}">
+                <a14:useLocalDpi xmlns:a14="http://schemas.microsoft.com/office/drawing/2010/main" val="0"/>
+              </a:ext>
+            </a:extLst>
+          </a:blip>
+          <a:srcRect/>
+          <a:stretch>
+            <a:fillRect/>
+          </a:stretch>
+        </p:blipFill>
+        <p:spPr bwMode="auto">
+          <a:xfrm>
+            <a:off x="667658" y="3041807"/>
+            <a:ext cx="1811196" cy="1403676"/>
+          </a:xfrm>
+          <a:prstGeom prst="rect">
+            <a:avLst/>
+          </a:prstGeom>
+          <a:noFill/>
+          <a:extLst>
+            <a:ext uri="{909E8E84-426E-40DD-AFC4-6F175D3DCCD1}">
+              <a14:hiddenFill xmlns:a14="http://schemas.microsoft.com/office/drawing/2010/main">
+                <a:solidFill>
+                  <a:srgbClr val="FFFFFF"/>
+                </a:solidFill>
+              </a14:hiddenFill>
+            </a:ext>
+          </a:extLst>
+        </p:spPr>
+      </p:pic>
+      <p:pic>
+        <p:nvPicPr>
+          <p:cNvPr id="10" name="Picture 9"/>
+          <p:cNvPicPr>
+            <a:picLocks noChangeAspect="1"/>
+          </p:cNvPicPr>
+          <p:nvPr/>
+        </p:nvPicPr>
+        <p:blipFill>
+          <a:blip r:embed="rId4"/>
+          <a:stretch>
+            <a:fillRect/>
+          </a:stretch>
+        </p:blipFill>
+        <p:spPr>
+          <a:xfrm>
+            <a:off x="8778726" y="1840113"/>
+            <a:ext cx="2077960" cy="1299333"/>
+          </a:xfrm>
+          <a:prstGeom prst="rect">
+            <a:avLst/>
+          </a:prstGeom>
+        </p:spPr>
+      </p:pic>
+      <p:pic>
+        <p:nvPicPr>
+          <p:cNvPr id="1034" name="Picture 10" descr="File:Python-logo-notext.svg - Wikimedia Commons"/>
+          <p:cNvPicPr>
+            <a:picLocks noChangeAspect="1" noChangeArrowheads="1"/>
+          </p:cNvPicPr>
+          <p:nvPr/>
+        </p:nvPicPr>
+        <p:blipFill>
+          <a:blip r:embed="rId5" cstate="print">
+            <a:extLst>
+              <a:ext uri="{28A0092B-C50C-407E-A947-70E740481C1C}">
+                <a14:useLocalDpi xmlns:a14="http://schemas.microsoft.com/office/drawing/2010/main" val="0"/>
+              </a:ext>
+            </a:extLst>
+          </a:blip>
+          <a:srcRect/>
+          <a:stretch>
+            <a:fillRect/>
+          </a:stretch>
+        </p:blipFill>
+        <p:spPr bwMode="auto">
+          <a:xfrm>
+            <a:off x="910168" y="971799"/>
+            <a:ext cx="1568685" cy="1568685"/>
+          </a:xfrm>
+          <a:prstGeom prst="rect">
+            <a:avLst/>
+          </a:prstGeom>
+          <a:noFill/>
+          <a:extLst>
+            <a:ext uri="{909E8E84-426E-40DD-AFC4-6F175D3DCCD1}">
+              <a14:hiddenFill xmlns:a14="http://schemas.microsoft.com/office/drawing/2010/main">
+                <a:solidFill>
+                  <a:srgbClr val="FFFFFF"/>
+                </a:solidFill>
+              </a14:hiddenFill>
+            </a:ext>
+          </a:extLst>
+        </p:spPr>
+      </p:pic>
+      <p:sp>
+        <p:nvSpPr>
+          <p:cNvPr id="15" name="Rounded Rectangle 14"/>
+          <p:cNvSpPr/>
+          <p:nvPr/>
+        </p:nvSpPr>
+        <p:spPr>
+          <a:xfrm>
+            <a:off x="2334351" y="5279385"/>
+            <a:ext cx="7358765" cy="591557"/>
+          </a:xfrm>
+          <a:prstGeom prst="roundRect">
+            <a:avLst/>
+          </a:prstGeom>
+        </p:spPr>
+        <p:style>
+          <a:lnRef idx="2">
+            <a:schemeClr val="dk1">
+              <a:shade val="50000"/>
+            </a:schemeClr>
+          </a:lnRef>
+          <a:fillRef idx="1">
+            <a:schemeClr val="dk1"/>
+          </a:fillRef>
+          <a:effectRef idx="0">
+            <a:schemeClr val="dk1"/>
+          </a:effectRef>
+          <a:fontRef idx="minor">
+            <a:schemeClr val="lt1"/>
+          </a:fontRef>
+        </p:style>
+        <p:txBody>
+          <a:bodyPr rtlCol="1" anchor="ctr"/>
+          <a:lstStyle/>
+          <a:p>
+            <a:pPr algn="ctr"/>
+            <a:r>
+              <a:rPr lang="en-US" sz="2400" dirty="0" smtClean="0">
+                <a:solidFill>
+                  <a:schemeClr val="bg1"/>
+                </a:solidFill>
+                <a:latin typeface="Bahnschrift" panose="020B0502040204020203" pitchFamily="34" charset="0"/>
+              </a:rPr>
+              <a:t>&gt; python </a:t>
+            </a:r>
+            <a:r>
+              <a:rPr lang="en-US" sz="2400" dirty="0">
+                <a:solidFill>
+                  <a:schemeClr val="bg1"/>
+                </a:solidFill>
+                <a:latin typeface="Bahnschrift" panose="020B0502040204020203" pitchFamily="34" charset="0"/>
+              </a:rPr>
+              <a:t>-m pip install --upgrade --user notebook</a:t>
+            </a:r>
+            <a:endParaRPr lang="fa-IR" sz="2400" dirty="0">
+              <a:solidFill>
+                <a:schemeClr val="bg1"/>
+              </a:solidFill>
+              <a:latin typeface="Bahnschrift" panose="020B0502040204020203" pitchFamily="34" charset="0"/>
+            </a:endParaRPr>
+          </a:p>
+        </p:txBody>
+      </p:sp>
+    </p:spTree>
+    <p:extLst>
+      <p:ext uri="{BB962C8B-B14F-4D97-AF65-F5344CB8AC3E}">
+        <p14:creationId xmlns:p14="http://schemas.microsoft.com/office/powerpoint/2010/main" val="4261148282"/>
       </p:ext>
     </p:extLst>
   </p:cSld>
